--- a/Day 1/Slides/2. Understanding Cloud Computing/understanding-cloud-computing-slides.pptx
+++ b/Day 1/Slides/2. Understanding Cloud Computing/understanding-cloud-computing-slides.pptx
@@ -5,34 +5,44 @@
     <p:sldMasterId id="2147483648" r:id="rId1"/>
   </p:sldMasterIdLst>
   <p:notesMasterIdLst>
-    <p:notesMasterId r:id="rId28"/>
+    <p:notesMasterId r:id="rId38"/>
   </p:notesMasterIdLst>
   <p:sldIdLst>
     <p:sldId id="256" r:id="rId3"/>
     <p:sldId id="258" r:id="rId4"/>
     <p:sldId id="259" r:id="rId5"/>
-    <p:sldId id="260" r:id="rId6"/>
-    <p:sldId id="261" r:id="rId7"/>
-    <p:sldId id="262" r:id="rId8"/>
-    <p:sldId id="263" r:id="rId9"/>
-    <p:sldId id="264" r:id="rId10"/>
-    <p:sldId id="265" r:id="rId11"/>
-    <p:sldId id="266" r:id="rId12"/>
-    <p:sldId id="267" r:id="rId13"/>
-    <p:sldId id="268" r:id="rId14"/>
-    <p:sldId id="269" r:id="rId15"/>
-    <p:sldId id="270" r:id="rId16"/>
-    <p:sldId id="271" r:id="rId17"/>
-    <p:sldId id="272" r:id="rId18"/>
-    <p:sldId id="273" r:id="rId19"/>
-    <p:sldId id="274" r:id="rId20"/>
-    <p:sldId id="275" r:id="rId21"/>
-    <p:sldId id="276" r:id="rId22"/>
-    <p:sldId id="277" r:id="rId23"/>
-    <p:sldId id="278" r:id="rId24"/>
-    <p:sldId id="279" r:id="rId25"/>
-    <p:sldId id="280" r:id="rId26"/>
-    <p:sldId id="281" r:id="rId27"/>
+    <p:sldId id="282" r:id="rId6"/>
+    <p:sldId id="283" r:id="rId7"/>
+    <p:sldId id="284" r:id="rId8"/>
+    <p:sldId id="285" r:id="rId9"/>
+    <p:sldId id="286" r:id="rId10"/>
+    <p:sldId id="287" r:id="rId11"/>
+    <p:sldId id="288" r:id="rId12"/>
+    <p:sldId id="289" r:id="rId13"/>
+    <p:sldId id="290" r:id="rId14"/>
+    <p:sldId id="291" r:id="rId15"/>
+    <p:sldId id="260" r:id="rId16"/>
+    <p:sldId id="261" r:id="rId17"/>
+    <p:sldId id="262" r:id="rId18"/>
+    <p:sldId id="263" r:id="rId19"/>
+    <p:sldId id="264" r:id="rId20"/>
+    <p:sldId id="265" r:id="rId21"/>
+    <p:sldId id="266" r:id="rId22"/>
+    <p:sldId id="267" r:id="rId23"/>
+    <p:sldId id="268" r:id="rId24"/>
+    <p:sldId id="269" r:id="rId25"/>
+    <p:sldId id="270" r:id="rId26"/>
+    <p:sldId id="271" r:id="rId27"/>
+    <p:sldId id="272" r:id="rId28"/>
+    <p:sldId id="273" r:id="rId29"/>
+    <p:sldId id="274" r:id="rId30"/>
+    <p:sldId id="275" r:id="rId31"/>
+    <p:sldId id="276" r:id="rId32"/>
+    <p:sldId id="277" r:id="rId33"/>
+    <p:sldId id="278" r:id="rId34"/>
+    <p:sldId id="279" r:id="rId35"/>
+    <p:sldId id="280" r:id="rId36"/>
+    <p:sldId id="281" r:id="rId37"/>
   </p:sldIdLst>
   <p:sldSz cx="16256000" cy="9144000"/>
   <p:notesSz cx="16256000" cy="9144000"/>
@@ -2190,6 +2200,4499 @@
 </file>
 
 <file path=ppt/slides/slide10.xml><?xml version="1.0" encoding="utf-8"?>
+<p:sld xmlns:a="http://schemas.openxmlformats.org/drawingml/2006/main" xmlns:r="http://schemas.openxmlformats.org/officeDocument/2006/relationships" xmlns:p="http://schemas.openxmlformats.org/presentationml/2006/main">
+  <p:cSld>
+    <p:spTree>
+      <p:nvGrpSpPr>
+        <p:cNvPr id="1" name=""/>
+        <p:cNvGrpSpPr/>
+        <p:nvPr/>
+      </p:nvGrpSpPr>
+      <p:grpSpPr/>
+      <p:sp>
+        <p:nvSpPr>
+          <p:cNvPr id="6" name="Title 5"/>
+          <p:cNvSpPr>
+            <a:spLocks noGrp="1"/>
+          </p:cNvSpPr>
+          <p:nvPr>
+            <p:ph type="title"/>
+          </p:nvPr>
+        </p:nvSpPr>
+        <p:spPr/>
+        <p:txBody>
+          <a:bodyPr/>
+          <a:p>
+            <a:endParaRPr lang="en-US"/>
+          </a:p>
+        </p:txBody>
+      </p:sp>
+      <p:sp>
+        <p:nvSpPr>
+          <p:cNvPr id="4" name="Slide Number Placeholder 3"/>
+          <p:cNvSpPr>
+            <a:spLocks noGrp="1"/>
+          </p:cNvSpPr>
+          <p:nvPr>
+            <p:ph type="sldNum" sz="quarter" idx="7"/>
+          </p:nvPr>
+        </p:nvSpPr>
+        <p:spPr/>
+        <p:txBody>
+          <a:bodyPr/>
+          <a:p>
+            <a:fld id="{B6F15528-21DE-4FAA-801E-634DDDAF4B2B}" type="slidenum">
+              <a:rPr/>
+            </a:fld>
+            <a:endParaRPr/>
+          </a:p>
+        </p:txBody>
+      </p:sp>
+      <p:sp>
+        <p:nvSpPr>
+          <p:cNvPr id="7" name="Content Placeholder 6"/>
+          <p:cNvSpPr>
+            <a:spLocks noGrp="1"/>
+          </p:cNvSpPr>
+          <p:nvPr>
+            <p:ph sz="half" idx="3"/>
+          </p:nvPr>
+        </p:nvSpPr>
+        <p:spPr/>
+        <p:txBody>
+          <a:bodyPr/>
+          <a:p>
+            <a:endParaRPr lang="en-US"/>
+          </a:p>
+        </p:txBody>
+      </p:sp>
+      <p:pic>
+        <p:nvPicPr>
+          <p:cNvPr id="5" name="Content Placeholder 4"/>
+          <p:cNvPicPr>
+            <a:picLocks noChangeAspect="1"/>
+          </p:cNvPicPr>
+          <p:nvPr>
+            <p:ph sz="half" idx="2"/>
+          </p:nvPr>
+        </p:nvPicPr>
+        <p:blipFill>
+          <a:blip r:embed="rId1"/>
+          <a:stretch>
+            <a:fillRect/>
+          </a:stretch>
+        </p:blipFill>
+        <p:spPr>
+          <a:xfrm>
+            <a:off x="2108200" y="990600"/>
+            <a:ext cx="12727305" cy="6597015"/>
+          </a:xfrm>
+          <a:prstGeom prst="rect">
+            <a:avLst/>
+          </a:prstGeom>
+        </p:spPr>
+      </p:pic>
+    </p:spTree>
+  </p:cSld>
+  <p:clrMapOvr>
+    <a:masterClrMapping/>
+  </p:clrMapOvr>
+</p:sld>
+</file>
+
+<file path=ppt/slides/slide11.xml><?xml version="1.0" encoding="utf-8"?>
+<p:sld xmlns:a="http://schemas.openxmlformats.org/drawingml/2006/main" xmlns:r="http://schemas.openxmlformats.org/officeDocument/2006/relationships" xmlns:p="http://schemas.openxmlformats.org/presentationml/2006/main">
+  <p:cSld>
+    <p:spTree>
+      <p:nvGrpSpPr>
+        <p:cNvPr id="1" name=""/>
+        <p:cNvGrpSpPr/>
+        <p:nvPr/>
+      </p:nvGrpSpPr>
+      <p:grpSpPr/>
+      <p:sp>
+        <p:nvSpPr>
+          <p:cNvPr id="6" name="Title 5"/>
+          <p:cNvSpPr>
+            <a:spLocks noGrp="1"/>
+          </p:cNvSpPr>
+          <p:nvPr>
+            <p:ph type="title"/>
+          </p:nvPr>
+        </p:nvSpPr>
+        <p:spPr/>
+        <p:txBody>
+          <a:bodyPr/>
+          <a:p>
+            <a:endParaRPr lang="en-US"/>
+          </a:p>
+        </p:txBody>
+      </p:sp>
+      <p:sp>
+        <p:nvSpPr>
+          <p:cNvPr id="4" name="Slide Number Placeholder 3"/>
+          <p:cNvSpPr>
+            <a:spLocks noGrp="1"/>
+          </p:cNvSpPr>
+          <p:nvPr>
+            <p:ph type="sldNum" sz="quarter" idx="7"/>
+          </p:nvPr>
+        </p:nvSpPr>
+        <p:spPr/>
+        <p:txBody>
+          <a:bodyPr/>
+          <a:p>
+            <a:fld id="{B6F15528-21DE-4FAA-801E-634DDDAF4B2B}" type="slidenum">
+              <a:rPr/>
+            </a:fld>
+            <a:endParaRPr/>
+          </a:p>
+        </p:txBody>
+      </p:sp>
+      <p:sp>
+        <p:nvSpPr>
+          <p:cNvPr id="7" name="Content Placeholder 6"/>
+          <p:cNvSpPr>
+            <a:spLocks noGrp="1"/>
+          </p:cNvSpPr>
+          <p:nvPr>
+            <p:ph sz="half" idx="3"/>
+          </p:nvPr>
+        </p:nvSpPr>
+        <p:spPr/>
+        <p:txBody>
+          <a:bodyPr/>
+          <a:p>
+            <a:endParaRPr lang="en-US"/>
+          </a:p>
+        </p:txBody>
+      </p:sp>
+      <p:pic>
+        <p:nvPicPr>
+          <p:cNvPr id="5" name="Content Placeholder 4"/>
+          <p:cNvPicPr>
+            <a:picLocks noChangeAspect="1"/>
+          </p:cNvPicPr>
+          <p:nvPr>
+            <p:ph sz="half" idx="2"/>
+          </p:nvPr>
+        </p:nvPicPr>
+        <p:blipFill>
+          <a:blip r:embed="rId1"/>
+          <a:stretch>
+            <a:fillRect/>
+          </a:stretch>
+        </p:blipFill>
+        <p:spPr>
+          <a:xfrm>
+            <a:off x="812800" y="1219200"/>
+            <a:ext cx="14050645" cy="6492875"/>
+          </a:xfrm>
+          <a:prstGeom prst="rect">
+            <a:avLst/>
+          </a:prstGeom>
+        </p:spPr>
+      </p:pic>
+    </p:spTree>
+  </p:cSld>
+  <p:clrMapOvr>
+    <a:masterClrMapping/>
+  </p:clrMapOvr>
+</p:sld>
+</file>
+
+<file path=ppt/slides/slide12.xml><?xml version="1.0" encoding="utf-8"?>
+<p:sld xmlns:a="http://schemas.openxmlformats.org/drawingml/2006/main" xmlns:r="http://schemas.openxmlformats.org/officeDocument/2006/relationships" xmlns:p="http://schemas.openxmlformats.org/presentationml/2006/main">
+  <p:cSld>
+    <p:spTree>
+      <p:nvGrpSpPr>
+        <p:cNvPr id="1" name=""/>
+        <p:cNvGrpSpPr/>
+        <p:nvPr/>
+      </p:nvGrpSpPr>
+      <p:grpSpPr/>
+      <p:sp>
+        <p:nvSpPr>
+          <p:cNvPr id="6" name="Title 5"/>
+          <p:cNvSpPr>
+            <a:spLocks noGrp="1"/>
+          </p:cNvSpPr>
+          <p:nvPr>
+            <p:ph type="title"/>
+          </p:nvPr>
+        </p:nvSpPr>
+        <p:spPr/>
+        <p:txBody>
+          <a:bodyPr/>
+          <a:p>
+            <a:endParaRPr lang="en-US"/>
+          </a:p>
+        </p:txBody>
+      </p:sp>
+      <p:sp>
+        <p:nvSpPr>
+          <p:cNvPr id="4" name="Slide Number Placeholder 3"/>
+          <p:cNvSpPr>
+            <a:spLocks noGrp="1"/>
+          </p:cNvSpPr>
+          <p:nvPr>
+            <p:ph type="sldNum" sz="quarter" idx="7"/>
+          </p:nvPr>
+        </p:nvSpPr>
+        <p:spPr/>
+        <p:txBody>
+          <a:bodyPr/>
+          <a:p>
+            <a:fld id="{B6F15528-21DE-4FAA-801E-634DDDAF4B2B}" type="slidenum">
+              <a:rPr/>
+            </a:fld>
+            <a:endParaRPr/>
+          </a:p>
+        </p:txBody>
+      </p:sp>
+      <p:sp>
+        <p:nvSpPr>
+          <p:cNvPr id="7" name="Content Placeholder 6"/>
+          <p:cNvSpPr>
+            <a:spLocks noGrp="1"/>
+          </p:cNvSpPr>
+          <p:nvPr>
+            <p:ph sz="half" idx="3"/>
+          </p:nvPr>
+        </p:nvSpPr>
+        <p:spPr/>
+        <p:txBody>
+          <a:bodyPr/>
+          <a:p>
+            <a:endParaRPr lang="en-US"/>
+          </a:p>
+        </p:txBody>
+      </p:sp>
+      <p:pic>
+        <p:nvPicPr>
+          <p:cNvPr id="5" name="Content Placeholder 4"/>
+          <p:cNvPicPr>
+            <a:picLocks noChangeAspect="1"/>
+          </p:cNvPicPr>
+          <p:nvPr>
+            <p:ph sz="half" idx="2"/>
+          </p:nvPr>
+        </p:nvPicPr>
+        <p:blipFill>
+          <a:blip r:embed="rId1"/>
+          <a:stretch>
+            <a:fillRect/>
+          </a:stretch>
+        </p:blipFill>
+        <p:spPr>
+          <a:xfrm>
+            <a:off x="1803400" y="1305560"/>
+            <a:ext cx="12654280" cy="6832600"/>
+          </a:xfrm>
+          <a:prstGeom prst="rect">
+            <a:avLst/>
+          </a:prstGeom>
+        </p:spPr>
+      </p:pic>
+    </p:spTree>
+  </p:cSld>
+  <p:clrMapOvr>
+    <a:masterClrMapping/>
+  </p:clrMapOvr>
+</p:sld>
+</file>
+
+<file path=ppt/slides/slide13.xml><?xml version="1.0" encoding="utf-8"?>
+<p:sld xmlns:a="http://schemas.openxmlformats.org/drawingml/2006/main" xmlns:r="http://schemas.openxmlformats.org/officeDocument/2006/relationships" xmlns:p="http://schemas.openxmlformats.org/presentationml/2006/main">
+  <p:cSld>
+    <p:spTree>
+      <p:nvGrpSpPr>
+        <p:cNvPr id="1" name=""/>
+        <p:cNvGrpSpPr/>
+        <p:nvPr/>
+      </p:nvGrpSpPr>
+      <p:grpSpPr/>
+      <p:sp>
+        <p:nvSpPr>
+          <p:cNvPr id="5" name="Title 4"/>
+          <p:cNvSpPr>
+            <a:spLocks noGrp="1"/>
+          </p:cNvSpPr>
+          <p:nvPr>
+            <p:ph type="title"/>
+          </p:nvPr>
+        </p:nvSpPr>
+        <p:spPr/>
+        <p:txBody>
+          <a:bodyPr/>
+          <a:p>
+            <a:endParaRPr lang="en-US"/>
+          </a:p>
+        </p:txBody>
+      </p:sp>
+      <p:sp>
+        <p:nvSpPr>
+          <p:cNvPr id="4" name="Slide Number Placeholder 3"/>
+          <p:cNvSpPr>
+            <a:spLocks noGrp="1"/>
+          </p:cNvSpPr>
+          <p:nvPr>
+            <p:ph type="sldNum" sz="quarter" idx="7"/>
+          </p:nvPr>
+        </p:nvSpPr>
+        <p:spPr/>
+        <p:txBody>
+          <a:bodyPr/>
+          <a:p>
+            <a:fld id="{B6F15528-21DE-4FAA-801E-634DDDAF4B2B}" type="slidenum">
+              <a:rPr/>
+            </a:fld>
+            <a:endParaRPr/>
+          </a:p>
+        </p:txBody>
+      </p:sp>
+      <p:sp>
+        <p:nvSpPr>
+          <p:cNvPr id="6" name="Content Placeholder 5"/>
+          <p:cNvSpPr>
+            <a:spLocks noGrp="1"/>
+          </p:cNvSpPr>
+          <p:nvPr>
+            <p:ph sz="half" idx="3"/>
+          </p:nvPr>
+        </p:nvSpPr>
+        <p:spPr/>
+        <p:txBody>
+          <a:bodyPr/>
+          <a:p>
+            <a:endParaRPr lang="en-US"/>
+          </a:p>
+        </p:txBody>
+      </p:sp>
+      <p:pic>
+        <p:nvPicPr>
+          <p:cNvPr id="23" name="Picture 23"/>
+          <p:cNvPicPr>
+            <a:picLocks noChangeAspect="1"/>
+          </p:cNvPicPr>
+          <p:nvPr>
+            <p:ph sz="half" idx="2"/>
+          </p:nvPr>
+        </p:nvPicPr>
+        <p:blipFill>
+          <a:blip r:embed="rId1"/>
+          <a:stretch>
+            <a:fillRect/>
+          </a:stretch>
+        </p:blipFill>
+        <p:spPr>
+          <a:xfrm>
+            <a:off x="1498600" y="1447800"/>
+            <a:ext cx="12767945" cy="6085840"/>
+          </a:xfrm>
+          <a:prstGeom prst="rect">
+            <a:avLst/>
+          </a:prstGeom>
+          <a:noFill/>
+          <a:ln>
+            <a:noFill/>
+          </a:ln>
+        </p:spPr>
+      </p:pic>
+    </p:spTree>
+  </p:cSld>
+  <p:clrMapOvr>
+    <a:masterClrMapping/>
+  </p:clrMapOvr>
+</p:sld>
+</file>
+
+<file path=ppt/slides/slide14.xml><?xml version="1.0" encoding="utf-8"?>
+<p:sld xmlns:a="http://schemas.openxmlformats.org/drawingml/2006/main" xmlns:r="http://schemas.openxmlformats.org/officeDocument/2006/relationships" xmlns:p="http://schemas.openxmlformats.org/presentationml/2006/main">
+  <p:cSld>
+    <p:spTree>
+      <p:nvGrpSpPr>
+        <p:cNvPr id="1" name=""/>
+        <p:cNvGrpSpPr/>
+        <p:nvPr/>
+      </p:nvGrpSpPr>
+      <p:grpSpPr>
+        <a:xfrm>
+          <a:off x="0" y="0"/>
+          <a:ext cx="0" cy="0"/>
+          <a:chOff x="0" y="0"/>
+          <a:chExt cx="0" cy="0"/>
+        </a:xfrm>
+      </p:grpSpPr>
+      <p:sp>
+        <p:nvSpPr>
+          <p:cNvPr id="2" name="object 2"/>
+          <p:cNvSpPr txBox="1">
+            <a:spLocks noGrp="1"/>
+          </p:cNvSpPr>
+          <p:nvPr>
+            <p:ph type="title"/>
+          </p:nvPr>
+        </p:nvSpPr>
+        <p:spPr>
+          <a:xfrm>
+            <a:off x="7981526" y="3668605"/>
+            <a:ext cx="7325359" cy="756920"/>
+          </a:xfrm>
+          <a:prstGeom prst="rect">
+            <a:avLst/>
+          </a:prstGeom>
+        </p:spPr>
+        <p:txBody>
+          <a:bodyPr vert="horz" wrap="square" lIns="0" tIns="12700" rIns="0" bIns="0" rtlCol="0">
+            <a:spAutoFit/>
+          </a:bodyPr>
+          <a:lstStyle/>
+          <a:p>
+            <a:pPr marL="12700">
+              <a:lnSpc>
+                <a:spcPct val="100000"/>
+              </a:lnSpc>
+              <a:spcBef>
+                <a:spcPts val="100"/>
+              </a:spcBef>
+            </a:pPr>
+            <a:r>
+              <a:rPr spc="-50" dirty="0"/>
+              <a:t>Traditional</a:t>
+            </a:r>
+            <a:r>
+              <a:rPr spc="-270" dirty="0"/>
+              <a:t> </a:t>
+            </a:r>
+            <a:r>
+              <a:rPr spc="-35" dirty="0"/>
+              <a:t>Data</a:t>
+            </a:r>
+            <a:r>
+              <a:rPr spc="-265" dirty="0"/>
+              <a:t> </a:t>
+            </a:r>
+            <a:r>
+              <a:rPr spc="-35" dirty="0"/>
+              <a:t>Centers</a:t>
+            </a:r>
+            <a:endParaRPr spc="-35" dirty="0"/>
+          </a:p>
+        </p:txBody>
+      </p:sp>
+      <p:sp>
+        <p:nvSpPr>
+          <p:cNvPr id="3" name="Slide Number Placeholder 2"/>
+          <p:cNvSpPr>
+            <a:spLocks noGrp="1"/>
+          </p:cNvSpPr>
+          <p:nvPr>
+            <p:ph type="sldNum" sz="quarter" idx="7"/>
+          </p:nvPr>
+        </p:nvSpPr>
+        <p:spPr/>
+        <p:txBody>
+          <a:bodyPr/>
+          <a:p>
+            <a:fld id="{B6F15528-21DE-4FAA-801E-634DDDAF4B2B}" type="slidenum">
+              <a:rPr/>
+            </a:fld>
+            <a:endParaRPr/>
+          </a:p>
+        </p:txBody>
+      </p:sp>
+    </p:spTree>
+  </p:cSld>
+  <p:clrMapOvr>
+    <a:masterClrMapping/>
+  </p:clrMapOvr>
+</p:sld>
+</file>
+
+<file path=ppt/slides/slide15.xml><?xml version="1.0" encoding="utf-8"?>
+<p:sld xmlns:a="http://schemas.openxmlformats.org/drawingml/2006/main" xmlns:r="http://schemas.openxmlformats.org/officeDocument/2006/relationships" xmlns:p="http://schemas.openxmlformats.org/presentationml/2006/main">
+  <p:cSld>
+    <p:spTree>
+      <p:nvGrpSpPr>
+        <p:cNvPr id="1" name=""/>
+        <p:cNvGrpSpPr/>
+        <p:nvPr/>
+      </p:nvGrpSpPr>
+      <p:grpSpPr>
+        <a:xfrm>
+          <a:off x="0" y="0"/>
+          <a:ext cx="0" cy="0"/>
+          <a:chOff x="0" y="0"/>
+          <a:chExt cx="0" cy="0"/>
+        </a:xfrm>
+      </p:grpSpPr>
+      <p:sp>
+        <p:nvSpPr>
+          <p:cNvPr id="2" name="object 2"/>
+          <p:cNvSpPr txBox="1"/>
+          <p:nvPr/>
+        </p:nvSpPr>
+        <p:spPr>
+          <a:xfrm>
+            <a:off x="6906482" y="2662966"/>
+            <a:ext cx="8254365" cy="4323080"/>
+          </a:xfrm>
+          <a:prstGeom prst="rect">
+            <a:avLst/>
+          </a:prstGeom>
+        </p:spPr>
+        <p:txBody>
+          <a:bodyPr vert="horz" wrap="square" lIns="0" tIns="33020" rIns="0" bIns="0" rtlCol="0">
+            <a:spAutoFit/>
+          </a:bodyPr>
+          <a:lstStyle/>
+          <a:p>
+            <a:pPr marL="12700" marR="997585">
+              <a:lnSpc>
+                <a:spcPts val="3800"/>
+              </a:lnSpc>
+              <a:spcBef>
+                <a:spcPts val="260"/>
+              </a:spcBef>
+            </a:pPr>
+            <a:r>
+              <a:rPr sz="3200" spc="35" dirty="0">
+                <a:latin typeface="Verdana" panose="020B0604030504040204"/>
+                <a:cs typeface="Verdana" panose="020B0604030504040204"/>
+              </a:rPr>
+              <a:t>Launching</a:t>
+            </a:r>
+            <a:r>
+              <a:rPr sz="3200" spc="-175" dirty="0">
+                <a:latin typeface="Verdana" panose="020B0604030504040204"/>
+                <a:cs typeface="Verdana" panose="020B0604030504040204"/>
+              </a:rPr>
+              <a:t> </a:t>
+            </a:r>
+            <a:r>
+              <a:rPr sz="3200" spc="-45" dirty="0">
+                <a:latin typeface="Verdana" panose="020B0604030504040204"/>
+                <a:cs typeface="Verdana" panose="020B0604030504040204"/>
+              </a:rPr>
+              <a:t>a</a:t>
+            </a:r>
+            <a:r>
+              <a:rPr sz="3200" spc="-170" dirty="0">
+                <a:latin typeface="Verdana" panose="020B0604030504040204"/>
+                <a:cs typeface="Verdana" panose="020B0604030504040204"/>
+              </a:rPr>
+              <a:t> </a:t>
+            </a:r>
+            <a:r>
+              <a:rPr sz="3200" spc="10" dirty="0">
+                <a:latin typeface="Verdana" panose="020B0604030504040204"/>
+                <a:cs typeface="Verdana" panose="020B0604030504040204"/>
+              </a:rPr>
+              <a:t>new</a:t>
+            </a:r>
+            <a:r>
+              <a:rPr sz="3200" spc="-175" dirty="0">
+                <a:latin typeface="Verdana" panose="020B0604030504040204"/>
+                <a:cs typeface="Verdana" panose="020B0604030504040204"/>
+              </a:rPr>
+              <a:t> </a:t>
+            </a:r>
+            <a:r>
+              <a:rPr sz="3200" spc="45" dirty="0">
+                <a:latin typeface="Verdana" panose="020B0604030504040204"/>
+                <a:cs typeface="Verdana" panose="020B0604030504040204"/>
+              </a:rPr>
+              <a:t>social</a:t>
+            </a:r>
+            <a:r>
+              <a:rPr sz="3200" spc="-170" dirty="0">
+                <a:latin typeface="Verdana" panose="020B0604030504040204"/>
+                <a:cs typeface="Verdana" panose="020B0604030504040204"/>
+              </a:rPr>
+              <a:t> </a:t>
+            </a:r>
+            <a:r>
+              <a:rPr sz="3200" spc="25" dirty="0">
+                <a:latin typeface="Verdana" panose="020B0604030504040204"/>
+                <a:cs typeface="Verdana" panose="020B0604030504040204"/>
+              </a:rPr>
+              <a:t>network</a:t>
+            </a:r>
+            <a:r>
+              <a:rPr sz="3200" spc="-175" dirty="0">
+                <a:latin typeface="Verdana" panose="020B0604030504040204"/>
+                <a:cs typeface="Verdana" panose="020B0604030504040204"/>
+              </a:rPr>
+              <a:t> </a:t>
+            </a:r>
+            <a:r>
+              <a:rPr sz="3200" spc="50" dirty="0">
+                <a:latin typeface="Verdana" panose="020B0604030504040204"/>
+                <a:cs typeface="Verdana" panose="020B0604030504040204"/>
+              </a:rPr>
+              <a:t>for </a:t>
+            </a:r>
+            <a:r>
+              <a:rPr sz="3200" spc="-1110" dirty="0">
+                <a:latin typeface="Verdana" panose="020B0604030504040204"/>
+                <a:cs typeface="Verdana" panose="020B0604030504040204"/>
+              </a:rPr>
+              <a:t> </a:t>
+            </a:r>
+            <a:r>
+              <a:rPr sz="3200" spc="10" dirty="0">
+                <a:latin typeface="Verdana" panose="020B0604030504040204"/>
+                <a:cs typeface="Verdana" panose="020B0604030504040204"/>
+              </a:rPr>
+              <a:t>professionals</a:t>
+            </a:r>
+            <a:endParaRPr sz="3200">
+              <a:latin typeface="Verdana" panose="020B0604030504040204"/>
+              <a:cs typeface="Verdana" panose="020B0604030504040204"/>
+            </a:endParaRPr>
+          </a:p>
+          <a:p>
+            <a:pPr marL="12700">
+              <a:lnSpc>
+                <a:spcPct val="100000"/>
+              </a:lnSpc>
+              <a:spcBef>
+                <a:spcPts val="2240"/>
+              </a:spcBef>
+            </a:pPr>
+            <a:r>
+              <a:rPr sz="3200" spc="70" dirty="0">
+                <a:latin typeface="Verdana" panose="020B0604030504040204"/>
+                <a:cs typeface="Verdana" panose="020B0604030504040204"/>
+              </a:rPr>
+              <a:t>Focusing</a:t>
+            </a:r>
+            <a:r>
+              <a:rPr sz="3200" spc="-170" dirty="0">
+                <a:latin typeface="Verdana" panose="020B0604030504040204"/>
+                <a:cs typeface="Verdana" panose="020B0604030504040204"/>
+              </a:rPr>
+              <a:t> </a:t>
+            </a:r>
+            <a:r>
+              <a:rPr sz="3200" spc="55" dirty="0">
+                <a:latin typeface="Verdana" panose="020B0604030504040204"/>
+                <a:cs typeface="Verdana" panose="020B0604030504040204"/>
+              </a:rPr>
+              <a:t>on</a:t>
+            </a:r>
+            <a:r>
+              <a:rPr sz="3200" spc="-170" dirty="0">
+                <a:latin typeface="Verdana" panose="020B0604030504040204"/>
+                <a:cs typeface="Verdana" panose="020B0604030504040204"/>
+              </a:rPr>
+              <a:t> </a:t>
+            </a:r>
+            <a:r>
+              <a:rPr sz="3200" spc="10" dirty="0">
+                <a:latin typeface="Verdana" panose="020B0604030504040204"/>
+                <a:cs typeface="Verdana" panose="020B0604030504040204"/>
+              </a:rPr>
+              <a:t>the</a:t>
+            </a:r>
+            <a:r>
+              <a:rPr sz="3200" spc="-170" dirty="0">
+                <a:latin typeface="Verdana" panose="020B0604030504040204"/>
+                <a:cs typeface="Verdana" panose="020B0604030504040204"/>
+              </a:rPr>
+              <a:t> </a:t>
+            </a:r>
+            <a:r>
+              <a:rPr sz="3200" spc="40" dirty="0">
+                <a:latin typeface="Verdana" panose="020B0604030504040204"/>
+                <a:cs typeface="Verdana" panose="020B0604030504040204"/>
+              </a:rPr>
+              <a:t>United</a:t>
+            </a:r>
+            <a:r>
+              <a:rPr sz="3200" spc="-165" dirty="0">
+                <a:latin typeface="Verdana" panose="020B0604030504040204"/>
+                <a:cs typeface="Verdana" panose="020B0604030504040204"/>
+              </a:rPr>
+              <a:t> </a:t>
+            </a:r>
+            <a:r>
+              <a:rPr sz="3200" spc="-40" dirty="0">
+                <a:latin typeface="Verdana" panose="020B0604030504040204"/>
+                <a:cs typeface="Verdana" panose="020B0604030504040204"/>
+              </a:rPr>
+              <a:t>States</a:t>
+            </a:r>
+            <a:r>
+              <a:rPr sz="3200" spc="-170" dirty="0">
+                <a:latin typeface="Verdana" panose="020B0604030504040204"/>
+                <a:cs typeface="Verdana" panose="020B0604030504040204"/>
+              </a:rPr>
+              <a:t> </a:t>
+            </a:r>
+            <a:r>
+              <a:rPr sz="3200" spc="-10" dirty="0">
+                <a:latin typeface="Verdana" panose="020B0604030504040204"/>
+                <a:cs typeface="Verdana" panose="020B0604030504040204"/>
+              </a:rPr>
+              <a:t>at</a:t>
+            </a:r>
+            <a:r>
+              <a:rPr sz="3200" spc="-170" dirty="0">
+                <a:latin typeface="Verdana" panose="020B0604030504040204"/>
+                <a:cs typeface="Verdana" panose="020B0604030504040204"/>
+              </a:rPr>
+              <a:t> </a:t>
+            </a:r>
+            <a:r>
+              <a:rPr sz="3200" spc="5" dirty="0">
+                <a:latin typeface="Verdana" panose="020B0604030504040204"/>
+                <a:cs typeface="Verdana" panose="020B0604030504040204"/>
+              </a:rPr>
+              <a:t>launch</a:t>
+            </a:r>
+            <a:endParaRPr sz="3200">
+              <a:latin typeface="Verdana" panose="020B0604030504040204"/>
+              <a:cs typeface="Verdana" panose="020B0604030504040204"/>
+            </a:endParaRPr>
+          </a:p>
+          <a:p>
+            <a:pPr marL="12700" marR="5080">
+              <a:lnSpc>
+                <a:spcPts val="3800"/>
+              </a:lnSpc>
+              <a:spcBef>
+                <a:spcPts val="2520"/>
+              </a:spcBef>
+            </a:pPr>
+            <a:r>
+              <a:rPr sz="3200" spc="85" dirty="0">
+                <a:latin typeface="Verdana" panose="020B0604030504040204"/>
+                <a:cs typeface="Verdana" panose="020B0604030504040204"/>
+              </a:rPr>
+              <a:t>Looking</a:t>
+            </a:r>
+            <a:r>
+              <a:rPr sz="3200" spc="-175" dirty="0">
+                <a:latin typeface="Verdana" panose="020B0604030504040204"/>
+                <a:cs typeface="Verdana" panose="020B0604030504040204"/>
+              </a:rPr>
+              <a:t> </a:t>
+            </a:r>
+            <a:r>
+              <a:rPr sz="3200" spc="80" dirty="0">
+                <a:latin typeface="Verdana" panose="020B0604030504040204"/>
+                <a:cs typeface="Verdana" panose="020B0604030504040204"/>
+              </a:rPr>
+              <a:t>to</a:t>
+            </a:r>
+            <a:r>
+              <a:rPr sz="3200" spc="-170" dirty="0">
+                <a:latin typeface="Verdana" panose="020B0604030504040204"/>
+                <a:cs typeface="Verdana" panose="020B0604030504040204"/>
+              </a:rPr>
+              <a:t> </a:t>
+            </a:r>
+            <a:r>
+              <a:rPr sz="3200" spc="15" dirty="0">
+                <a:latin typeface="Verdana" panose="020B0604030504040204"/>
+                <a:cs typeface="Verdana" panose="020B0604030504040204"/>
+              </a:rPr>
+              <a:t>expand</a:t>
+            </a:r>
+            <a:r>
+              <a:rPr sz="3200" spc="-170" dirty="0">
+                <a:latin typeface="Verdana" panose="020B0604030504040204"/>
+                <a:cs typeface="Verdana" panose="020B0604030504040204"/>
+              </a:rPr>
+              <a:t> </a:t>
+            </a:r>
+            <a:r>
+              <a:rPr sz="3200" spc="35" dirty="0">
+                <a:latin typeface="Verdana" panose="020B0604030504040204"/>
+                <a:cs typeface="Verdana" panose="020B0604030504040204"/>
+              </a:rPr>
+              <a:t>into</a:t>
+            </a:r>
+            <a:r>
+              <a:rPr sz="3200" spc="-170" dirty="0">
+                <a:latin typeface="Verdana" panose="020B0604030504040204"/>
+                <a:cs typeface="Verdana" panose="020B0604030504040204"/>
+              </a:rPr>
+              <a:t> </a:t>
+            </a:r>
+            <a:r>
+              <a:rPr sz="3200" spc="50" dirty="0">
+                <a:latin typeface="Verdana" panose="020B0604030504040204"/>
+                <a:cs typeface="Verdana" panose="020B0604030504040204"/>
+              </a:rPr>
+              <a:t>Europe</a:t>
+            </a:r>
+            <a:r>
+              <a:rPr sz="3200" spc="-175" dirty="0">
+                <a:latin typeface="Verdana" panose="020B0604030504040204"/>
+                <a:cs typeface="Verdana" panose="020B0604030504040204"/>
+              </a:rPr>
+              <a:t> </a:t>
+            </a:r>
+            <a:r>
+              <a:rPr sz="3200" spc="20" dirty="0">
+                <a:latin typeface="Verdana" panose="020B0604030504040204"/>
+                <a:cs typeface="Verdana" panose="020B0604030504040204"/>
+              </a:rPr>
+              <a:t>and</a:t>
+            </a:r>
+            <a:r>
+              <a:rPr sz="3200" spc="-170" dirty="0">
+                <a:latin typeface="Verdana" panose="020B0604030504040204"/>
+                <a:cs typeface="Verdana" panose="020B0604030504040204"/>
+              </a:rPr>
+              <a:t> </a:t>
+            </a:r>
+            <a:r>
+              <a:rPr sz="3200" spc="65" dirty="0">
+                <a:latin typeface="Verdana" panose="020B0604030504040204"/>
+                <a:cs typeface="Verdana" panose="020B0604030504040204"/>
+              </a:rPr>
+              <a:t>Asia </a:t>
+            </a:r>
+            <a:r>
+              <a:rPr sz="3200" spc="-1110" dirty="0">
+                <a:latin typeface="Verdana" panose="020B0604030504040204"/>
+                <a:cs typeface="Verdana" panose="020B0604030504040204"/>
+              </a:rPr>
+              <a:t> </a:t>
+            </a:r>
+            <a:r>
+              <a:rPr sz="3200" spc="55" dirty="0">
+                <a:latin typeface="Verdana" panose="020B0604030504040204"/>
+                <a:cs typeface="Verdana" panose="020B0604030504040204"/>
+              </a:rPr>
+              <a:t>if</a:t>
+            </a:r>
+            <a:r>
+              <a:rPr sz="3200" spc="-170" dirty="0">
+                <a:latin typeface="Verdana" panose="020B0604030504040204"/>
+                <a:cs typeface="Verdana" panose="020B0604030504040204"/>
+              </a:rPr>
+              <a:t> </a:t>
+            </a:r>
+            <a:r>
+              <a:rPr sz="3200" spc="5" dirty="0">
+                <a:latin typeface="Verdana" panose="020B0604030504040204"/>
+                <a:cs typeface="Verdana" panose="020B0604030504040204"/>
+              </a:rPr>
+              <a:t>launch</a:t>
+            </a:r>
+            <a:r>
+              <a:rPr sz="3200" spc="-165" dirty="0">
+                <a:latin typeface="Verdana" panose="020B0604030504040204"/>
+                <a:cs typeface="Verdana" panose="020B0604030504040204"/>
+              </a:rPr>
+              <a:t> </a:t>
+            </a:r>
+            <a:r>
+              <a:rPr sz="3200" spc="-20" dirty="0">
+                <a:latin typeface="Verdana" panose="020B0604030504040204"/>
+                <a:cs typeface="Verdana" panose="020B0604030504040204"/>
+              </a:rPr>
+              <a:t>is</a:t>
+            </a:r>
+            <a:r>
+              <a:rPr sz="3200" spc="-165" dirty="0">
+                <a:latin typeface="Verdana" panose="020B0604030504040204"/>
+                <a:cs typeface="Verdana" panose="020B0604030504040204"/>
+              </a:rPr>
+              <a:t> </a:t>
+            </a:r>
+            <a:r>
+              <a:rPr sz="3200" dirty="0">
+                <a:latin typeface="Verdana" panose="020B0604030504040204"/>
+                <a:cs typeface="Verdana" panose="020B0604030504040204"/>
+              </a:rPr>
+              <a:t>successful</a:t>
+            </a:r>
+            <a:endParaRPr sz="3200">
+              <a:latin typeface="Verdana" panose="020B0604030504040204"/>
+              <a:cs typeface="Verdana" panose="020B0604030504040204"/>
+            </a:endParaRPr>
+          </a:p>
+          <a:p>
+            <a:pPr marL="12700" marR="2008505">
+              <a:lnSpc>
+                <a:spcPts val="3800"/>
+              </a:lnSpc>
+              <a:spcBef>
+                <a:spcPts val="2380"/>
+              </a:spcBef>
+            </a:pPr>
+            <a:r>
+              <a:rPr sz="3200" spc="10" dirty="0">
+                <a:latin typeface="Verdana" panose="020B0604030504040204"/>
+                <a:cs typeface="Verdana" panose="020B0604030504040204"/>
+              </a:rPr>
+              <a:t>Securing</a:t>
+            </a:r>
+            <a:r>
+              <a:rPr sz="3200" spc="-175" dirty="0">
+                <a:latin typeface="Verdana" panose="020B0604030504040204"/>
+                <a:cs typeface="Verdana" panose="020B0604030504040204"/>
+              </a:rPr>
+              <a:t> </a:t>
+            </a:r>
+            <a:r>
+              <a:rPr sz="3200" spc="40" dirty="0">
+                <a:latin typeface="Verdana" panose="020B0604030504040204"/>
+                <a:cs typeface="Verdana" panose="020B0604030504040204"/>
+              </a:rPr>
+              <a:t>funding</a:t>
+            </a:r>
+            <a:r>
+              <a:rPr sz="3200" spc="-175" dirty="0">
+                <a:latin typeface="Verdana" panose="020B0604030504040204"/>
+                <a:cs typeface="Verdana" panose="020B0604030504040204"/>
+              </a:rPr>
+              <a:t> </a:t>
+            </a:r>
+            <a:r>
+              <a:rPr sz="3200" spc="50" dirty="0">
+                <a:latin typeface="Verdana" panose="020B0604030504040204"/>
+                <a:cs typeface="Verdana" panose="020B0604030504040204"/>
+              </a:rPr>
+              <a:t>for</a:t>
+            </a:r>
+            <a:r>
+              <a:rPr sz="3200" spc="-170" dirty="0">
+                <a:latin typeface="Verdana" panose="020B0604030504040204"/>
+                <a:cs typeface="Verdana" panose="020B0604030504040204"/>
+              </a:rPr>
+              <a:t> </a:t>
+            </a:r>
+            <a:r>
+              <a:rPr sz="3200" spc="10" dirty="0">
+                <a:latin typeface="Verdana" panose="020B0604030504040204"/>
+                <a:cs typeface="Verdana" panose="020B0604030504040204"/>
+              </a:rPr>
+              <a:t>the</a:t>
+            </a:r>
+            <a:r>
+              <a:rPr sz="3200" spc="-175" dirty="0">
+                <a:latin typeface="Verdana" panose="020B0604030504040204"/>
+                <a:cs typeface="Verdana" panose="020B0604030504040204"/>
+              </a:rPr>
+              <a:t> </a:t>
+            </a:r>
+            <a:r>
+              <a:rPr sz="3200" spc="15" dirty="0">
+                <a:latin typeface="Verdana" panose="020B0604030504040204"/>
+                <a:cs typeface="Verdana" panose="020B0604030504040204"/>
+              </a:rPr>
+              <a:t>initial </a:t>
+            </a:r>
+            <a:r>
+              <a:rPr sz="3200" spc="-1110" dirty="0">
+                <a:latin typeface="Verdana" panose="020B0604030504040204"/>
+                <a:cs typeface="Verdana" panose="020B0604030504040204"/>
+              </a:rPr>
+              <a:t> </a:t>
+            </a:r>
+            <a:r>
+              <a:rPr sz="3200" spc="-10" dirty="0">
+                <a:latin typeface="Verdana" panose="020B0604030504040204"/>
+                <a:cs typeface="Verdana" panose="020B0604030504040204"/>
+              </a:rPr>
+              <a:t>infrastructure</a:t>
+            </a:r>
+            <a:endParaRPr sz="3200">
+              <a:latin typeface="Verdana" panose="020B0604030504040204"/>
+              <a:cs typeface="Verdana" panose="020B0604030504040204"/>
+            </a:endParaRPr>
+          </a:p>
+        </p:txBody>
+      </p:sp>
+      <p:sp>
+        <p:nvSpPr>
+          <p:cNvPr id="3" name="object 3"/>
+          <p:cNvSpPr txBox="1">
+            <a:spLocks noGrp="1"/>
+          </p:cNvSpPr>
+          <p:nvPr>
+            <p:ph type="title"/>
+          </p:nvPr>
+        </p:nvSpPr>
+        <p:spPr>
+          <a:xfrm>
+            <a:off x="3905707" y="649392"/>
+            <a:ext cx="8902065" cy="756920"/>
+          </a:xfrm>
+          <a:prstGeom prst="rect">
+            <a:avLst/>
+          </a:prstGeom>
+        </p:spPr>
+        <p:txBody>
+          <a:bodyPr vert="horz" wrap="square" lIns="0" tIns="12700" rIns="0" bIns="0" rtlCol="0">
+            <a:spAutoFit/>
+          </a:bodyPr>
+          <a:lstStyle/>
+          <a:p>
+            <a:pPr marL="12700">
+              <a:lnSpc>
+                <a:spcPct val="100000"/>
+              </a:lnSpc>
+              <a:spcBef>
+                <a:spcPts val="100"/>
+              </a:spcBef>
+            </a:pPr>
+            <a:r>
+              <a:rPr spc="5" dirty="0">
+                <a:solidFill>
+                  <a:srgbClr val="404040"/>
+                </a:solidFill>
+              </a:rPr>
+              <a:t>Globomantics</a:t>
+            </a:r>
+            <a:r>
+              <a:rPr spc="-245" dirty="0">
+                <a:solidFill>
+                  <a:srgbClr val="404040"/>
+                </a:solidFill>
+              </a:rPr>
+              <a:t> </a:t>
+            </a:r>
+            <a:r>
+              <a:rPr spc="-35" dirty="0">
+                <a:solidFill>
+                  <a:srgbClr val="404040"/>
+                </a:solidFill>
+              </a:rPr>
+              <a:t>Social</a:t>
+            </a:r>
+            <a:r>
+              <a:rPr spc="-240" dirty="0">
+                <a:solidFill>
+                  <a:srgbClr val="404040"/>
+                </a:solidFill>
+              </a:rPr>
+              <a:t> </a:t>
+            </a:r>
+            <a:r>
+              <a:rPr spc="15" dirty="0">
+                <a:solidFill>
+                  <a:srgbClr val="404040"/>
+                </a:solidFill>
+              </a:rPr>
+              <a:t>Network</a:t>
+            </a:r>
+            <a:endParaRPr spc="15" dirty="0">
+              <a:solidFill>
+                <a:srgbClr val="404040"/>
+              </a:solidFill>
+            </a:endParaRPr>
+          </a:p>
+        </p:txBody>
+      </p:sp>
+      <p:pic>
+        <p:nvPicPr>
+          <p:cNvPr id="4" name="object 4"/>
+          <p:cNvPicPr/>
+          <p:nvPr/>
+        </p:nvPicPr>
+        <p:blipFill>
+          <a:blip r:embed="rId1" cstate="print"/>
+          <a:stretch>
+            <a:fillRect/>
+          </a:stretch>
+        </p:blipFill>
+        <p:spPr>
+          <a:xfrm>
+            <a:off x="610244" y="2258599"/>
+            <a:ext cx="5218173" cy="5218173"/>
+          </a:xfrm>
+          <a:prstGeom prst="rect">
+            <a:avLst/>
+          </a:prstGeom>
+        </p:spPr>
+      </p:pic>
+      <p:sp>
+        <p:nvSpPr>
+          <p:cNvPr id="5" name="Slide Number Placeholder 4"/>
+          <p:cNvSpPr>
+            <a:spLocks noGrp="1"/>
+          </p:cNvSpPr>
+          <p:nvPr>
+            <p:ph type="sldNum" sz="quarter" idx="7"/>
+          </p:nvPr>
+        </p:nvSpPr>
+        <p:spPr/>
+        <p:txBody>
+          <a:bodyPr/>
+          <a:p>
+            <a:fld id="{B6F15528-21DE-4FAA-801E-634DDDAF4B2B}" type="slidenum">
+              <a:rPr/>
+            </a:fld>
+            <a:endParaRPr/>
+          </a:p>
+        </p:txBody>
+      </p:sp>
+    </p:spTree>
+  </p:cSld>
+  <p:clrMapOvr>
+    <a:masterClrMapping/>
+  </p:clrMapOvr>
+</p:sld>
+</file>
+
+<file path=ppt/slides/slide16.xml><?xml version="1.0" encoding="utf-8"?>
+<p:sld xmlns:a="http://schemas.openxmlformats.org/drawingml/2006/main" xmlns:r="http://schemas.openxmlformats.org/officeDocument/2006/relationships" xmlns:p="http://schemas.openxmlformats.org/presentationml/2006/main" showMasterSp="0">
+  <p:cSld>
+    <p:spTree>
+      <p:nvGrpSpPr>
+        <p:cNvPr id="1" name=""/>
+        <p:cNvGrpSpPr/>
+        <p:nvPr/>
+      </p:nvGrpSpPr>
+      <p:grpSpPr>
+        <a:xfrm>
+          <a:off x="0" y="0"/>
+          <a:ext cx="0" cy="0"/>
+          <a:chOff x="0" y="0"/>
+          <a:chExt cx="0" cy="0"/>
+        </a:xfrm>
+      </p:grpSpPr>
+      <p:sp>
+        <p:nvSpPr>
+          <p:cNvPr id="2" name="object 2"/>
+          <p:cNvSpPr txBox="1">
+            <a:spLocks noGrp="1"/>
+          </p:cNvSpPr>
+          <p:nvPr>
+            <p:ph type="title"/>
+          </p:nvPr>
+        </p:nvSpPr>
+        <p:spPr>
+          <a:xfrm>
+            <a:off x="3982377" y="646852"/>
+            <a:ext cx="8291830" cy="726440"/>
+          </a:xfrm>
+          <a:prstGeom prst="rect">
+            <a:avLst/>
+          </a:prstGeom>
+        </p:spPr>
+        <p:txBody>
+          <a:bodyPr vert="horz" wrap="square" lIns="0" tIns="12700" rIns="0" bIns="0" rtlCol="0">
+            <a:spAutoFit/>
+          </a:bodyPr>
+          <a:lstStyle/>
+          <a:p>
+            <a:pPr marL="12700">
+              <a:lnSpc>
+                <a:spcPct val="100000"/>
+              </a:lnSpc>
+              <a:spcBef>
+                <a:spcPts val="100"/>
+              </a:spcBef>
+            </a:pPr>
+            <a:r>
+              <a:rPr sz="4600" spc="-30" dirty="0">
+                <a:solidFill>
+                  <a:srgbClr val="232323"/>
+                </a:solidFill>
+              </a:rPr>
+              <a:t>Social</a:t>
+            </a:r>
+            <a:r>
+              <a:rPr sz="4600" spc="-260" dirty="0">
+                <a:solidFill>
+                  <a:srgbClr val="232323"/>
+                </a:solidFill>
+              </a:rPr>
+              <a:t> </a:t>
+            </a:r>
+            <a:r>
+              <a:rPr sz="4600" spc="15" dirty="0">
+                <a:solidFill>
+                  <a:srgbClr val="232323"/>
+                </a:solidFill>
+              </a:rPr>
+              <a:t>Network</a:t>
+            </a:r>
+            <a:r>
+              <a:rPr sz="4600" spc="-254" dirty="0">
+                <a:solidFill>
+                  <a:srgbClr val="232323"/>
+                </a:solidFill>
+              </a:rPr>
+              <a:t> </a:t>
+            </a:r>
+            <a:r>
+              <a:rPr sz="4600" spc="-50" dirty="0">
+                <a:solidFill>
+                  <a:srgbClr val="232323"/>
+                </a:solidFill>
+              </a:rPr>
+              <a:t>Data</a:t>
+            </a:r>
+            <a:r>
+              <a:rPr sz="4600" spc="-254" dirty="0">
+                <a:solidFill>
+                  <a:srgbClr val="232323"/>
+                </a:solidFill>
+              </a:rPr>
+              <a:t> </a:t>
+            </a:r>
+            <a:r>
+              <a:rPr sz="4600" spc="-50" dirty="0">
+                <a:solidFill>
+                  <a:srgbClr val="232323"/>
+                </a:solidFill>
+              </a:rPr>
+              <a:t>Centers</a:t>
+            </a:r>
+            <a:endParaRPr sz="4600"/>
+          </a:p>
+        </p:txBody>
+      </p:sp>
+      <p:grpSp>
+        <p:nvGrpSpPr>
+          <p:cNvPr id="3" name="object 3"/>
+          <p:cNvGrpSpPr/>
+          <p:nvPr/>
+        </p:nvGrpSpPr>
+        <p:grpSpPr>
+          <a:xfrm>
+            <a:off x="5678689" y="3223014"/>
+            <a:ext cx="4899025" cy="3712210"/>
+            <a:chOff x="5678689" y="3223014"/>
+            <a:chExt cx="4899025" cy="3712210"/>
+          </a:xfrm>
+        </p:grpSpPr>
+        <p:sp>
+          <p:nvSpPr>
+            <p:cNvPr id="4" name="object 4"/>
+            <p:cNvSpPr/>
+            <p:nvPr/>
+          </p:nvSpPr>
+          <p:spPr>
+            <a:xfrm>
+              <a:off x="5697739" y="3242064"/>
+              <a:ext cx="4860925" cy="3376295"/>
+            </a:xfrm>
+            <a:custGeom>
+              <a:avLst/>
+              <a:gdLst/>
+              <a:ahLst/>
+              <a:cxnLst/>
+              <a:rect l="l" t="t" r="r" b="b"/>
+              <a:pathLst>
+                <a:path w="4860925" h="3376295">
+                  <a:moveTo>
+                    <a:pt x="0" y="0"/>
+                  </a:moveTo>
+                  <a:lnTo>
+                    <a:pt x="4860521" y="0"/>
+                  </a:lnTo>
+                  <a:lnTo>
+                    <a:pt x="4860521" y="3376232"/>
+                  </a:lnTo>
+                  <a:lnTo>
+                    <a:pt x="0" y="3376232"/>
+                  </a:lnTo>
+                  <a:lnTo>
+                    <a:pt x="0" y="0"/>
+                  </a:lnTo>
+                  <a:close/>
+                </a:path>
+              </a:pathLst>
+            </a:custGeom>
+            <a:ln w="38100">
+              <a:solidFill>
+                <a:srgbClr val="2A9FBC"/>
+              </a:solidFill>
+            </a:ln>
+          </p:spPr>
+          <p:txBody>
+            <a:bodyPr wrap="square" lIns="0" tIns="0" rIns="0" bIns="0" rtlCol="0"/>
+            <a:lstStyle/>
+            <a:p/>
+          </p:txBody>
+        </p:sp>
+        <p:sp>
+          <p:nvSpPr>
+            <p:cNvPr id="5" name="object 5"/>
+            <p:cNvSpPr/>
+            <p:nvPr/>
+          </p:nvSpPr>
+          <p:spPr>
+            <a:xfrm>
+              <a:off x="7323465" y="6330990"/>
+              <a:ext cx="1609090" cy="603885"/>
+            </a:xfrm>
+            <a:custGeom>
+              <a:avLst/>
+              <a:gdLst/>
+              <a:ahLst/>
+              <a:cxnLst/>
+              <a:rect l="l" t="t" r="r" b="b"/>
+              <a:pathLst>
+                <a:path w="1609090" h="603884">
+                  <a:moveTo>
+                    <a:pt x="1609068" y="0"/>
+                  </a:moveTo>
+                  <a:lnTo>
+                    <a:pt x="0" y="0"/>
+                  </a:lnTo>
+                  <a:lnTo>
+                    <a:pt x="0" y="603673"/>
+                  </a:lnTo>
+                  <a:lnTo>
+                    <a:pt x="1609068" y="603673"/>
+                  </a:lnTo>
+                  <a:lnTo>
+                    <a:pt x="1609068" y="0"/>
+                  </a:lnTo>
+                  <a:close/>
+                </a:path>
+              </a:pathLst>
+            </a:custGeom>
+            <a:solidFill>
+              <a:srgbClr val="FFFFFF"/>
+            </a:solidFill>
+          </p:spPr>
+          <p:txBody>
+            <a:bodyPr wrap="square" lIns="0" tIns="0" rIns="0" bIns="0" rtlCol="0"/>
+            <a:lstStyle/>
+            <a:p/>
+          </p:txBody>
+        </p:sp>
+      </p:grpSp>
+      <p:sp>
+        <p:nvSpPr>
+          <p:cNvPr id="6" name="object 6"/>
+          <p:cNvSpPr txBox="1"/>
+          <p:nvPr/>
+        </p:nvSpPr>
+        <p:spPr>
+          <a:xfrm>
+            <a:off x="5697739" y="3242064"/>
+            <a:ext cx="4860925" cy="3376295"/>
+          </a:xfrm>
+          <a:prstGeom prst="rect">
+            <a:avLst/>
+          </a:prstGeom>
+          <a:ln w="38100">
+            <a:solidFill>
+              <a:srgbClr val="2A9FBC"/>
+            </a:solidFill>
+          </a:ln>
+        </p:spPr>
+        <p:txBody>
+          <a:bodyPr vert="horz" wrap="square" lIns="0" tIns="0" rIns="0" bIns="0" rtlCol="0">
+            <a:spAutoFit/>
+          </a:bodyPr>
+          <a:lstStyle/>
+          <a:p>
+            <a:pPr>
+              <a:lnSpc>
+                <a:spcPct val="100000"/>
+              </a:lnSpc>
+            </a:pPr>
+            <a:endParaRPr sz="2400">
+              <a:latin typeface="Times New Roman" panose="02020603050405020304"/>
+              <a:cs typeface="Times New Roman" panose="02020603050405020304"/>
+            </a:endParaRPr>
+          </a:p>
+          <a:p>
+            <a:pPr>
+              <a:lnSpc>
+                <a:spcPct val="100000"/>
+              </a:lnSpc>
+            </a:pPr>
+            <a:endParaRPr sz="2400">
+              <a:latin typeface="Times New Roman" panose="02020603050405020304"/>
+              <a:cs typeface="Times New Roman" panose="02020603050405020304"/>
+            </a:endParaRPr>
+          </a:p>
+          <a:p>
+            <a:pPr>
+              <a:lnSpc>
+                <a:spcPct val="100000"/>
+              </a:lnSpc>
+            </a:pPr>
+            <a:endParaRPr sz="2400">
+              <a:latin typeface="Times New Roman" panose="02020603050405020304"/>
+              <a:cs typeface="Times New Roman" panose="02020603050405020304"/>
+            </a:endParaRPr>
+          </a:p>
+          <a:p>
+            <a:pPr>
+              <a:lnSpc>
+                <a:spcPct val="100000"/>
+              </a:lnSpc>
+            </a:pPr>
+            <a:endParaRPr sz="2400">
+              <a:latin typeface="Times New Roman" panose="02020603050405020304"/>
+              <a:cs typeface="Times New Roman" panose="02020603050405020304"/>
+            </a:endParaRPr>
+          </a:p>
+          <a:p>
+            <a:pPr>
+              <a:lnSpc>
+                <a:spcPct val="100000"/>
+              </a:lnSpc>
+            </a:pPr>
+            <a:endParaRPr sz="2400">
+              <a:latin typeface="Times New Roman" panose="02020603050405020304"/>
+              <a:cs typeface="Times New Roman" panose="02020603050405020304"/>
+            </a:endParaRPr>
+          </a:p>
+          <a:p>
+            <a:pPr>
+              <a:lnSpc>
+                <a:spcPct val="100000"/>
+              </a:lnSpc>
+            </a:pPr>
+            <a:endParaRPr sz="2400">
+              <a:latin typeface="Times New Roman" panose="02020603050405020304"/>
+              <a:cs typeface="Times New Roman" panose="02020603050405020304"/>
+            </a:endParaRPr>
+          </a:p>
+          <a:p>
+            <a:pPr>
+              <a:lnSpc>
+                <a:spcPct val="100000"/>
+              </a:lnSpc>
+            </a:pPr>
+            <a:endParaRPr sz="2400">
+              <a:latin typeface="Times New Roman" panose="02020603050405020304"/>
+              <a:cs typeface="Times New Roman" panose="02020603050405020304"/>
+            </a:endParaRPr>
+          </a:p>
+          <a:p>
+            <a:pPr>
+              <a:lnSpc>
+                <a:spcPct val="100000"/>
+              </a:lnSpc>
+            </a:pPr>
+            <a:endParaRPr sz="2400">
+              <a:latin typeface="Times New Roman" panose="02020603050405020304"/>
+              <a:cs typeface="Times New Roman" panose="02020603050405020304"/>
+            </a:endParaRPr>
+          </a:p>
+          <a:p>
+            <a:pPr algn="ctr">
+              <a:lnSpc>
+                <a:spcPct val="100000"/>
+              </a:lnSpc>
+              <a:spcBef>
+                <a:spcPts val="2150"/>
+              </a:spcBef>
+            </a:pPr>
+            <a:r>
+              <a:rPr sz="1900" spc="-5" dirty="0">
+                <a:solidFill>
+                  <a:srgbClr val="404040"/>
+                </a:solidFill>
+                <a:latin typeface="Verdana" panose="020B0604030504040204"/>
+                <a:cs typeface="Verdana" panose="020B0604030504040204"/>
+              </a:rPr>
+              <a:t>Data</a:t>
+            </a:r>
+            <a:r>
+              <a:rPr sz="1900" spc="-140" dirty="0">
+                <a:solidFill>
+                  <a:srgbClr val="404040"/>
+                </a:solidFill>
+                <a:latin typeface="Verdana" panose="020B0604030504040204"/>
+                <a:cs typeface="Verdana" panose="020B0604030504040204"/>
+              </a:rPr>
+              <a:t> </a:t>
+            </a:r>
+            <a:r>
+              <a:rPr sz="1900" spc="5" dirty="0">
+                <a:solidFill>
+                  <a:srgbClr val="404040"/>
+                </a:solidFill>
+                <a:latin typeface="Verdana" panose="020B0604030504040204"/>
+                <a:cs typeface="Verdana" panose="020B0604030504040204"/>
+              </a:rPr>
+              <a:t>Center</a:t>
+            </a:r>
+            <a:endParaRPr sz="1900">
+              <a:latin typeface="Verdana" panose="020B0604030504040204"/>
+              <a:cs typeface="Verdana" panose="020B0604030504040204"/>
+            </a:endParaRPr>
+          </a:p>
+        </p:txBody>
+      </p:sp>
+      <p:sp>
+        <p:nvSpPr>
+          <p:cNvPr id="7" name="object 7"/>
+          <p:cNvSpPr txBox="1"/>
+          <p:nvPr/>
+        </p:nvSpPr>
+        <p:spPr>
+          <a:xfrm>
+            <a:off x="7350982" y="6903336"/>
+            <a:ext cx="1554480" cy="314960"/>
+          </a:xfrm>
+          <a:prstGeom prst="rect">
+            <a:avLst/>
+          </a:prstGeom>
+        </p:spPr>
+        <p:txBody>
+          <a:bodyPr vert="horz" wrap="square" lIns="0" tIns="12700" rIns="0" bIns="0" rtlCol="0">
+            <a:spAutoFit/>
+          </a:bodyPr>
+          <a:lstStyle/>
+          <a:p>
+            <a:pPr marL="12700">
+              <a:lnSpc>
+                <a:spcPct val="100000"/>
+              </a:lnSpc>
+              <a:spcBef>
+                <a:spcPts val="100"/>
+              </a:spcBef>
+            </a:pPr>
+            <a:r>
+              <a:rPr sz="1900" i="1" spc="-15" dirty="0">
+                <a:solidFill>
+                  <a:srgbClr val="404040"/>
+                </a:solidFill>
+                <a:latin typeface="Verdana" panose="020B0604030504040204"/>
+                <a:cs typeface="Verdana" panose="020B0604030504040204"/>
+              </a:rPr>
+              <a:t>Nas</a:t>
+            </a:r>
+            <a:r>
+              <a:rPr sz="1900" i="1" spc="-80" dirty="0">
+                <a:solidFill>
+                  <a:srgbClr val="404040"/>
+                </a:solidFill>
+                <a:latin typeface="Verdana" panose="020B0604030504040204"/>
+                <a:cs typeface="Verdana" panose="020B0604030504040204"/>
+              </a:rPr>
+              <a:t>h</a:t>
+            </a:r>
+            <a:r>
+              <a:rPr sz="1900" i="1" spc="-25" dirty="0">
+                <a:solidFill>
+                  <a:srgbClr val="404040"/>
+                </a:solidFill>
+                <a:latin typeface="Verdana" panose="020B0604030504040204"/>
+                <a:cs typeface="Verdana" panose="020B0604030504040204"/>
+              </a:rPr>
+              <a:t>vill</a:t>
+            </a:r>
+            <a:r>
+              <a:rPr sz="1900" i="1" spc="-60" dirty="0">
+                <a:solidFill>
+                  <a:srgbClr val="404040"/>
+                </a:solidFill>
+                <a:latin typeface="Verdana" panose="020B0604030504040204"/>
+                <a:cs typeface="Verdana" panose="020B0604030504040204"/>
+              </a:rPr>
+              <a:t>e</a:t>
+            </a:r>
+            <a:r>
+              <a:rPr sz="1900" i="1" spc="-210" dirty="0">
+                <a:solidFill>
+                  <a:srgbClr val="404040"/>
+                </a:solidFill>
+                <a:latin typeface="Verdana" panose="020B0604030504040204"/>
+                <a:cs typeface="Verdana" panose="020B0604030504040204"/>
+              </a:rPr>
+              <a:t>,</a:t>
+            </a:r>
+            <a:r>
+              <a:rPr sz="1900" i="1" spc="-100" dirty="0">
+                <a:solidFill>
+                  <a:srgbClr val="404040"/>
+                </a:solidFill>
+                <a:latin typeface="Verdana" panose="020B0604030504040204"/>
+                <a:cs typeface="Verdana" panose="020B0604030504040204"/>
+              </a:rPr>
+              <a:t> </a:t>
+            </a:r>
+            <a:r>
+              <a:rPr sz="1900" i="1" spc="35" dirty="0">
+                <a:solidFill>
+                  <a:srgbClr val="404040"/>
+                </a:solidFill>
+                <a:latin typeface="Verdana" panose="020B0604030504040204"/>
+                <a:cs typeface="Verdana" panose="020B0604030504040204"/>
+              </a:rPr>
+              <a:t>TN</a:t>
+            </a:r>
+            <a:endParaRPr sz="1900">
+              <a:latin typeface="Verdana" panose="020B0604030504040204"/>
+              <a:cs typeface="Verdana" panose="020B0604030504040204"/>
+            </a:endParaRPr>
+          </a:p>
+        </p:txBody>
+      </p:sp>
+      <p:grpSp>
+        <p:nvGrpSpPr>
+          <p:cNvPr id="8" name="object 8"/>
+          <p:cNvGrpSpPr/>
+          <p:nvPr/>
+        </p:nvGrpSpPr>
+        <p:grpSpPr>
+          <a:xfrm>
+            <a:off x="435303" y="3223014"/>
+            <a:ext cx="9744710" cy="3712210"/>
+            <a:chOff x="435303" y="3223014"/>
+            <a:chExt cx="9744710" cy="3712210"/>
+          </a:xfrm>
+        </p:grpSpPr>
+        <p:pic>
+          <p:nvPicPr>
+            <p:cNvPr id="9" name="object 9"/>
+            <p:cNvPicPr/>
+            <p:nvPr/>
+          </p:nvPicPr>
+          <p:blipFill>
+            <a:blip r:embed="rId1" cstate="print"/>
+            <a:stretch>
+              <a:fillRect/>
+            </a:stretch>
+          </p:blipFill>
+          <p:spPr>
+            <a:xfrm>
+              <a:off x="9094941" y="3536307"/>
+              <a:ext cx="1084750" cy="1066800"/>
+            </a:xfrm>
+            <a:prstGeom prst="rect">
+              <a:avLst/>
+            </a:prstGeom>
+          </p:spPr>
+        </p:pic>
+        <p:pic>
+          <p:nvPicPr>
+            <p:cNvPr id="10" name="object 10"/>
+            <p:cNvPicPr/>
+            <p:nvPr/>
+          </p:nvPicPr>
+          <p:blipFill>
+            <a:blip r:embed="rId2" cstate="print"/>
+            <a:stretch>
+              <a:fillRect/>
+            </a:stretch>
+          </p:blipFill>
+          <p:spPr>
+            <a:xfrm>
+              <a:off x="6127108" y="3536307"/>
+              <a:ext cx="1084751" cy="1066800"/>
+            </a:xfrm>
+            <a:prstGeom prst="rect">
+              <a:avLst/>
+            </a:prstGeom>
+          </p:spPr>
+        </p:pic>
+        <p:pic>
+          <p:nvPicPr>
+            <p:cNvPr id="11" name="object 11"/>
+            <p:cNvPicPr/>
+            <p:nvPr/>
+          </p:nvPicPr>
+          <p:blipFill>
+            <a:blip r:embed="rId3" cstate="print"/>
+            <a:stretch>
+              <a:fillRect/>
+            </a:stretch>
+          </p:blipFill>
+          <p:spPr>
+            <a:xfrm>
+              <a:off x="7611024" y="3536307"/>
+              <a:ext cx="1084751" cy="1066800"/>
+            </a:xfrm>
+            <a:prstGeom prst="rect">
+              <a:avLst/>
+            </a:prstGeom>
+          </p:spPr>
+        </p:pic>
+        <p:sp>
+          <p:nvSpPr>
+            <p:cNvPr id="12" name="object 12"/>
+            <p:cNvSpPr/>
+            <p:nvPr/>
+          </p:nvSpPr>
+          <p:spPr>
+            <a:xfrm>
+              <a:off x="454353" y="3242064"/>
+              <a:ext cx="4860925" cy="3376295"/>
+            </a:xfrm>
+            <a:custGeom>
+              <a:avLst/>
+              <a:gdLst/>
+              <a:ahLst/>
+              <a:cxnLst/>
+              <a:rect l="l" t="t" r="r" b="b"/>
+              <a:pathLst>
+                <a:path w="4860925" h="3376295">
+                  <a:moveTo>
+                    <a:pt x="0" y="0"/>
+                  </a:moveTo>
+                  <a:lnTo>
+                    <a:pt x="4860521" y="0"/>
+                  </a:lnTo>
+                  <a:lnTo>
+                    <a:pt x="4860521" y="3376232"/>
+                  </a:lnTo>
+                  <a:lnTo>
+                    <a:pt x="0" y="3376232"/>
+                  </a:lnTo>
+                  <a:lnTo>
+                    <a:pt x="0" y="0"/>
+                  </a:lnTo>
+                  <a:close/>
+                </a:path>
+              </a:pathLst>
+            </a:custGeom>
+            <a:ln w="38100">
+              <a:solidFill>
+                <a:srgbClr val="2A9FBC"/>
+              </a:solidFill>
+            </a:ln>
+          </p:spPr>
+          <p:txBody>
+            <a:bodyPr wrap="square" lIns="0" tIns="0" rIns="0" bIns="0" rtlCol="0"/>
+            <a:lstStyle/>
+            <a:p/>
+          </p:txBody>
+        </p:sp>
+        <p:sp>
+          <p:nvSpPr>
+            <p:cNvPr id="13" name="object 13"/>
+            <p:cNvSpPr/>
+            <p:nvPr/>
+          </p:nvSpPr>
+          <p:spPr>
+            <a:xfrm>
+              <a:off x="1984162" y="6330989"/>
+              <a:ext cx="1801495" cy="603885"/>
+            </a:xfrm>
+            <a:custGeom>
+              <a:avLst/>
+              <a:gdLst/>
+              <a:ahLst/>
+              <a:cxnLst/>
+              <a:rect l="l" t="t" r="r" b="b"/>
+              <a:pathLst>
+                <a:path w="1801495" h="603884">
+                  <a:moveTo>
+                    <a:pt x="1800901" y="0"/>
+                  </a:moveTo>
+                  <a:lnTo>
+                    <a:pt x="0" y="0"/>
+                  </a:lnTo>
+                  <a:lnTo>
+                    <a:pt x="0" y="603673"/>
+                  </a:lnTo>
+                  <a:lnTo>
+                    <a:pt x="1800901" y="603673"/>
+                  </a:lnTo>
+                  <a:lnTo>
+                    <a:pt x="1800901" y="0"/>
+                  </a:lnTo>
+                  <a:close/>
+                </a:path>
+              </a:pathLst>
+            </a:custGeom>
+            <a:solidFill>
+              <a:srgbClr val="FFFFFF"/>
+            </a:solidFill>
+          </p:spPr>
+          <p:txBody>
+            <a:bodyPr wrap="square" lIns="0" tIns="0" rIns="0" bIns="0" rtlCol="0"/>
+            <a:lstStyle/>
+            <a:p/>
+          </p:txBody>
+        </p:sp>
+      </p:grpSp>
+      <p:sp>
+        <p:nvSpPr>
+          <p:cNvPr id="14" name="object 14"/>
+          <p:cNvSpPr txBox="1"/>
+          <p:nvPr/>
+        </p:nvSpPr>
+        <p:spPr>
+          <a:xfrm>
+            <a:off x="454353" y="3242064"/>
+            <a:ext cx="4860925" cy="3376295"/>
+          </a:xfrm>
+          <a:prstGeom prst="rect">
+            <a:avLst/>
+          </a:prstGeom>
+          <a:ln w="38100">
+            <a:solidFill>
+              <a:srgbClr val="2A9FBC"/>
+            </a:solidFill>
+          </a:ln>
+        </p:spPr>
+        <p:txBody>
+          <a:bodyPr vert="horz" wrap="square" lIns="0" tIns="0" rIns="0" bIns="0" rtlCol="0">
+            <a:spAutoFit/>
+          </a:bodyPr>
+          <a:lstStyle/>
+          <a:p>
+            <a:pPr>
+              <a:lnSpc>
+                <a:spcPct val="100000"/>
+              </a:lnSpc>
+            </a:pPr>
+            <a:endParaRPr sz="2400">
+              <a:latin typeface="Times New Roman" panose="02020603050405020304"/>
+              <a:cs typeface="Times New Roman" panose="02020603050405020304"/>
+            </a:endParaRPr>
+          </a:p>
+          <a:p>
+            <a:pPr>
+              <a:lnSpc>
+                <a:spcPct val="100000"/>
+              </a:lnSpc>
+            </a:pPr>
+            <a:endParaRPr sz="2400">
+              <a:latin typeface="Times New Roman" panose="02020603050405020304"/>
+              <a:cs typeface="Times New Roman" panose="02020603050405020304"/>
+            </a:endParaRPr>
+          </a:p>
+          <a:p>
+            <a:pPr>
+              <a:lnSpc>
+                <a:spcPct val="100000"/>
+              </a:lnSpc>
+            </a:pPr>
+            <a:endParaRPr sz="2400">
+              <a:latin typeface="Times New Roman" panose="02020603050405020304"/>
+              <a:cs typeface="Times New Roman" panose="02020603050405020304"/>
+            </a:endParaRPr>
+          </a:p>
+          <a:p>
+            <a:pPr>
+              <a:lnSpc>
+                <a:spcPct val="100000"/>
+              </a:lnSpc>
+            </a:pPr>
+            <a:endParaRPr sz="2400">
+              <a:latin typeface="Times New Roman" panose="02020603050405020304"/>
+              <a:cs typeface="Times New Roman" panose="02020603050405020304"/>
+            </a:endParaRPr>
+          </a:p>
+          <a:p>
+            <a:pPr>
+              <a:lnSpc>
+                <a:spcPct val="100000"/>
+              </a:lnSpc>
+            </a:pPr>
+            <a:endParaRPr sz="2400">
+              <a:latin typeface="Times New Roman" panose="02020603050405020304"/>
+              <a:cs typeface="Times New Roman" panose="02020603050405020304"/>
+            </a:endParaRPr>
+          </a:p>
+          <a:p>
+            <a:pPr>
+              <a:lnSpc>
+                <a:spcPct val="100000"/>
+              </a:lnSpc>
+            </a:pPr>
+            <a:endParaRPr sz="2400">
+              <a:latin typeface="Times New Roman" panose="02020603050405020304"/>
+              <a:cs typeface="Times New Roman" panose="02020603050405020304"/>
+            </a:endParaRPr>
+          </a:p>
+          <a:p>
+            <a:pPr>
+              <a:lnSpc>
+                <a:spcPct val="100000"/>
+              </a:lnSpc>
+            </a:pPr>
+            <a:endParaRPr sz="2400">
+              <a:latin typeface="Times New Roman" panose="02020603050405020304"/>
+              <a:cs typeface="Times New Roman" panose="02020603050405020304"/>
+            </a:endParaRPr>
+          </a:p>
+          <a:p>
+            <a:pPr>
+              <a:lnSpc>
+                <a:spcPct val="100000"/>
+              </a:lnSpc>
+            </a:pPr>
+            <a:endParaRPr sz="2400">
+              <a:latin typeface="Times New Roman" panose="02020603050405020304"/>
+              <a:cs typeface="Times New Roman" panose="02020603050405020304"/>
+            </a:endParaRPr>
+          </a:p>
+          <a:p>
+            <a:pPr algn="ctr">
+              <a:lnSpc>
+                <a:spcPct val="100000"/>
+              </a:lnSpc>
+              <a:spcBef>
+                <a:spcPts val="2150"/>
+              </a:spcBef>
+            </a:pPr>
+            <a:r>
+              <a:rPr sz="1900" spc="-5" dirty="0">
+                <a:solidFill>
+                  <a:srgbClr val="404040"/>
+                </a:solidFill>
+                <a:latin typeface="Verdana" panose="020B0604030504040204"/>
+                <a:cs typeface="Verdana" panose="020B0604030504040204"/>
+              </a:rPr>
+              <a:t>Data</a:t>
+            </a:r>
+            <a:r>
+              <a:rPr sz="1900" spc="-140" dirty="0">
+                <a:solidFill>
+                  <a:srgbClr val="404040"/>
+                </a:solidFill>
+                <a:latin typeface="Verdana" panose="020B0604030504040204"/>
+                <a:cs typeface="Verdana" panose="020B0604030504040204"/>
+              </a:rPr>
+              <a:t> </a:t>
+            </a:r>
+            <a:r>
+              <a:rPr sz="1900" spc="5" dirty="0">
+                <a:solidFill>
+                  <a:srgbClr val="404040"/>
+                </a:solidFill>
+                <a:latin typeface="Verdana" panose="020B0604030504040204"/>
+                <a:cs typeface="Verdana" panose="020B0604030504040204"/>
+              </a:rPr>
+              <a:t>Center</a:t>
+            </a:r>
+            <a:endParaRPr sz="1900">
+              <a:latin typeface="Verdana" panose="020B0604030504040204"/>
+              <a:cs typeface="Verdana" panose="020B0604030504040204"/>
+            </a:endParaRPr>
+          </a:p>
+        </p:txBody>
+      </p:sp>
+      <p:sp>
+        <p:nvSpPr>
+          <p:cNvPr id="15" name="object 15"/>
+          <p:cNvSpPr txBox="1"/>
+          <p:nvPr/>
+        </p:nvSpPr>
+        <p:spPr>
+          <a:xfrm>
+            <a:off x="2011678" y="6903335"/>
+            <a:ext cx="1746250" cy="314960"/>
+          </a:xfrm>
+          <a:prstGeom prst="rect">
+            <a:avLst/>
+          </a:prstGeom>
+        </p:spPr>
+        <p:txBody>
+          <a:bodyPr vert="horz" wrap="square" lIns="0" tIns="12700" rIns="0" bIns="0" rtlCol="0">
+            <a:spAutoFit/>
+          </a:bodyPr>
+          <a:lstStyle/>
+          <a:p>
+            <a:pPr marL="12700">
+              <a:lnSpc>
+                <a:spcPct val="100000"/>
+              </a:lnSpc>
+              <a:spcBef>
+                <a:spcPts val="100"/>
+              </a:spcBef>
+            </a:pPr>
+            <a:r>
+              <a:rPr sz="1900" i="1" spc="-35" dirty="0">
+                <a:solidFill>
+                  <a:srgbClr val="404040"/>
+                </a:solidFill>
+                <a:latin typeface="Verdana" panose="020B0604030504040204"/>
+                <a:cs typeface="Verdana" panose="020B0604030504040204"/>
+              </a:rPr>
+              <a:t>Dublin,</a:t>
+            </a:r>
+            <a:r>
+              <a:rPr sz="1900" i="1" spc="-100" dirty="0">
+                <a:solidFill>
+                  <a:srgbClr val="404040"/>
+                </a:solidFill>
+                <a:latin typeface="Verdana" panose="020B0604030504040204"/>
+                <a:cs typeface="Verdana" panose="020B0604030504040204"/>
+              </a:rPr>
+              <a:t> </a:t>
+            </a:r>
+            <a:r>
+              <a:rPr sz="1900" i="1" spc="-150" dirty="0">
+                <a:solidFill>
+                  <a:srgbClr val="404040"/>
+                </a:solidFill>
+                <a:latin typeface="Verdana" panose="020B0604030504040204"/>
+                <a:cs typeface="Verdana" panose="020B0604030504040204"/>
+              </a:rPr>
+              <a:t>I</a:t>
+            </a:r>
+            <a:r>
+              <a:rPr sz="1900" i="1" spc="-160" dirty="0">
+                <a:solidFill>
+                  <a:srgbClr val="404040"/>
+                </a:solidFill>
+                <a:latin typeface="Verdana" panose="020B0604030504040204"/>
+                <a:cs typeface="Verdana" panose="020B0604030504040204"/>
+              </a:rPr>
+              <a:t>r</a:t>
+            </a:r>
+            <a:r>
+              <a:rPr sz="1900" i="1" spc="-10" dirty="0">
+                <a:solidFill>
+                  <a:srgbClr val="404040"/>
+                </a:solidFill>
+                <a:latin typeface="Verdana" panose="020B0604030504040204"/>
+                <a:cs typeface="Verdana" panose="020B0604030504040204"/>
+              </a:rPr>
+              <a:t>eland</a:t>
+            </a:r>
+            <a:endParaRPr sz="1900">
+              <a:latin typeface="Verdana" panose="020B0604030504040204"/>
+              <a:cs typeface="Verdana" panose="020B0604030504040204"/>
+            </a:endParaRPr>
+          </a:p>
+        </p:txBody>
+      </p:sp>
+      <p:grpSp>
+        <p:nvGrpSpPr>
+          <p:cNvPr id="16" name="object 16"/>
+          <p:cNvGrpSpPr/>
+          <p:nvPr/>
+        </p:nvGrpSpPr>
+        <p:grpSpPr>
+          <a:xfrm>
+            <a:off x="883721" y="3223014"/>
+            <a:ext cx="14987905" cy="3712210"/>
+            <a:chOff x="883721" y="3223014"/>
+            <a:chExt cx="14987905" cy="3712210"/>
+          </a:xfrm>
+        </p:grpSpPr>
+        <p:pic>
+          <p:nvPicPr>
+            <p:cNvPr id="17" name="object 17"/>
+            <p:cNvPicPr/>
+            <p:nvPr/>
+          </p:nvPicPr>
+          <p:blipFill>
+            <a:blip r:embed="rId1" cstate="print"/>
+            <a:stretch>
+              <a:fillRect/>
+            </a:stretch>
+          </p:blipFill>
+          <p:spPr>
+            <a:xfrm>
+              <a:off x="3851554" y="3536307"/>
+              <a:ext cx="1084750" cy="1066800"/>
+            </a:xfrm>
+            <a:prstGeom prst="rect">
+              <a:avLst/>
+            </a:prstGeom>
+          </p:spPr>
+        </p:pic>
+        <p:pic>
+          <p:nvPicPr>
+            <p:cNvPr id="18" name="object 18"/>
+            <p:cNvPicPr/>
+            <p:nvPr/>
+          </p:nvPicPr>
+          <p:blipFill>
+            <a:blip r:embed="rId2" cstate="print"/>
+            <a:stretch>
+              <a:fillRect/>
+            </a:stretch>
+          </p:blipFill>
+          <p:spPr>
+            <a:xfrm>
+              <a:off x="883721" y="3536307"/>
+              <a:ext cx="1084751" cy="1066800"/>
+            </a:xfrm>
+            <a:prstGeom prst="rect">
+              <a:avLst/>
+            </a:prstGeom>
+          </p:spPr>
+        </p:pic>
+        <p:pic>
+          <p:nvPicPr>
+            <p:cNvPr id="19" name="object 19"/>
+            <p:cNvPicPr/>
+            <p:nvPr/>
+          </p:nvPicPr>
+          <p:blipFill>
+            <a:blip r:embed="rId3" cstate="print"/>
+            <a:stretch>
+              <a:fillRect/>
+            </a:stretch>
+          </p:blipFill>
+          <p:spPr>
+            <a:xfrm>
+              <a:off x="2367638" y="3536307"/>
+              <a:ext cx="1084751" cy="1066800"/>
+            </a:xfrm>
+            <a:prstGeom prst="rect">
+              <a:avLst/>
+            </a:prstGeom>
+          </p:spPr>
+        </p:pic>
+        <p:sp>
+          <p:nvSpPr>
+            <p:cNvPr id="20" name="object 20"/>
+            <p:cNvSpPr/>
+            <p:nvPr/>
+          </p:nvSpPr>
+          <p:spPr>
+            <a:xfrm>
+              <a:off x="10991925" y="3242064"/>
+              <a:ext cx="4860925" cy="3376295"/>
+            </a:xfrm>
+            <a:custGeom>
+              <a:avLst/>
+              <a:gdLst/>
+              <a:ahLst/>
+              <a:cxnLst/>
+              <a:rect l="l" t="t" r="r" b="b"/>
+              <a:pathLst>
+                <a:path w="4860925" h="3376295">
+                  <a:moveTo>
+                    <a:pt x="0" y="0"/>
+                  </a:moveTo>
+                  <a:lnTo>
+                    <a:pt x="4860521" y="0"/>
+                  </a:lnTo>
+                  <a:lnTo>
+                    <a:pt x="4860521" y="3376232"/>
+                  </a:lnTo>
+                  <a:lnTo>
+                    <a:pt x="0" y="3376232"/>
+                  </a:lnTo>
+                  <a:lnTo>
+                    <a:pt x="0" y="0"/>
+                  </a:lnTo>
+                  <a:close/>
+                </a:path>
+              </a:pathLst>
+            </a:custGeom>
+            <a:ln w="38100">
+              <a:solidFill>
+                <a:srgbClr val="2A9FBC"/>
+              </a:solidFill>
+            </a:ln>
+          </p:spPr>
+          <p:txBody>
+            <a:bodyPr wrap="square" lIns="0" tIns="0" rIns="0" bIns="0" rtlCol="0"/>
+            <a:lstStyle/>
+            <a:p/>
+          </p:txBody>
+        </p:sp>
+        <p:sp>
+          <p:nvSpPr>
+            <p:cNvPr id="21" name="object 21"/>
+            <p:cNvSpPr/>
+            <p:nvPr/>
+          </p:nvSpPr>
+          <p:spPr>
+            <a:xfrm>
+              <a:off x="12655053" y="6330989"/>
+              <a:ext cx="1534795" cy="603885"/>
+            </a:xfrm>
+            <a:custGeom>
+              <a:avLst/>
+              <a:gdLst/>
+              <a:ahLst/>
+              <a:cxnLst/>
+              <a:rect l="l" t="t" r="r" b="b"/>
+              <a:pathLst>
+                <a:path w="1534794" h="603884">
+                  <a:moveTo>
+                    <a:pt x="1534265" y="0"/>
+                  </a:moveTo>
+                  <a:lnTo>
+                    <a:pt x="0" y="0"/>
+                  </a:lnTo>
+                  <a:lnTo>
+                    <a:pt x="0" y="603673"/>
+                  </a:lnTo>
+                  <a:lnTo>
+                    <a:pt x="1534265" y="603673"/>
+                  </a:lnTo>
+                  <a:lnTo>
+                    <a:pt x="1534265" y="0"/>
+                  </a:lnTo>
+                  <a:close/>
+                </a:path>
+              </a:pathLst>
+            </a:custGeom>
+            <a:solidFill>
+              <a:srgbClr val="FFFFFF"/>
+            </a:solidFill>
+          </p:spPr>
+          <p:txBody>
+            <a:bodyPr wrap="square" lIns="0" tIns="0" rIns="0" bIns="0" rtlCol="0"/>
+            <a:lstStyle/>
+            <a:p/>
+          </p:txBody>
+        </p:sp>
+      </p:grpSp>
+      <p:sp>
+        <p:nvSpPr>
+          <p:cNvPr id="22" name="object 22"/>
+          <p:cNvSpPr txBox="1"/>
+          <p:nvPr/>
+        </p:nvSpPr>
+        <p:spPr>
+          <a:xfrm>
+            <a:off x="10991925" y="3242064"/>
+            <a:ext cx="4860925" cy="3376295"/>
+          </a:xfrm>
+          <a:prstGeom prst="rect">
+            <a:avLst/>
+          </a:prstGeom>
+          <a:ln w="38100">
+            <a:solidFill>
+              <a:srgbClr val="2A9FBC"/>
+            </a:solidFill>
+          </a:ln>
+        </p:spPr>
+        <p:txBody>
+          <a:bodyPr vert="horz" wrap="square" lIns="0" tIns="0" rIns="0" bIns="0" rtlCol="0">
+            <a:spAutoFit/>
+          </a:bodyPr>
+          <a:lstStyle/>
+          <a:p>
+            <a:pPr>
+              <a:lnSpc>
+                <a:spcPct val="100000"/>
+              </a:lnSpc>
+            </a:pPr>
+            <a:endParaRPr sz="2400">
+              <a:latin typeface="Times New Roman" panose="02020603050405020304"/>
+              <a:cs typeface="Times New Roman" panose="02020603050405020304"/>
+            </a:endParaRPr>
+          </a:p>
+          <a:p>
+            <a:pPr>
+              <a:lnSpc>
+                <a:spcPct val="100000"/>
+              </a:lnSpc>
+            </a:pPr>
+            <a:endParaRPr sz="2400">
+              <a:latin typeface="Times New Roman" panose="02020603050405020304"/>
+              <a:cs typeface="Times New Roman" panose="02020603050405020304"/>
+            </a:endParaRPr>
+          </a:p>
+          <a:p>
+            <a:pPr>
+              <a:lnSpc>
+                <a:spcPct val="100000"/>
+              </a:lnSpc>
+            </a:pPr>
+            <a:endParaRPr sz="2400">
+              <a:latin typeface="Times New Roman" panose="02020603050405020304"/>
+              <a:cs typeface="Times New Roman" panose="02020603050405020304"/>
+            </a:endParaRPr>
+          </a:p>
+          <a:p>
+            <a:pPr>
+              <a:lnSpc>
+                <a:spcPct val="100000"/>
+              </a:lnSpc>
+            </a:pPr>
+            <a:endParaRPr sz="2400">
+              <a:latin typeface="Times New Roman" panose="02020603050405020304"/>
+              <a:cs typeface="Times New Roman" panose="02020603050405020304"/>
+            </a:endParaRPr>
+          </a:p>
+          <a:p>
+            <a:pPr>
+              <a:lnSpc>
+                <a:spcPct val="100000"/>
+              </a:lnSpc>
+            </a:pPr>
+            <a:endParaRPr sz="2400">
+              <a:latin typeface="Times New Roman" panose="02020603050405020304"/>
+              <a:cs typeface="Times New Roman" panose="02020603050405020304"/>
+            </a:endParaRPr>
+          </a:p>
+          <a:p>
+            <a:pPr>
+              <a:lnSpc>
+                <a:spcPct val="100000"/>
+              </a:lnSpc>
+            </a:pPr>
+            <a:endParaRPr sz="2400">
+              <a:latin typeface="Times New Roman" panose="02020603050405020304"/>
+              <a:cs typeface="Times New Roman" panose="02020603050405020304"/>
+            </a:endParaRPr>
+          </a:p>
+          <a:p>
+            <a:pPr>
+              <a:lnSpc>
+                <a:spcPct val="100000"/>
+              </a:lnSpc>
+            </a:pPr>
+            <a:endParaRPr sz="2400">
+              <a:latin typeface="Times New Roman" panose="02020603050405020304"/>
+              <a:cs typeface="Times New Roman" panose="02020603050405020304"/>
+            </a:endParaRPr>
+          </a:p>
+          <a:p>
+            <a:pPr>
+              <a:lnSpc>
+                <a:spcPct val="100000"/>
+              </a:lnSpc>
+            </a:pPr>
+            <a:endParaRPr sz="2400">
+              <a:latin typeface="Times New Roman" panose="02020603050405020304"/>
+              <a:cs typeface="Times New Roman" panose="02020603050405020304"/>
+            </a:endParaRPr>
+          </a:p>
+          <a:p>
+            <a:pPr algn="ctr">
+              <a:lnSpc>
+                <a:spcPct val="100000"/>
+              </a:lnSpc>
+              <a:spcBef>
+                <a:spcPts val="2150"/>
+              </a:spcBef>
+            </a:pPr>
+            <a:r>
+              <a:rPr sz="1900" spc="-5" dirty="0">
+                <a:solidFill>
+                  <a:srgbClr val="404040"/>
+                </a:solidFill>
+                <a:latin typeface="Verdana" panose="020B0604030504040204"/>
+                <a:cs typeface="Verdana" panose="020B0604030504040204"/>
+              </a:rPr>
+              <a:t>Data</a:t>
+            </a:r>
+            <a:r>
+              <a:rPr sz="1900" spc="-140" dirty="0">
+                <a:solidFill>
+                  <a:srgbClr val="404040"/>
+                </a:solidFill>
+                <a:latin typeface="Verdana" panose="020B0604030504040204"/>
+                <a:cs typeface="Verdana" panose="020B0604030504040204"/>
+              </a:rPr>
+              <a:t> </a:t>
+            </a:r>
+            <a:r>
+              <a:rPr sz="1900" spc="5" dirty="0">
+                <a:solidFill>
+                  <a:srgbClr val="404040"/>
+                </a:solidFill>
+                <a:latin typeface="Verdana" panose="020B0604030504040204"/>
+                <a:cs typeface="Verdana" panose="020B0604030504040204"/>
+              </a:rPr>
+              <a:t>Center</a:t>
+            </a:r>
+            <a:endParaRPr sz="1900">
+              <a:latin typeface="Verdana" panose="020B0604030504040204"/>
+              <a:cs typeface="Verdana" panose="020B0604030504040204"/>
+            </a:endParaRPr>
+          </a:p>
+        </p:txBody>
+      </p:sp>
+      <p:sp>
+        <p:nvSpPr>
+          <p:cNvPr id="23" name="object 23"/>
+          <p:cNvSpPr txBox="1"/>
+          <p:nvPr/>
+        </p:nvSpPr>
+        <p:spPr>
+          <a:xfrm>
+            <a:off x="12802374" y="6903335"/>
+            <a:ext cx="1240155" cy="314960"/>
+          </a:xfrm>
+          <a:prstGeom prst="rect">
+            <a:avLst/>
+          </a:prstGeom>
+        </p:spPr>
+        <p:txBody>
+          <a:bodyPr vert="horz" wrap="square" lIns="0" tIns="12700" rIns="0" bIns="0" rtlCol="0">
+            <a:spAutoFit/>
+          </a:bodyPr>
+          <a:lstStyle/>
+          <a:p>
+            <a:pPr marL="12700">
+              <a:lnSpc>
+                <a:spcPct val="100000"/>
+              </a:lnSpc>
+              <a:spcBef>
+                <a:spcPts val="100"/>
+              </a:spcBef>
+            </a:pPr>
+            <a:r>
+              <a:rPr sz="1900" i="1" spc="-10" dirty="0">
+                <a:solidFill>
+                  <a:srgbClr val="404040"/>
+                </a:solidFill>
+                <a:latin typeface="Verdana" panose="020B0604030504040204"/>
+                <a:cs typeface="Verdana" panose="020B0604030504040204"/>
+              </a:rPr>
+              <a:t>Singapo</a:t>
+            </a:r>
+            <a:r>
+              <a:rPr sz="1900" i="1" spc="-15" dirty="0">
+                <a:solidFill>
+                  <a:srgbClr val="404040"/>
+                </a:solidFill>
+                <a:latin typeface="Verdana" panose="020B0604030504040204"/>
+                <a:cs typeface="Verdana" panose="020B0604030504040204"/>
+              </a:rPr>
+              <a:t>r</a:t>
+            </a:r>
+            <a:r>
+              <a:rPr sz="1900" i="1" spc="-15" dirty="0">
+                <a:solidFill>
+                  <a:srgbClr val="404040"/>
+                </a:solidFill>
+                <a:latin typeface="Verdana" panose="020B0604030504040204"/>
+                <a:cs typeface="Verdana" panose="020B0604030504040204"/>
+              </a:rPr>
+              <a:t>e</a:t>
+            </a:r>
+            <a:endParaRPr sz="1900">
+              <a:latin typeface="Verdana" panose="020B0604030504040204"/>
+              <a:cs typeface="Verdana" panose="020B0604030504040204"/>
+            </a:endParaRPr>
+          </a:p>
+        </p:txBody>
+      </p:sp>
+      <p:grpSp>
+        <p:nvGrpSpPr>
+          <p:cNvPr id="24" name="object 24"/>
+          <p:cNvGrpSpPr/>
+          <p:nvPr/>
+        </p:nvGrpSpPr>
+        <p:grpSpPr>
+          <a:xfrm>
+            <a:off x="5285221" y="3536307"/>
+            <a:ext cx="10189210" cy="2464435"/>
+            <a:chOff x="5285221" y="3536307"/>
+            <a:chExt cx="10189210" cy="2464435"/>
+          </a:xfrm>
+        </p:grpSpPr>
+        <p:pic>
+          <p:nvPicPr>
+            <p:cNvPr id="25" name="object 25"/>
+            <p:cNvPicPr/>
+            <p:nvPr/>
+          </p:nvPicPr>
+          <p:blipFill>
+            <a:blip r:embed="rId1" cstate="print"/>
+            <a:stretch>
+              <a:fillRect/>
+            </a:stretch>
+          </p:blipFill>
+          <p:spPr>
+            <a:xfrm>
+              <a:off x="9094941" y="4933649"/>
+              <a:ext cx="1084750" cy="1066799"/>
+            </a:xfrm>
+            <a:prstGeom prst="rect">
+              <a:avLst/>
+            </a:prstGeom>
+          </p:spPr>
+        </p:pic>
+        <p:pic>
+          <p:nvPicPr>
+            <p:cNvPr id="26" name="object 26"/>
+            <p:cNvPicPr/>
+            <p:nvPr/>
+          </p:nvPicPr>
+          <p:blipFill>
+            <a:blip r:embed="rId2" cstate="print"/>
+            <a:stretch>
+              <a:fillRect/>
+            </a:stretch>
+          </p:blipFill>
+          <p:spPr>
+            <a:xfrm>
+              <a:off x="6127108" y="4933649"/>
+              <a:ext cx="1084751" cy="1066799"/>
+            </a:xfrm>
+            <a:prstGeom prst="rect">
+              <a:avLst/>
+            </a:prstGeom>
+          </p:spPr>
+        </p:pic>
+        <p:pic>
+          <p:nvPicPr>
+            <p:cNvPr id="27" name="object 27"/>
+            <p:cNvPicPr/>
+            <p:nvPr/>
+          </p:nvPicPr>
+          <p:blipFill>
+            <a:blip r:embed="rId3" cstate="print"/>
+            <a:stretch>
+              <a:fillRect/>
+            </a:stretch>
+          </p:blipFill>
+          <p:spPr>
+            <a:xfrm>
+              <a:off x="7611024" y="4933649"/>
+              <a:ext cx="1084751" cy="1066799"/>
+            </a:xfrm>
+            <a:prstGeom prst="rect">
+              <a:avLst/>
+            </a:prstGeom>
+          </p:spPr>
+        </p:pic>
+        <p:sp>
+          <p:nvSpPr>
+            <p:cNvPr id="28" name="object 28"/>
+            <p:cNvSpPr/>
+            <p:nvPr/>
+          </p:nvSpPr>
+          <p:spPr>
+            <a:xfrm>
+              <a:off x="5285221" y="5088364"/>
+              <a:ext cx="418465" cy="0"/>
+            </a:xfrm>
+            <a:custGeom>
+              <a:avLst/>
+              <a:gdLst/>
+              <a:ahLst/>
+              <a:cxnLst/>
+              <a:rect l="l" t="t" r="r" b="b"/>
+              <a:pathLst>
+                <a:path w="418464">
+                  <a:moveTo>
+                    <a:pt x="0" y="0"/>
+                  </a:moveTo>
+                  <a:lnTo>
+                    <a:pt x="417978" y="0"/>
+                  </a:lnTo>
+                </a:path>
+              </a:pathLst>
+            </a:custGeom>
+            <a:ln w="50800">
+              <a:solidFill>
+                <a:srgbClr val="606060"/>
+              </a:solidFill>
+              <a:prstDash val="dot"/>
+            </a:ln>
+          </p:spPr>
+          <p:txBody>
+            <a:bodyPr wrap="square" lIns="0" tIns="0" rIns="0" bIns="0" rtlCol="0"/>
+            <a:lstStyle/>
+            <a:p/>
+          </p:txBody>
+        </p:sp>
+        <p:pic>
+          <p:nvPicPr>
+            <p:cNvPr id="29" name="object 29"/>
+            <p:cNvPicPr/>
+            <p:nvPr/>
+          </p:nvPicPr>
+          <p:blipFill>
+            <a:blip r:embed="rId1" cstate="print"/>
+            <a:stretch>
+              <a:fillRect/>
+            </a:stretch>
+          </p:blipFill>
+          <p:spPr>
+            <a:xfrm>
+              <a:off x="14389125" y="3536307"/>
+              <a:ext cx="1084750" cy="1066800"/>
+            </a:xfrm>
+            <a:prstGeom prst="rect">
+              <a:avLst/>
+            </a:prstGeom>
+          </p:spPr>
+        </p:pic>
+        <p:pic>
+          <p:nvPicPr>
+            <p:cNvPr id="30" name="object 30"/>
+            <p:cNvPicPr/>
+            <p:nvPr/>
+          </p:nvPicPr>
+          <p:blipFill>
+            <a:blip r:embed="rId2" cstate="print"/>
+            <a:stretch>
+              <a:fillRect/>
+            </a:stretch>
+          </p:blipFill>
+          <p:spPr>
+            <a:xfrm>
+              <a:off x="11421295" y="3536307"/>
+              <a:ext cx="1084751" cy="1066800"/>
+            </a:xfrm>
+            <a:prstGeom prst="rect">
+              <a:avLst/>
+            </a:prstGeom>
+          </p:spPr>
+        </p:pic>
+        <p:pic>
+          <p:nvPicPr>
+            <p:cNvPr id="31" name="object 31"/>
+            <p:cNvPicPr/>
+            <p:nvPr/>
+          </p:nvPicPr>
+          <p:blipFill>
+            <a:blip r:embed="rId3" cstate="print"/>
+            <a:stretch>
+              <a:fillRect/>
+            </a:stretch>
+          </p:blipFill>
+          <p:spPr>
+            <a:xfrm>
+              <a:off x="12905206" y="3536307"/>
+              <a:ext cx="1084751" cy="1066800"/>
+            </a:xfrm>
+            <a:prstGeom prst="rect">
+              <a:avLst/>
+            </a:prstGeom>
+          </p:spPr>
+        </p:pic>
+        <p:sp>
+          <p:nvSpPr>
+            <p:cNvPr id="32" name="object 32"/>
+            <p:cNvSpPr/>
+            <p:nvPr/>
+          </p:nvSpPr>
+          <p:spPr>
+            <a:xfrm>
+              <a:off x="10578199" y="5101064"/>
+              <a:ext cx="418465" cy="0"/>
+            </a:xfrm>
+            <a:custGeom>
+              <a:avLst/>
+              <a:gdLst/>
+              <a:ahLst/>
+              <a:cxnLst/>
+              <a:rect l="l" t="t" r="r" b="b"/>
+              <a:pathLst>
+                <a:path w="418465">
+                  <a:moveTo>
+                    <a:pt x="0" y="0"/>
+                  </a:moveTo>
+                  <a:lnTo>
+                    <a:pt x="417978" y="0"/>
+                  </a:lnTo>
+                </a:path>
+              </a:pathLst>
+            </a:custGeom>
+            <a:ln w="50800">
+              <a:solidFill>
+                <a:srgbClr val="606060"/>
+              </a:solidFill>
+              <a:prstDash val="dot"/>
+            </a:ln>
+          </p:spPr>
+          <p:txBody>
+            <a:bodyPr wrap="square" lIns="0" tIns="0" rIns="0" bIns="0" rtlCol="0"/>
+            <a:lstStyle/>
+            <a:p/>
+          </p:txBody>
+        </p:sp>
+      </p:grpSp>
+      <p:sp>
+        <p:nvSpPr>
+          <p:cNvPr id="33" name="Slide Number Placeholder 32"/>
+          <p:cNvSpPr>
+            <a:spLocks noGrp="1"/>
+          </p:cNvSpPr>
+          <p:nvPr>
+            <p:ph type="sldNum" sz="quarter" idx="7"/>
+          </p:nvPr>
+        </p:nvSpPr>
+        <p:spPr/>
+        <p:txBody>
+          <a:bodyPr/>
+          <a:p>
+            <a:fld id="{B6F15528-21DE-4FAA-801E-634DDDAF4B2B}" type="slidenum">
+              <a:rPr/>
+            </a:fld>
+            <a:endParaRPr/>
+          </a:p>
+        </p:txBody>
+      </p:sp>
+      <p:sp>
+        <p:nvSpPr>
+          <p:cNvPr id="34" name="object 7"/>
+          <p:cNvSpPr txBox="1"/>
+          <p:nvPr/>
+        </p:nvSpPr>
+        <p:spPr>
+          <a:xfrm>
+            <a:off x="7366222" y="6903971"/>
+            <a:ext cx="1554480" cy="314960"/>
+          </a:xfrm>
+          <a:prstGeom prst="rect">
+            <a:avLst/>
+          </a:prstGeom>
+        </p:spPr>
+        <p:txBody>
+          <a:bodyPr vert="horz" wrap="square" lIns="0" tIns="12700" rIns="0" bIns="0" rtlCol="0">
+            <a:spAutoFit/>
+          </a:bodyPr>
+          <a:p>
+            <a:pPr marL="12700">
+              <a:lnSpc>
+                <a:spcPct val="100000"/>
+              </a:lnSpc>
+              <a:spcBef>
+                <a:spcPts val="100"/>
+              </a:spcBef>
+            </a:pPr>
+            <a:r>
+              <a:rPr sz="1900" i="1" spc="-15" dirty="0">
+                <a:solidFill>
+                  <a:srgbClr val="404040"/>
+                </a:solidFill>
+                <a:latin typeface="Verdana" panose="020B0604030504040204"/>
+                <a:cs typeface="Verdana" panose="020B0604030504040204"/>
+              </a:rPr>
+              <a:t>Nas</a:t>
+            </a:r>
+            <a:r>
+              <a:rPr sz="1900" i="1" spc="-80" dirty="0">
+                <a:solidFill>
+                  <a:srgbClr val="404040"/>
+                </a:solidFill>
+                <a:latin typeface="Verdana" panose="020B0604030504040204"/>
+                <a:cs typeface="Verdana" panose="020B0604030504040204"/>
+              </a:rPr>
+              <a:t>h</a:t>
+            </a:r>
+            <a:r>
+              <a:rPr sz="1900" i="1" spc="-25" dirty="0">
+                <a:solidFill>
+                  <a:srgbClr val="404040"/>
+                </a:solidFill>
+                <a:latin typeface="Verdana" panose="020B0604030504040204"/>
+                <a:cs typeface="Verdana" panose="020B0604030504040204"/>
+              </a:rPr>
+              <a:t>vill</a:t>
+            </a:r>
+            <a:r>
+              <a:rPr sz="1900" i="1" spc="-60" dirty="0">
+                <a:solidFill>
+                  <a:srgbClr val="404040"/>
+                </a:solidFill>
+                <a:latin typeface="Verdana" panose="020B0604030504040204"/>
+                <a:cs typeface="Verdana" panose="020B0604030504040204"/>
+              </a:rPr>
+              <a:t>e</a:t>
+            </a:r>
+            <a:r>
+              <a:rPr sz="1900" i="1" spc="-210" dirty="0">
+                <a:solidFill>
+                  <a:srgbClr val="404040"/>
+                </a:solidFill>
+                <a:latin typeface="Verdana" panose="020B0604030504040204"/>
+                <a:cs typeface="Verdana" panose="020B0604030504040204"/>
+              </a:rPr>
+              <a:t>,</a:t>
+            </a:r>
+            <a:r>
+              <a:rPr sz="1900" i="1" spc="-100" dirty="0">
+                <a:solidFill>
+                  <a:srgbClr val="404040"/>
+                </a:solidFill>
+                <a:latin typeface="Verdana" panose="020B0604030504040204"/>
+                <a:cs typeface="Verdana" panose="020B0604030504040204"/>
+              </a:rPr>
+              <a:t> </a:t>
+            </a:r>
+            <a:r>
+              <a:rPr sz="1900" i="1" spc="35" dirty="0">
+                <a:solidFill>
+                  <a:srgbClr val="404040"/>
+                </a:solidFill>
+                <a:latin typeface="Verdana" panose="020B0604030504040204"/>
+                <a:cs typeface="Verdana" panose="020B0604030504040204"/>
+              </a:rPr>
+              <a:t>TN</a:t>
+            </a:r>
+            <a:endParaRPr sz="1900">
+              <a:latin typeface="Verdana" panose="020B0604030504040204"/>
+              <a:cs typeface="Verdana" panose="020B0604030504040204"/>
+            </a:endParaRPr>
+          </a:p>
+        </p:txBody>
+      </p:sp>
+      <p:sp>
+        <p:nvSpPr>
+          <p:cNvPr id="35" name="object 15"/>
+          <p:cNvSpPr txBox="1"/>
+          <p:nvPr/>
+        </p:nvSpPr>
+        <p:spPr>
+          <a:xfrm>
+            <a:off x="2026918" y="6903970"/>
+            <a:ext cx="1746250" cy="314960"/>
+          </a:xfrm>
+          <a:prstGeom prst="rect">
+            <a:avLst/>
+          </a:prstGeom>
+        </p:spPr>
+        <p:txBody>
+          <a:bodyPr vert="horz" wrap="square" lIns="0" tIns="12700" rIns="0" bIns="0" rtlCol="0">
+            <a:spAutoFit/>
+          </a:bodyPr>
+          <a:p>
+            <a:pPr marL="12700">
+              <a:lnSpc>
+                <a:spcPct val="100000"/>
+              </a:lnSpc>
+              <a:spcBef>
+                <a:spcPts val="100"/>
+              </a:spcBef>
+            </a:pPr>
+            <a:r>
+              <a:rPr sz="1900" i="1" spc="-35" dirty="0">
+                <a:solidFill>
+                  <a:srgbClr val="404040"/>
+                </a:solidFill>
+                <a:latin typeface="Verdana" panose="020B0604030504040204"/>
+                <a:cs typeface="Verdana" panose="020B0604030504040204"/>
+              </a:rPr>
+              <a:t>Dublin,</a:t>
+            </a:r>
+            <a:r>
+              <a:rPr sz="1900" i="1" spc="-100" dirty="0">
+                <a:solidFill>
+                  <a:srgbClr val="404040"/>
+                </a:solidFill>
+                <a:latin typeface="Verdana" panose="020B0604030504040204"/>
+                <a:cs typeface="Verdana" panose="020B0604030504040204"/>
+              </a:rPr>
+              <a:t> </a:t>
+            </a:r>
+            <a:r>
+              <a:rPr sz="1900" i="1" spc="-150" dirty="0">
+                <a:solidFill>
+                  <a:srgbClr val="404040"/>
+                </a:solidFill>
+                <a:latin typeface="Verdana" panose="020B0604030504040204"/>
+                <a:cs typeface="Verdana" panose="020B0604030504040204"/>
+              </a:rPr>
+              <a:t>I</a:t>
+            </a:r>
+            <a:r>
+              <a:rPr sz="1900" i="1" spc="-160" dirty="0">
+                <a:solidFill>
+                  <a:srgbClr val="404040"/>
+                </a:solidFill>
+                <a:latin typeface="Verdana" panose="020B0604030504040204"/>
+                <a:cs typeface="Verdana" panose="020B0604030504040204"/>
+              </a:rPr>
+              <a:t>r</a:t>
+            </a:r>
+            <a:r>
+              <a:rPr sz="1900" i="1" spc="-10" dirty="0">
+                <a:solidFill>
+                  <a:srgbClr val="404040"/>
+                </a:solidFill>
+                <a:latin typeface="Verdana" panose="020B0604030504040204"/>
+                <a:cs typeface="Verdana" panose="020B0604030504040204"/>
+              </a:rPr>
+              <a:t>eland</a:t>
+            </a:r>
+            <a:endParaRPr sz="1900">
+              <a:latin typeface="Verdana" panose="020B0604030504040204"/>
+              <a:cs typeface="Verdana" panose="020B0604030504040204"/>
+            </a:endParaRPr>
+          </a:p>
+        </p:txBody>
+      </p:sp>
+    </p:spTree>
+  </p:cSld>
+  <p:clrMapOvr>
+    <a:masterClrMapping/>
+  </p:clrMapOvr>
+</p:sld>
+</file>
+
+<file path=ppt/slides/slide17.xml><?xml version="1.0" encoding="utf-8"?>
+<p:sld xmlns:a="http://schemas.openxmlformats.org/drawingml/2006/main" xmlns:r="http://schemas.openxmlformats.org/officeDocument/2006/relationships" xmlns:p="http://schemas.openxmlformats.org/presentationml/2006/main" showMasterSp="0">
+  <p:cSld>
+    <p:spTree>
+      <p:nvGrpSpPr>
+        <p:cNvPr id="1" name=""/>
+        <p:cNvGrpSpPr/>
+        <p:nvPr/>
+      </p:nvGrpSpPr>
+      <p:grpSpPr>
+        <a:xfrm>
+          <a:off x="0" y="0"/>
+          <a:ext cx="0" cy="0"/>
+          <a:chOff x="0" y="0"/>
+          <a:chExt cx="0" cy="0"/>
+        </a:xfrm>
+      </p:grpSpPr>
+      <p:sp>
+        <p:nvSpPr>
+          <p:cNvPr id="2" name="object 2"/>
+          <p:cNvSpPr/>
+          <p:nvPr/>
+        </p:nvSpPr>
+        <p:spPr>
+          <a:xfrm>
+            <a:off x="6112933" y="568938"/>
+            <a:ext cx="0" cy="7987665"/>
+          </a:xfrm>
+          <a:custGeom>
+            <a:avLst/>
+            <a:gdLst/>
+            <a:ahLst/>
+            <a:cxnLst/>
+            <a:rect l="l" t="t" r="r" b="b"/>
+            <a:pathLst>
+              <a:path h="7987665">
+                <a:moveTo>
+                  <a:pt x="0" y="0"/>
+                </a:moveTo>
+                <a:lnTo>
+                  <a:pt x="0" y="7987233"/>
+                </a:lnTo>
+              </a:path>
+            </a:pathLst>
+          </a:custGeom>
+          <a:ln w="25400">
+            <a:solidFill>
+              <a:srgbClr val="F05A28"/>
+            </a:solidFill>
+          </a:ln>
+        </p:spPr>
+        <p:txBody>
+          <a:bodyPr wrap="square" lIns="0" tIns="0" rIns="0" bIns="0" rtlCol="0"/>
+          <a:lstStyle/>
+          <a:p/>
+        </p:txBody>
+      </p:sp>
+      <p:sp>
+        <p:nvSpPr>
+          <p:cNvPr id="3" name="object 3"/>
+          <p:cNvSpPr txBox="1"/>
+          <p:nvPr/>
+        </p:nvSpPr>
+        <p:spPr>
+          <a:xfrm>
+            <a:off x="6951013" y="4139644"/>
+            <a:ext cx="6946900" cy="726440"/>
+          </a:xfrm>
+          <a:prstGeom prst="rect">
+            <a:avLst/>
+          </a:prstGeom>
+        </p:spPr>
+        <p:txBody>
+          <a:bodyPr vert="horz" wrap="square" lIns="0" tIns="12700" rIns="0" bIns="0" rtlCol="0">
+            <a:spAutoFit/>
+          </a:bodyPr>
+          <a:lstStyle/>
+          <a:p>
+            <a:pPr marL="12700">
+              <a:lnSpc>
+                <a:spcPct val="100000"/>
+              </a:lnSpc>
+              <a:spcBef>
+                <a:spcPts val="100"/>
+              </a:spcBef>
+            </a:pPr>
+            <a:r>
+              <a:rPr sz="4600" spc="-85" dirty="0">
+                <a:solidFill>
+                  <a:srgbClr val="181818"/>
+                </a:solidFill>
+                <a:latin typeface="Verdana" panose="020B0604030504040204"/>
+                <a:cs typeface="Verdana" panose="020B0604030504040204"/>
+              </a:rPr>
+              <a:t>Traditional</a:t>
+            </a:r>
+            <a:r>
+              <a:rPr sz="4600" spc="-260" dirty="0">
+                <a:solidFill>
+                  <a:srgbClr val="181818"/>
+                </a:solidFill>
+                <a:latin typeface="Verdana" panose="020B0604030504040204"/>
+                <a:cs typeface="Verdana" panose="020B0604030504040204"/>
+              </a:rPr>
+              <a:t> </a:t>
+            </a:r>
+            <a:r>
+              <a:rPr sz="4600" spc="-50" dirty="0">
+                <a:solidFill>
+                  <a:srgbClr val="181818"/>
+                </a:solidFill>
+                <a:latin typeface="Verdana" panose="020B0604030504040204"/>
+                <a:cs typeface="Verdana" panose="020B0604030504040204"/>
+              </a:rPr>
+              <a:t>Data</a:t>
+            </a:r>
+            <a:r>
+              <a:rPr sz="4600" spc="-254" dirty="0">
+                <a:solidFill>
+                  <a:srgbClr val="181818"/>
+                </a:solidFill>
+                <a:latin typeface="Verdana" panose="020B0604030504040204"/>
+                <a:cs typeface="Verdana" panose="020B0604030504040204"/>
+              </a:rPr>
+              <a:t> </a:t>
+            </a:r>
+            <a:r>
+              <a:rPr sz="4600" spc="-50" dirty="0">
+                <a:solidFill>
+                  <a:srgbClr val="181818"/>
+                </a:solidFill>
+                <a:latin typeface="Verdana" panose="020B0604030504040204"/>
+                <a:cs typeface="Verdana" panose="020B0604030504040204"/>
+              </a:rPr>
+              <a:t>Centers</a:t>
+            </a:r>
+            <a:endParaRPr sz="4600">
+              <a:latin typeface="Verdana" panose="020B0604030504040204"/>
+              <a:cs typeface="Verdana" panose="020B0604030504040204"/>
+            </a:endParaRPr>
+          </a:p>
+        </p:txBody>
+      </p:sp>
+      <p:sp>
+        <p:nvSpPr>
+          <p:cNvPr id="4" name="object 4"/>
+          <p:cNvSpPr txBox="1">
+            <a:spLocks noGrp="1"/>
+          </p:cNvSpPr>
+          <p:nvPr>
+            <p:ph type="title"/>
+          </p:nvPr>
+        </p:nvSpPr>
+        <p:spPr>
+          <a:xfrm>
+            <a:off x="716392" y="1778000"/>
+            <a:ext cx="5044440" cy="1397000"/>
+          </a:xfrm>
+          <a:prstGeom prst="rect">
+            <a:avLst/>
+          </a:prstGeom>
+        </p:spPr>
+        <p:txBody>
+          <a:bodyPr vert="horz" wrap="square" lIns="0" tIns="12700" rIns="0" bIns="0" rtlCol="0">
+            <a:spAutoFit/>
+          </a:bodyPr>
+          <a:lstStyle/>
+          <a:p>
+            <a:pPr marL="681355" marR="5080" indent="-668655">
+              <a:lnSpc>
+                <a:spcPct val="150000"/>
+              </a:lnSpc>
+              <a:spcBef>
+                <a:spcPts val="100"/>
+              </a:spcBef>
+            </a:pPr>
+            <a:r>
+              <a:rPr sz="3000" spc="45" dirty="0">
+                <a:solidFill>
+                  <a:srgbClr val="000000"/>
+                </a:solidFill>
+              </a:rPr>
+              <a:t>Large</a:t>
+            </a:r>
+            <a:r>
+              <a:rPr sz="3000" spc="-195" dirty="0">
+                <a:solidFill>
+                  <a:srgbClr val="000000"/>
+                </a:solidFill>
+              </a:rPr>
+              <a:t> </a:t>
+            </a:r>
+            <a:r>
+              <a:rPr sz="3000" spc="10" dirty="0">
+                <a:solidFill>
+                  <a:srgbClr val="000000"/>
+                </a:solidFill>
+              </a:rPr>
+              <a:t>up-front</a:t>
+            </a:r>
+            <a:r>
+              <a:rPr sz="3000" spc="-195" dirty="0">
+                <a:solidFill>
+                  <a:srgbClr val="000000"/>
+                </a:solidFill>
+              </a:rPr>
+              <a:t> </a:t>
+            </a:r>
+            <a:r>
+              <a:rPr sz="3000" spc="-20" dirty="0">
+                <a:solidFill>
+                  <a:srgbClr val="000000"/>
+                </a:solidFill>
+              </a:rPr>
+              <a:t>investment </a:t>
+            </a:r>
+            <a:r>
+              <a:rPr sz="3000" spc="-1045" dirty="0">
+                <a:solidFill>
+                  <a:srgbClr val="000000"/>
+                </a:solidFill>
+              </a:rPr>
+              <a:t> </a:t>
+            </a:r>
+            <a:r>
+              <a:rPr sz="3000" spc="40" dirty="0">
+                <a:solidFill>
+                  <a:srgbClr val="000000"/>
+                </a:solidFill>
+              </a:rPr>
+              <a:t>Forecasting</a:t>
+            </a:r>
+            <a:r>
+              <a:rPr sz="3000" spc="-180" dirty="0">
+                <a:solidFill>
+                  <a:srgbClr val="000000"/>
+                </a:solidFill>
+              </a:rPr>
+              <a:t> </a:t>
+            </a:r>
+            <a:r>
+              <a:rPr sz="3000" spc="25" dirty="0">
+                <a:solidFill>
+                  <a:srgbClr val="000000"/>
+                </a:solidFill>
+              </a:rPr>
+              <a:t>demand</a:t>
+            </a:r>
+            <a:r>
+              <a:rPr sz="3000" spc="-180" dirty="0">
+                <a:solidFill>
+                  <a:srgbClr val="000000"/>
+                </a:solidFill>
+              </a:rPr>
+              <a:t> </a:t>
+            </a:r>
+            <a:r>
+              <a:rPr sz="3000" spc="-15" dirty="0">
+                <a:solidFill>
+                  <a:srgbClr val="000000"/>
+                </a:solidFill>
+              </a:rPr>
+              <a:t>is</a:t>
+            </a:r>
+            <a:endParaRPr sz="3000"/>
+          </a:p>
+        </p:txBody>
+      </p:sp>
+      <p:sp>
+        <p:nvSpPr>
+          <p:cNvPr id="5" name="object 5"/>
+          <p:cNvSpPr txBox="1"/>
+          <p:nvPr/>
+        </p:nvSpPr>
+        <p:spPr>
+          <a:xfrm>
+            <a:off x="659623" y="2921000"/>
+            <a:ext cx="5101590" cy="4140200"/>
+          </a:xfrm>
+          <a:prstGeom prst="rect">
+            <a:avLst/>
+          </a:prstGeom>
+        </p:spPr>
+        <p:txBody>
+          <a:bodyPr vert="horz" wrap="square" lIns="0" tIns="241300" rIns="0" bIns="0" rtlCol="0">
+            <a:spAutoFit/>
+          </a:bodyPr>
+          <a:lstStyle/>
+          <a:p>
+            <a:pPr marR="5080" algn="r">
+              <a:lnSpc>
+                <a:spcPct val="100000"/>
+              </a:lnSpc>
+              <a:spcBef>
+                <a:spcPts val="1900"/>
+              </a:spcBef>
+            </a:pPr>
+            <a:r>
+              <a:rPr sz="3000" spc="60" dirty="0">
+                <a:latin typeface="Verdana" panose="020B0604030504040204"/>
+                <a:cs typeface="Verdana" panose="020B0604030504040204"/>
+              </a:rPr>
+              <a:t>difficult</a:t>
+            </a:r>
+            <a:endParaRPr sz="3000">
+              <a:latin typeface="Verdana" panose="020B0604030504040204"/>
+              <a:cs typeface="Verdana" panose="020B0604030504040204"/>
+            </a:endParaRPr>
+          </a:p>
+          <a:p>
+            <a:pPr marL="1366520" marR="5080" indent="-1015365" algn="r">
+              <a:lnSpc>
+                <a:spcPct val="100000"/>
+              </a:lnSpc>
+              <a:spcBef>
+                <a:spcPts val="1800"/>
+              </a:spcBef>
+            </a:pPr>
+            <a:r>
+              <a:rPr sz="3000" spc="25" dirty="0">
+                <a:latin typeface="Verdana" panose="020B0604030504040204"/>
+                <a:cs typeface="Verdana" panose="020B0604030504040204"/>
+              </a:rPr>
+              <a:t>Slow</a:t>
+            </a:r>
+            <a:r>
+              <a:rPr sz="3000" spc="-170" dirty="0">
+                <a:latin typeface="Verdana" panose="020B0604030504040204"/>
+                <a:cs typeface="Verdana" panose="020B0604030504040204"/>
+              </a:rPr>
+              <a:t> </a:t>
+            </a:r>
+            <a:r>
+              <a:rPr sz="3000" spc="75" dirty="0">
+                <a:latin typeface="Verdana" panose="020B0604030504040204"/>
+                <a:cs typeface="Verdana" panose="020B0604030504040204"/>
+              </a:rPr>
+              <a:t>to</a:t>
+            </a:r>
+            <a:r>
+              <a:rPr sz="3000" spc="-165" dirty="0">
+                <a:latin typeface="Verdana" panose="020B0604030504040204"/>
+                <a:cs typeface="Verdana" panose="020B0604030504040204"/>
+              </a:rPr>
+              <a:t> </a:t>
+            </a:r>
+            <a:r>
+              <a:rPr sz="3000" spc="65" dirty="0">
+                <a:latin typeface="Verdana" panose="020B0604030504040204"/>
+                <a:cs typeface="Verdana" panose="020B0604030504040204"/>
+              </a:rPr>
+              <a:t>deploy</a:t>
+            </a:r>
+            <a:r>
+              <a:rPr sz="3000" spc="-165" dirty="0">
+                <a:latin typeface="Verdana" panose="020B0604030504040204"/>
+                <a:cs typeface="Verdana" panose="020B0604030504040204"/>
+              </a:rPr>
+              <a:t> </a:t>
+            </a:r>
+            <a:r>
+              <a:rPr sz="3000" spc="10" dirty="0">
+                <a:latin typeface="Verdana" panose="020B0604030504040204"/>
+                <a:cs typeface="Verdana" panose="020B0604030504040204"/>
+              </a:rPr>
+              <a:t>new</a:t>
+            </a:r>
+            <a:r>
+              <a:rPr sz="3000" spc="-165" dirty="0">
+                <a:latin typeface="Verdana" panose="020B0604030504040204"/>
+                <a:cs typeface="Verdana" panose="020B0604030504040204"/>
+              </a:rPr>
+              <a:t> </a:t>
+            </a:r>
+            <a:r>
+              <a:rPr sz="3000" spc="20" dirty="0">
+                <a:latin typeface="Verdana" panose="020B0604030504040204"/>
+                <a:cs typeface="Verdana" panose="020B0604030504040204"/>
+              </a:rPr>
+              <a:t>data </a:t>
+            </a:r>
+            <a:r>
+              <a:rPr sz="3000" spc="-1040" dirty="0">
+                <a:latin typeface="Verdana" panose="020B0604030504040204"/>
+                <a:cs typeface="Verdana" panose="020B0604030504040204"/>
+              </a:rPr>
+              <a:t> </a:t>
+            </a:r>
+            <a:r>
+              <a:rPr sz="3000" dirty="0">
+                <a:latin typeface="Verdana" panose="020B0604030504040204"/>
+                <a:cs typeface="Verdana" panose="020B0604030504040204"/>
+              </a:rPr>
+              <a:t>centers</a:t>
+            </a:r>
+            <a:r>
+              <a:rPr sz="3000" spc="-195" dirty="0">
+                <a:latin typeface="Verdana" panose="020B0604030504040204"/>
+                <a:cs typeface="Verdana" panose="020B0604030504040204"/>
+              </a:rPr>
+              <a:t> </a:t>
+            </a:r>
+            <a:r>
+              <a:rPr sz="3000" spc="20" dirty="0">
+                <a:latin typeface="Verdana" panose="020B0604030504040204"/>
+                <a:cs typeface="Verdana" panose="020B0604030504040204"/>
+              </a:rPr>
+              <a:t>and</a:t>
+            </a:r>
+            <a:r>
+              <a:rPr sz="3000" spc="-195" dirty="0">
+                <a:latin typeface="Verdana" panose="020B0604030504040204"/>
+                <a:cs typeface="Verdana" panose="020B0604030504040204"/>
+              </a:rPr>
+              <a:t> </a:t>
+            </a:r>
+            <a:r>
+              <a:rPr sz="3000" spc="-35" dirty="0">
+                <a:latin typeface="Verdana" panose="020B0604030504040204"/>
+                <a:cs typeface="Verdana" panose="020B0604030504040204"/>
+              </a:rPr>
+              <a:t>servers</a:t>
+            </a:r>
+            <a:endParaRPr sz="3000">
+              <a:latin typeface="Verdana" panose="020B0604030504040204"/>
+              <a:cs typeface="Verdana" panose="020B0604030504040204"/>
+            </a:endParaRPr>
+          </a:p>
+          <a:p>
+            <a:pPr marR="5080" algn="r">
+              <a:lnSpc>
+                <a:spcPct val="100000"/>
+              </a:lnSpc>
+              <a:spcBef>
+                <a:spcPts val="1800"/>
+              </a:spcBef>
+            </a:pPr>
+            <a:r>
+              <a:rPr sz="3000" spc="15" dirty="0">
+                <a:latin typeface="Verdana" panose="020B0604030504040204"/>
+                <a:cs typeface="Verdana" panose="020B0604030504040204"/>
+              </a:rPr>
+              <a:t>Maintaining</a:t>
+            </a:r>
+            <a:r>
+              <a:rPr sz="3000" spc="-190" dirty="0">
+                <a:latin typeface="Verdana" panose="020B0604030504040204"/>
+                <a:cs typeface="Verdana" panose="020B0604030504040204"/>
+              </a:rPr>
+              <a:t> </a:t>
+            </a:r>
+            <a:r>
+              <a:rPr sz="3000" spc="20" dirty="0">
+                <a:latin typeface="Verdana" panose="020B0604030504040204"/>
+                <a:cs typeface="Verdana" panose="020B0604030504040204"/>
+              </a:rPr>
+              <a:t>data</a:t>
+            </a:r>
+            <a:r>
+              <a:rPr sz="3000" spc="-190" dirty="0">
+                <a:latin typeface="Verdana" panose="020B0604030504040204"/>
+                <a:cs typeface="Verdana" panose="020B0604030504040204"/>
+              </a:rPr>
+              <a:t> </a:t>
+            </a:r>
+            <a:r>
+              <a:rPr sz="3000" dirty="0">
+                <a:latin typeface="Verdana" panose="020B0604030504040204"/>
+                <a:cs typeface="Verdana" panose="020B0604030504040204"/>
+              </a:rPr>
+              <a:t>centers</a:t>
+            </a:r>
+            <a:endParaRPr sz="3000">
+              <a:latin typeface="Verdana" panose="020B0604030504040204"/>
+              <a:cs typeface="Verdana" panose="020B0604030504040204"/>
+            </a:endParaRPr>
+          </a:p>
+          <a:p>
+            <a:pPr marR="5080" algn="r">
+              <a:lnSpc>
+                <a:spcPct val="100000"/>
+              </a:lnSpc>
+            </a:pPr>
+            <a:r>
+              <a:rPr sz="3000" spc="-15" dirty="0">
+                <a:latin typeface="Verdana" panose="020B0604030504040204"/>
+                <a:cs typeface="Verdana" panose="020B0604030504040204"/>
+              </a:rPr>
+              <a:t>is</a:t>
+            </a:r>
+            <a:r>
+              <a:rPr sz="3000" spc="-225" dirty="0">
+                <a:latin typeface="Verdana" panose="020B0604030504040204"/>
+                <a:cs typeface="Verdana" panose="020B0604030504040204"/>
+              </a:rPr>
+              <a:t> </a:t>
+            </a:r>
+            <a:r>
+              <a:rPr sz="3000" spc="-10" dirty="0">
+                <a:latin typeface="Verdana" panose="020B0604030504040204"/>
+                <a:cs typeface="Verdana" panose="020B0604030504040204"/>
+              </a:rPr>
+              <a:t>expensive</a:t>
+            </a:r>
+            <a:endParaRPr sz="3000">
+              <a:latin typeface="Verdana" panose="020B0604030504040204"/>
+              <a:cs typeface="Verdana" panose="020B0604030504040204"/>
+            </a:endParaRPr>
+          </a:p>
+          <a:p>
+            <a:pPr marL="580390" marR="5080" indent="-568325" algn="r">
+              <a:lnSpc>
+                <a:spcPct val="100000"/>
+              </a:lnSpc>
+              <a:spcBef>
+                <a:spcPts val="1800"/>
+              </a:spcBef>
+            </a:pPr>
+            <a:r>
+              <a:rPr sz="3000" spc="25" dirty="0">
+                <a:latin typeface="Verdana" panose="020B0604030504040204"/>
+                <a:cs typeface="Verdana" panose="020B0604030504040204"/>
+              </a:rPr>
+              <a:t>You</a:t>
+            </a:r>
+            <a:r>
+              <a:rPr sz="3000" spc="-165" dirty="0">
+                <a:latin typeface="Verdana" panose="020B0604030504040204"/>
+                <a:cs typeface="Verdana" panose="020B0604030504040204"/>
+              </a:rPr>
+              <a:t> </a:t>
+            </a:r>
+            <a:r>
+              <a:rPr sz="3000" spc="50" dirty="0">
+                <a:latin typeface="Verdana" panose="020B0604030504040204"/>
+                <a:cs typeface="Verdana" panose="020B0604030504040204"/>
+              </a:rPr>
+              <a:t>own</a:t>
+            </a:r>
+            <a:r>
+              <a:rPr sz="3000" spc="-165" dirty="0">
+                <a:latin typeface="Verdana" panose="020B0604030504040204"/>
+                <a:cs typeface="Verdana" panose="020B0604030504040204"/>
+              </a:rPr>
+              <a:t> </a:t>
+            </a:r>
+            <a:r>
+              <a:rPr sz="3000" spc="5" dirty="0">
+                <a:latin typeface="Verdana" panose="020B0604030504040204"/>
+                <a:cs typeface="Verdana" panose="020B0604030504040204"/>
+              </a:rPr>
+              <a:t>all</a:t>
+            </a:r>
+            <a:r>
+              <a:rPr sz="3000" spc="-165" dirty="0">
+                <a:latin typeface="Verdana" panose="020B0604030504040204"/>
+                <a:cs typeface="Verdana" panose="020B0604030504040204"/>
+              </a:rPr>
+              <a:t> </a:t>
+            </a:r>
+            <a:r>
+              <a:rPr sz="3000" spc="110" dirty="0">
+                <a:latin typeface="Verdana" panose="020B0604030504040204"/>
+                <a:cs typeface="Verdana" panose="020B0604030504040204"/>
+              </a:rPr>
+              <a:t>of</a:t>
+            </a:r>
+            <a:r>
+              <a:rPr sz="3000" spc="-165" dirty="0">
+                <a:latin typeface="Verdana" panose="020B0604030504040204"/>
+                <a:cs typeface="Verdana" panose="020B0604030504040204"/>
+              </a:rPr>
+              <a:t> </a:t>
+            </a:r>
+            <a:r>
+              <a:rPr sz="3000" spc="10" dirty="0">
+                <a:latin typeface="Verdana" panose="020B0604030504040204"/>
+                <a:cs typeface="Verdana" panose="020B0604030504040204"/>
+              </a:rPr>
+              <a:t>the</a:t>
+            </a:r>
+            <a:r>
+              <a:rPr sz="3000" spc="-165" dirty="0">
+                <a:latin typeface="Verdana" panose="020B0604030504040204"/>
+                <a:cs typeface="Verdana" panose="020B0604030504040204"/>
+              </a:rPr>
+              <a:t> </a:t>
+            </a:r>
+            <a:r>
+              <a:rPr sz="3000" spc="15" dirty="0">
+                <a:latin typeface="Verdana" panose="020B0604030504040204"/>
+                <a:cs typeface="Verdana" panose="020B0604030504040204"/>
+              </a:rPr>
+              <a:t>security </a:t>
+            </a:r>
+            <a:r>
+              <a:rPr sz="3000" spc="-1040" dirty="0">
+                <a:latin typeface="Verdana" panose="020B0604030504040204"/>
+                <a:cs typeface="Verdana" panose="020B0604030504040204"/>
+              </a:rPr>
+              <a:t> </a:t>
+            </a:r>
+            <a:r>
+              <a:rPr sz="3000" spc="20" dirty="0">
+                <a:latin typeface="Verdana" panose="020B0604030504040204"/>
+                <a:cs typeface="Verdana" panose="020B0604030504040204"/>
+              </a:rPr>
+              <a:t>and</a:t>
+            </a:r>
+            <a:r>
+              <a:rPr sz="3000" spc="-170" dirty="0">
+                <a:latin typeface="Verdana" panose="020B0604030504040204"/>
+                <a:cs typeface="Verdana" panose="020B0604030504040204"/>
+              </a:rPr>
+              <a:t> </a:t>
+            </a:r>
+            <a:r>
+              <a:rPr sz="3000" spc="40" dirty="0">
+                <a:latin typeface="Verdana" panose="020B0604030504040204"/>
+                <a:cs typeface="Verdana" panose="020B0604030504040204"/>
+              </a:rPr>
+              <a:t>compliance</a:t>
+            </a:r>
+            <a:r>
+              <a:rPr sz="3000" spc="-170" dirty="0">
+                <a:latin typeface="Verdana" panose="020B0604030504040204"/>
+                <a:cs typeface="Verdana" panose="020B0604030504040204"/>
+              </a:rPr>
+              <a:t> </a:t>
+            </a:r>
+            <a:r>
+              <a:rPr sz="3000" spc="20" dirty="0">
+                <a:latin typeface="Verdana" panose="020B0604030504040204"/>
+                <a:cs typeface="Verdana" panose="020B0604030504040204"/>
+              </a:rPr>
+              <a:t>burden</a:t>
+            </a:r>
+            <a:endParaRPr sz="3000">
+              <a:latin typeface="Verdana" panose="020B0604030504040204"/>
+              <a:cs typeface="Verdana" panose="020B0604030504040204"/>
+            </a:endParaRPr>
+          </a:p>
+        </p:txBody>
+      </p:sp>
+      <p:sp>
+        <p:nvSpPr>
+          <p:cNvPr id="6" name="Slide Number Placeholder 5"/>
+          <p:cNvSpPr>
+            <a:spLocks noGrp="1"/>
+          </p:cNvSpPr>
+          <p:nvPr>
+            <p:ph type="sldNum" sz="quarter" idx="7"/>
+          </p:nvPr>
+        </p:nvSpPr>
+        <p:spPr/>
+        <p:txBody>
+          <a:bodyPr/>
+          <a:p>
+            <a:fld id="{B6F15528-21DE-4FAA-801E-634DDDAF4B2B}" type="slidenum">
+              <a:rPr/>
+            </a:fld>
+            <a:endParaRPr/>
+          </a:p>
+        </p:txBody>
+      </p:sp>
+    </p:spTree>
+  </p:cSld>
+  <p:clrMapOvr>
+    <a:masterClrMapping/>
+  </p:clrMapOvr>
+</p:sld>
+</file>
+
+<file path=ppt/slides/slide18.xml><?xml version="1.0" encoding="utf-8"?>
+<p:sld xmlns:a="http://schemas.openxmlformats.org/drawingml/2006/main" xmlns:r="http://schemas.openxmlformats.org/officeDocument/2006/relationships" xmlns:p="http://schemas.openxmlformats.org/presentationml/2006/main">
+  <p:cSld>
+    <p:spTree>
+      <p:nvGrpSpPr>
+        <p:cNvPr id="1" name=""/>
+        <p:cNvGrpSpPr/>
+        <p:nvPr/>
+      </p:nvGrpSpPr>
+      <p:grpSpPr>
+        <a:xfrm>
+          <a:off x="0" y="0"/>
+          <a:ext cx="0" cy="0"/>
+          <a:chOff x="0" y="0"/>
+          <a:chExt cx="0" cy="0"/>
+        </a:xfrm>
+      </p:grpSpPr>
+      <p:sp>
+        <p:nvSpPr>
+          <p:cNvPr id="2" name="object 2"/>
+          <p:cNvSpPr txBox="1">
+            <a:spLocks noGrp="1"/>
+          </p:cNvSpPr>
+          <p:nvPr>
+            <p:ph type="title"/>
+          </p:nvPr>
+        </p:nvSpPr>
+        <p:spPr>
+          <a:prstGeom prst="rect">
+            <a:avLst/>
+          </a:prstGeom>
+        </p:spPr>
+        <p:txBody>
+          <a:bodyPr vert="horz" wrap="square" lIns="0" tIns="12700" rIns="0" bIns="0" rtlCol="0">
+            <a:spAutoFit/>
+          </a:bodyPr>
+          <a:lstStyle/>
+          <a:p>
+            <a:pPr marL="5539105">
+              <a:lnSpc>
+                <a:spcPct val="100000"/>
+              </a:lnSpc>
+              <a:spcBef>
+                <a:spcPts val="100"/>
+              </a:spcBef>
+            </a:pPr>
+            <a:r>
+              <a:rPr dirty="0"/>
+              <a:t>Benefits</a:t>
+            </a:r>
+            <a:r>
+              <a:rPr spc="-260" dirty="0"/>
+              <a:t> </a:t>
+            </a:r>
+            <a:r>
+              <a:rPr spc="130" dirty="0"/>
+              <a:t>of</a:t>
+            </a:r>
+            <a:r>
+              <a:rPr spc="-260" dirty="0"/>
+              <a:t> </a:t>
+            </a:r>
+            <a:r>
+              <a:rPr spc="85" dirty="0"/>
+              <a:t>Cloud</a:t>
+            </a:r>
+            <a:r>
+              <a:rPr spc="-254" dirty="0"/>
+              <a:t> </a:t>
+            </a:r>
+            <a:r>
+              <a:rPr spc="45" dirty="0"/>
+              <a:t>Computing</a:t>
+            </a:r>
+            <a:endParaRPr spc="45" dirty="0"/>
+          </a:p>
+        </p:txBody>
+      </p:sp>
+      <p:sp>
+        <p:nvSpPr>
+          <p:cNvPr id="3" name="Slide Number Placeholder 2"/>
+          <p:cNvSpPr>
+            <a:spLocks noGrp="1"/>
+          </p:cNvSpPr>
+          <p:nvPr>
+            <p:ph type="sldNum" sz="quarter" idx="7"/>
+          </p:nvPr>
+        </p:nvSpPr>
+        <p:spPr/>
+        <p:txBody>
+          <a:bodyPr/>
+          <a:p>
+            <a:fld id="{B6F15528-21DE-4FAA-801E-634DDDAF4B2B}" type="slidenum">
+              <a:rPr/>
+            </a:fld>
+            <a:endParaRPr/>
+          </a:p>
+        </p:txBody>
+      </p:sp>
+    </p:spTree>
+  </p:cSld>
+  <p:clrMapOvr>
+    <a:masterClrMapping/>
+  </p:clrMapOvr>
+</p:sld>
+</file>
+
+<file path=ppt/slides/slide19.xml><?xml version="1.0" encoding="utf-8"?>
+<p:sld xmlns:a="http://schemas.openxmlformats.org/drawingml/2006/main" xmlns:r="http://schemas.openxmlformats.org/officeDocument/2006/relationships" xmlns:p="http://schemas.openxmlformats.org/presentationml/2006/main" showMasterSp="0">
+  <p:cSld>
+    <p:spTree>
+      <p:nvGrpSpPr>
+        <p:cNvPr id="1" name=""/>
+        <p:cNvGrpSpPr/>
+        <p:nvPr/>
+      </p:nvGrpSpPr>
+      <p:grpSpPr>
+        <a:xfrm>
+          <a:off x="0" y="0"/>
+          <a:ext cx="0" cy="0"/>
+          <a:chOff x="0" y="0"/>
+          <a:chExt cx="0" cy="0"/>
+        </a:xfrm>
+      </p:grpSpPr>
+      <p:sp>
+        <p:nvSpPr>
+          <p:cNvPr id="2" name="object 2"/>
+          <p:cNvSpPr/>
+          <p:nvPr/>
+        </p:nvSpPr>
+        <p:spPr>
+          <a:xfrm>
+            <a:off x="6112933" y="568938"/>
+            <a:ext cx="0" cy="7987665"/>
+          </a:xfrm>
+          <a:custGeom>
+            <a:avLst/>
+            <a:gdLst/>
+            <a:ahLst/>
+            <a:cxnLst/>
+            <a:rect l="l" t="t" r="r" b="b"/>
+            <a:pathLst>
+              <a:path h="7987665">
+                <a:moveTo>
+                  <a:pt x="0" y="0"/>
+                </a:moveTo>
+                <a:lnTo>
+                  <a:pt x="0" y="7987233"/>
+                </a:lnTo>
+              </a:path>
+            </a:pathLst>
+          </a:custGeom>
+          <a:ln w="25400">
+            <a:solidFill>
+              <a:srgbClr val="F05A28"/>
+            </a:solidFill>
+          </a:ln>
+        </p:spPr>
+        <p:txBody>
+          <a:bodyPr wrap="square" lIns="0" tIns="0" rIns="0" bIns="0" rtlCol="0"/>
+          <a:lstStyle/>
+          <a:p/>
+        </p:txBody>
+      </p:sp>
+      <p:sp>
+        <p:nvSpPr>
+          <p:cNvPr id="3" name="object 3"/>
+          <p:cNvSpPr txBox="1"/>
+          <p:nvPr/>
+        </p:nvSpPr>
+        <p:spPr>
+          <a:xfrm>
+            <a:off x="6951013" y="3790394"/>
+            <a:ext cx="6093460" cy="1424940"/>
+          </a:xfrm>
+          <a:prstGeom prst="rect">
+            <a:avLst/>
+          </a:prstGeom>
+        </p:spPr>
+        <p:txBody>
+          <a:bodyPr vert="horz" wrap="square" lIns="0" tIns="27939" rIns="0" bIns="0" rtlCol="0">
+            <a:spAutoFit/>
+          </a:bodyPr>
+          <a:lstStyle/>
+          <a:p>
+            <a:pPr marL="12700" marR="5080">
+              <a:lnSpc>
+                <a:spcPts val="5500"/>
+              </a:lnSpc>
+              <a:spcBef>
+                <a:spcPts val="220"/>
+              </a:spcBef>
+            </a:pPr>
+            <a:r>
+              <a:rPr sz="4600" spc="5" dirty="0">
+                <a:solidFill>
+                  <a:srgbClr val="181818"/>
+                </a:solidFill>
+                <a:latin typeface="Verdana" panose="020B0604030504040204"/>
+                <a:cs typeface="Verdana" panose="020B0604030504040204"/>
+              </a:rPr>
+              <a:t>Advantages</a:t>
+            </a:r>
+            <a:r>
+              <a:rPr sz="4600" spc="-265" dirty="0">
+                <a:solidFill>
+                  <a:srgbClr val="181818"/>
+                </a:solidFill>
+                <a:latin typeface="Verdana" panose="020B0604030504040204"/>
+                <a:cs typeface="Verdana" panose="020B0604030504040204"/>
+              </a:rPr>
+              <a:t> </a:t>
+            </a:r>
+            <a:r>
+              <a:rPr sz="4600" spc="100" dirty="0">
+                <a:solidFill>
+                  <a:srgbClr val="181818"/>
+                </a:solidFill>
+                <a:latin typeface="Verdana" panose="020B0604030504040204"/>
+                <a:cs typeface="Verdana" panose="020B0604030504040204"/>
+              </a:rPr>
+              <a:t>of</a:t>
+            </a:r>
+            <a:r>
+              <a:rPr sz="4600" spc="-265" dirty="0">
+                <a:solidFill>
+                  <a:srgbClr val="181818"/>
+                </a:solidFill>
+                <a:latin typeface="Verdana" panose="020B0604030504040204"/>
+                <a:cs typeface="Verdana" panose="020B0604030504040204"/>
+              </a:rPr>
+              <a:t> </a:t>
+            </a:r>
+            <a:r>
+              <a:rPr sz="4600" spc="55" dirty="0">
+                <a:solidFill>
+                  <a:srgbClr val="181818"/>
+                </a:solidFill>
+                <a:latin typeface="Verdana" panose="020B0604030504040204"/>
+                <a:cs typeface="Verdana" panose="020B0604030504040204"/>
+              </a:rPr>
+              <a:t>Cloud </a:t>
+            </a:r>
+            <a:r>
+              <a:rPr sz="4600" spc="-1600" dirty="0">
+                <a:solidFill>
+                  <a:srgbClr val="181818"/>
+                </a:solidFill>
+                <a:latin typeface="Verdana" panose="020B0604030504040204"/>
+                <a:cs typeface="Verdana" panose="020B0604030504040204"/>
+              </a:rPr>
+              <a:t> </a:t>
+            </a:r>
+            <a:r>
+              <a:rPr sz="4600" spc="25" dirty="0">
+                <a:solidFill>
+                  <a:srgbClr val="181818"/>
+                </a:solidFill>
+                <a:latin typeface="Verdana" panose="020B0604030504040204"/>
+                <a:cs typeface="Verdana" panose="020B0604030504040204"/>
+              </a:rPr>
+              <a:t>Computing</a:t>
+            </a:r>
+            <a:endParaRPr sz="4600">
+              <a:latin typeface="Verdana" panose="020B0604030504040204"/>
+              <a:cs typeface="Verdana" panose="020B0604030504040204"/>
+            </a:endParaRPr>
+          </a:p>
+        </p:txBody>
+      </p:sp>
+      <p:sp>
+        <p:nvSpPr>
+          <p:cNvPr id="4" name="object 4"/>
+          <p:cNvSpPr txBox="1">
+            <a:spLocks noGrp="1"/>
+          </p:cNvSpPr>
+          <p:nvPr>
+            <p:ph type="title"/>
+          </p:nvPr>
+        </p:nvSpPr>
+        <p:spPr>
+          <a:xfrm>
+            <a:off x="892795" y="1892300"/>
+            <a:ext cx="4867910" cy="939800"/>
+          </a:xfrm>
+          <a:prstGeom prst="rect">
+            <a:avLst/>
+          </a:prstGeom>
+        </p:spPr>
+        <p:txBody>
+          <a:bodyPr vert="horz" wrap="square" lIns="0" tIns="12700" rIns="0" bIns="0" rtlCol="0">
+            <a:spAutoFit/>
+          </a:bodyPr>
+          <a:lstStyle/>
+          <a:p>
+            <a:pPr marL="1443355" marR="5080" indent="-1430655">
+              <a:lnSpc>
+                <a:spcPct val="100000"/>
+              </a:lnSpc>
+              <a:spcBef>
+                <a:spcPts val="100"/>
+              </a:spcBef>
+            </a:pPr>
+            <a:r>
+              <a:rPr sz="3000" spc="-25" dirty="0">
+                <a:solidFill>
+                  <a:srgbClr val="000000"/>
+                </a:solidFill>
+              </a:rPr>
+              <a:t>Trade</a:t>
+            </a:r>
+            <a:r>
+              <a:rPr sz="3000" spc="-175" dirty="0">
+                <a:solidFill>
+                  <a:srgbClr val="000000"/>
+                </a:solidFill>
+              </a:rPr>
+              <a:t> </a:t>
+            </a:r>
+            <a:r>
+              <a:rPr sz="3000" spc="45" dirty="0">
+                <a:solidFill>
+                  <a:srgbClr val="000000"/>
+                </a:solidFill>
+              </a:rPr>
+              <a:t>capital</a:t>
+            </a:r>
+            <a:r>
+              <a:rPr sz="3000" spc="-175" dirty="0">
+                <a:solidFill>
+                  <a:srgbClr val="000000"/>
+                </a:solidFill>
+              </a:rPr>
+              <a:t> </a:t>
+            </a:r>
+            <a:r>
+              <a:rPr sz="3000" spc="-5" dirty="0">
+                <a:solidFill>
+                  <a:srgbClr val="000000"/>
+                </a:solidFill>
+              </a:rPr>
+              <a:t>expense</a:t>
+            </a:r>
+            <a:r>
+              <a:rPr sz="3000" spc="-170" dirty="0">
+                <a:solidFill>
+                  <a:srgbClr val="000000"/>
+                </a:solidFill>
+              </a:rPr>
+              <a:t> </a:t>
+            </a:r>
+            <a:r>
+              <a:rPr sz="3000" spc="50" dirty="0">
+                <a:solidFill>
+                  <a:srgbClr val="000000"/>
+                </a:solidFill>
+              </a:rPr>
+              <a:t>for </a:t>
+            </a:r>
+            <a:r>
+              <a:rPr sz="3000" spc="-1045" dirty="0">
+                <a:solidFill>
+                  <a:srgbClr val="000000"/>
+                </a:solidFill>
+              </a:rPr>
+              <a:t> </a:t>
+            </a:r>
+            <a:r>
+              <a:rPr sz="3000" spc="5" dirty="0">
+                <a:solidFill>
+                  <a:srgbClr val="000000"/>
+                </a:solidFill>
+              </a:rPr>
+              <a:t>variable</a:t>
+            </a:r>
+            <a:r>
+              <a:rPr sz="3000" spc="-245" dirty="0">
+                <a:solidFill>
+                  <a:srgbClr val="000000"/>
+                </a:solidFill>
+              </a:rPr>
+              <a:t> </a:t>
+            </a:r>
+            <a:r>
+              <a:rPr sz="3000" spc="-10" dirty="0">
+                <a:solidFill>
+                  <a:srgbClr val="000000"/>
+                </a:solidFill>
+              </a:rPr>
+              <a:t>expenses</a:t>
+            </a:r>
+            <a:endParaRPr sz="3000"/>
+          </a:p>
+        </p:txBody>
+      </p:sp>
+      <p:sp>
+        <p:nvSpPr>
+          <p:cNvPr id="5" name="object 5"/>
+          <p:cNvSpPr txBox="1"/>
+          <p:nvPr/>
+        </p:nvSpPr>
+        <p:spPr>
+          <a:xfrm>
+            <a:off x="727441" y="3035300"/>
+            <a:ext cx="5033645" cy="4140200"/>
+          </a:xfrm>
+          <a:prstGeom prst="rect">
+            <a:avLst/>
+          </a:prstGeom>
+        </p:spPr>
+        <p:txBody>
+          <a:bodyPr vert="horz" wrap="square" lIns="0" tIns="12700" rIns="0" bIns="0" rtlCol="0">
+            <a:spAutoFit/>
+          </a:bodyPr>
+          <a:lstStyle/>
+          <a:p>
+            <a:pPr marL="1356995" marR="5080" indent="-368935" algn="r">
+              <a:lnSpc>
+                <a:spcPct val="100000"/>
+              </a:lnSpc>
+              <a:spcBef>
+                <a:spcPts val="100"/>
+              </a:spcBef>
+            </a:pPr>
+            <a:r>
+              <a:rPr sz="3000" spc="35" dirty="0">
+                <a:latin typeface="Verdana" panose="020B0604030504040204"/>
+                <a:cs typeface="Verdana" panose="020B0604030504040204"/>
+              </a:rPr>
+              <a:t>Benefit</a:t>
+            </a:r>
+            <a:r>
+              <a:rPr sz="3000" spc="-165" dirty="0">
+                <a:latin typeface="Verdana" panose="020B0604030504040204"/>
+                <a:cs typeface="Verdana" panose="020B0604030504040204"/>
+              </a:rPr>
+              <a:t> </a:t>
+            </a:r>
+            <a:r>
+              <a:rPr sz="3000" spc="10" dirty="0">
+                <a:latin typeface="Verdana" panose="020B0604030504040204"/>
+                <a:cs typeface="Verdana" panose="020B0604030504040204"/>
+              </a:rPr>
+              <a:t>from</a:t>
+            </a:r>
+            <a:r>
+              <a:rPr sz="3000" spc="-165" dirty="0">
+                <a:latin typeface="Verdana" panose="020B0604030504040204"/>
+                <a:cs typeface="Verdana" panose="020B0604030504040204"/>
+              </a:rPr>
+              <a:t> </a:t>
+            </a:r>
+            <a:r>
+              <a:rPr sz="3000" spc="-45" dirty="0">
+                <a:latin typeface="Verdana" panose="020B0604030504040204"/>
+                <a:cs typeface="Verdana" panose="020B0604030504040204"/>
+              </a:rPr>
+              <a:t>massive </a:t>
+            </a:r>
+            <a:r>
+              <a:rPr sz="3000" spc="-1040" dirty="0">
+                <a:latin typeface="Verdana" panose="020B0604030504040204"/>
+                <a:cs typeface="Verdana" panose="020B0604030504040204"/>
+              </a:rPr>
+              <a:t> </a:t>
+            </a:r>
+            <a:r>
+              <a:rPr sz="3000" spc="35" dirty="0">
+                <a:latin typeface="Verdana" panose="020B0604030504040204"/>
+                <a:cs typeface="Verdana" panose="020B0604030504040204"/>
+              </a:rPr>
+              <a:t>economies</a:t>
+            </a:r>
+            <a:r>
+              <a:rPr sz="3000" spc="-200" dirty="0">
+                <a:latin typeface="Verdana" panose="020B0604030504040204"/>
+                <a:cs typeface="Verdana" panose="020B0604030504040204"/>
+              </a:rPr>
+              <a:t> </a:t>
+            </a:r>
+            <a:r>
+              <a:rPr sz="3000" spc="110" dirty="0">
+                <a:latin typeface="Verdana" panose="020B0604030504040204"/>
+                <a:cs typeface="Verdana" panose="020B0604030504040204"/>
+              </a:rPr>
+              <a:t>of</a:t>
+            </a:r>
+            <a:r>
+              <a:rPr sz="3000" spc="-195" dirty="0">
+                <a:latin typeface="Verdana" panose="020B0604030504040204"/>
+                <a:cs typeface="Verdana" panose="020B0604030504040204"/>
+              </a:rPr>
+              <a:t> </a:t>
+            </a:r>
+            <a:r>
+              <a:rPr sz="3000" spc="20" dirty="0">
+                <a:latin typeface="Verdana" panose="020B0604030504040204"/>
+                <a:cs typeface="Verdana" panose="020B0604030504040204"/>
+              </a:rPr>
+              <a:t>scale</a:t>
+            </a:r>
+            <a:endParaRPr sz="3000">
+              <a:latin typeface="Verdana" panose="020B0604030504040204"/>
+              <a:cs typeface="Verdana" panose="020B0604030504040204"/>
+            </a:endParaRPr>
+          </a:p>
+          <a:p>
+            <a:pPr marL="12700" marR="5080" indent="551815" algn="r">
+              <a:lnSpc>
+                <a:spcPct val="150000"/>
+              </a:lnSpc>
+            </a:pPr>
+            <a:r>
+              <a:rPr sz="3000" spc="35" dirty="0">
+                <a:latin typeface="Verdana" panose="020B0604030504040204"/>
+                <a:cs typeface="Verdana" panose="020B0604030504040204"/>
+              </a:rPr>
+              <a:t>Stop</a:t>
+            </a:r>
+            <a:r>
+              <a:rPr sz="3000" spc="-180" dirty="0">
+                <a:latin typeface="Verdana" panose="020B0604030504040204"/>
+                <a:cs typeface="Verdana" panose="020B0604030504040204"/>
+              </a:rPr>
+              <a:t> </a:t>
+            </a:r>
+            <a:r>
+              <a:rPr sz="3000" spc="10" dirty="0">
+                <a:latin typeface="Verdana" panose="020B0604030504040204"/>
+                <a:cs typeface="Verdana" panose="020B0604030504040204"/>
+              </a:rPr>
+              <a:t>guessing</a:t>
+            </a:r>
+            <a:r>
+              <a:rPr sz="3000" spc="-180" dirty="0">
+                <a:latin typeface="Verdana" panose="020B0604030504040204"/>
+                <a:cs typeface="Verdana" panose="020B0604030504040204"/>
+              </a:rPr>
+              <a:t> </a:t>
+            </a:r>
+            <a:r>
+              <a:rPr sz="3000" spc="55" dirty="0">
+                <a:latin typeface="Verdana" panose="020B0604030504040204"/>
+                <a:cs typeface="Verdana" panose="020B0604030504040204"/>
+              </a:rPr>
+              <a:t>capacity </a:t>
+            </a:r>
+            <a:r>
+              <a:rPr sz="3000" spc="-1040" dirty="0">
+                <a:latin typeface="Verdana" panose="020B0604030504040204"/>
+                <a:cs typeface="Verdana" panose="020B0604030504040204"/>
+              </a:rPr>
+              <a:t> </a:t>
+            </a:r>
+            <a:r>
+              <a:rPr sz="3000" spc="-45" dirty="0">
+                <a:latin typeface="Verdana" panose="020B0604030504040204"/>
+                <a:cs typeface="Verdana" panose="020B0604030504040204"/>
+              </a:rPr>
+              <a:t>Increase</a:t>
+            </a:r>
+            <a:r>
+              <a:rPr sz="3000" spc="-175" dirty="0">
+                <a:latin typeface="Verdana" panose="020B0604030504040204"/>
+                <a:cs typeface="Verdana" panose="020B0604030504040204"/>
+              </a:rPr>
+              <a:t> </a:t>
+            </a:r>
+            <a:r>
+              <a:rPr sz="3000" spc="50" dirty="0">
+                <a:latin typeface="Verdana" panose="020B0604030504040204"/>
+                <a:cs typeface="Verdana" panose="020B0604030504040204"/>
+              </a:rPr>
+              <a:t>speed</a:t>
+            </a:r>
+            <a:r>
+              <a:rPr sz="3000" spc="-170" dirty="0">
+                <a:latin typeface="Verdana" panose="020B0604030504040204"/>
+                <a:cs typeface="Verdana" panose="020B0604030504040204"/>
+              </a:rPr>
+              <a:t> </a:t>
+            </a:r>
+            <a:r>
+              <a:rPr sz="3000" spc="20" dirty="0">
+                <a:latin typeface="Verdana" panose="020B0604030504040204"/>
+                <a:cs typeface="Verdana" panose="020B0604030504040204"/>
+              </a:rPr>
+              <a:t>and</a:t>
+            </a:r>
+            <a:r>
+              <a:rPr sz="3000" spc="-175" dirty="0">
+                <a:latin typeface="Verdana" panose="020B0604030504040204"/>
+                <a:cs typeface="Verdana" panose="020B0604030504040204"/>
+              </a:rPr>
+              <a:t> </a:t>
+            </a:r>
+            <a:r>
+              <a:rPr sz="3000" spc="35" dirty="0">
+                <a:latin typeface="Verdana" panose="020B0604030504040204"/>
+                <a:cs typeface="Verdana" panose="020B0604030504040204"/>
+              </a:rPr>
+              <a:t>agility</a:t>
+            </a:r>
+            <a:endParaRPr sz="3000">
+              <a:latin typeface="Verdana" panose="020B0604030504040204"/>
+              <a:cs typeface="Verdana" panose="020B0604030504040204"/>
+            </a:endParaRPr>
+          </a:p>
+          <a:p>
+            <a:pPr marL="271780" marR="5080" indent="557530" algn="r">
+              <a:lnSpc>
+                <a:spcPct val="100000"/>
+              </a:lnSpc>
+              <a:spcBef>
+                <a:spcPts val="1800"/>
+              </a:spcBef>
+            </a:pPr>
+            <a:r>
+              <a:rPr sz="3000" spc="35" dirty="0">
+                <a:latin typeface="Verdana" panose="020B0604030504040204"/>
+                <a:cs typeface="Verdana" panose="020B0604030504040204"/>
+              </a:rPr>
+              <a:t>Stop</a:t>
+            </a:r>
+            <a:r>
+              <a:rPr sz="3000" spc="-190" dirty="0">
+                <a:latin typeface="Verdana" panose="020B0604030504040204"/>
+                <a:cs typeface="Verdana" panose="020B0604030504040204"/>
+              </a:rPr>
+              <a:t> </a:t>
+            </a:r>
+            <a:r>
+              <a:rPr sz="3000" spc="40" dirty="0">
+                <a:latin typeface="Verdana" panose="020B0604030504040204"/>
+                <a:cs typeface="Verdana" panose="020B0604030504040204"/>
+              </a:rPr>
+              <a:t>spending</a:t>
+            </a:r>
+            <a:r>
+              <a:rPr sz="3000" spc="-185" dirty="0">
+                <a:latin typeface="Verdana" panose="020B0604030504040204"/>
+                <a:cs typeface="Verdana" panose="020B0604030504040204"/>
+              </a:rPr>
+              <a:t> </a:t>
+            </a:r>
+            <a:r>
+              <a:rPr sz="3000" dirty="0">
+                <a:latin typeface="Verdana" panose="020B0604030504040204"/>
+                <a:cs typeface="Verdana" panose="020B0604030504040204"/>
+              </a:rPr>
+              <a:t>money </a:t>
+            </a:r>
+            <a:r>
+              <a:rPr sz="3000" spc="-1040" dirty="0">
+                <a:latin typeface="Verdana" panose="020B0604030504040204"/>
+                <a:cs typeface="Verdana" panose="020B0604030504040204"/>
+              </a:rPr>
+              <a:t> </a:t>
+            </a:r>
+            <a:r>
+              <a:rPr sz="3000" dirty="0">
+                <a:latin typeface="Verdana" panose="020B0604030504040204"/>
+                <a:cs typeface="Verdana" panose="020B0604030504040204"/>
+              </a:rPr>
+              <a:t>maintaining</a:t>
+            </a:r>
+            <a:r>
+              <a:rPr sz="3000" spc="-180" dirty="0">
+                <a:latin typeface="Verdana" panose="020B0604030504040204"/>
+                <a:cs typeface="Verdana" panose="020B0604030504040204"/>
+              </a:rPr>
+              <a:t> </a:t>
+            </a:r>
+            <a:r>
+              <a:rPr sz="3000" spc="20" dirty="0">
+                <a:latin typeface="Verdana" panose="020B0604030504040204"/>
+                <a:cs typeface="Verdana" panose="020B0604030504040204"/>
+              </a:rPr>
+              <a:t>data</a:t>
+            </a:r>
+            <a:r>
+              <a:rPr sz="3000" spc="-175" dirty="0">
+                <a:latin typeface="Verdana" panose="020B0604030504040204"/>
+                <a:cs typeface="Verdana" panose="020B0604030504040204"/>
+              </a:rPr>
+              <a:t> </a:t>
+            </a:r>
+            <a:r>
+              <a:rPr sz="3000" dirty="0">
+                <a:latin typeface="Verdana" panose="020B0604030504040204"/>
+                <a:cs typeface="Verdana" panose="020B0604030504040204"/>
+              </a:rPr>
+              <a:t>centers</a:t>
+            </a:r>
+            <a:endParaRPr sz="3000">
+              <a:latin typeface="Verdana" panose="020B0604030504040204"/>
+              <a:cs typeface="Verdana" panose="020B0604030504040204"/>
+            </a:endParaRPr>
+          </a:p>
+          <a:p>
+            <a:pPr marR="5080" algn="r">
+              <a:lnSpc>
+                <a:spcPct val="100000"/>
+              </a:lnSpc>
+              <a:spcBef>
+                <a:spcPts val="1800"/>
+              </a:spcBef>
+            </a:pPr>
+            <a:r>
+              <a:rPr sz="3000" spc="85" dirty="0">
+                <a:latin typeface="Verdana" panose="020B0604030504040204"/>
+                <a:cs typeface="Verdana" panose="020B0604030504040204"/>
+              </a:rPr>
+              <a:t>Go</a:t>
+            </a:r>
+            <a:r>
+              <a:rPr sz="3000" spc="-175" dirty="0">
+                <a:latin typeface="Verdana" panose="020B0604030504040204"/>
+                <a:cs typeface="Verdana" panose="020B0604030504040204"/>
+              </a:rPr>
+              <a:t> </a:t>
+            </a:r>
+            <a:r>
+              <a:rPr sz="3000" spc="75" dirty="0">
+                <a:latin typeface="Verdana" panose="020B0604030504040204"/>
+                <a:cs typeface="Verdana" panose="020B0604030504040204"/>
+              </a:rPr>
+              <a:t>global</a:t>
+            </a:r>
+            <a:r>
+              <a:rPr sz="3000" spc="-170" dirty="0">
+                <a:latin typeface="Verdana" panose="020B0604030504040204"/>
+                <a:cs typeface="Verdana" panose="020B0604030504040204"/>
+              </a:rPr>
+              <a:t> </a:t>
+            </a:r>
+            <a:r>
+              <a:rPr sz="3000" spc="-5" dirty="0">
+                <a:latin typeface="Verdana" panose="020B0604030504040204"/>
+                <a:cs typeface="Verdana" panose="020B0604030504040204"/>
+              </a:rPr>
+              <a:t>in</a:t>
+            </a:r>
+            <a:r>
+              <a:rPr sz="3000" spc="-170" dirty="0">
+                <a:latin typeface="Verdana" panose="020B0604030504040204"/>
+                <a:cs typeface="Verdana" panose="020B0604030504040204"/>
+              </a:rPr>
+              <a:t> </a:t>
+            </a:r>
+            <a:r>
+              <a:rPr sz="3000" spc="-25" dirty="0">
+                <a:latin typeface="Verdana" panose="020B0604030504040204"/>
+                <a:cs typeface="Verdana" panose="020B0604030504040204"/>
+              </a:rPr>
+              <a:t>minutes</a:t>
+            </a:r>
+            <a:endParaRPr sz="3000">
+              <a:latin typeface="Verdana" panose="020B0604030504040204"/>
+              <a:cs typeface="Verdana" panose="020B0604030504040204"/>
+            </a:endParaRPr>
+          </a:p>
+        </p:txBody>
+      </p:sp>
+      <p:sp>
+        <p:nvSpPr>
+          <p:cNvPr id="6" name="Slide Number Placeholder 5"/>
+          <p:cNvSpPr>
+            <a:spLocks noGrp="1"/>
+          </p:cNvSpPr>
+          <p:nvPr>
+            <p:ph type="sldNum" sz="quarter" idx="7"/>
+          </p:nvPr>
+        </p:nvSpPr>
+        <p:spPr/>
+        <p:txBody>
+          <a:bodyPr/>
+          <a:p>
+            <a:fld id="{B6F15528-21DE-4FAA-801E-634DDDAF4B2B}" type="slidenum">
+              <a:rPr/>
+            </a:fld>
+            <a:endParaRPr/>
+          </a:p>
+        </p:txBody>
+      </p:sp>
+    </p:spTree>
+  </p:cSld>
+  <p:clrMapOvr>
+    <a:masterClrMapping/>
+  </p:clrMapOvr>
+</p:sld>
+</file>
+
+<file path=ppt/slides/slide2.xml><?xml version="1.0" encoding="utf-8"?>
+<p:sld xmlns:a="http://schemas.openxmlformats.org/drawingml/2006/main" xmlns:r="http://schemas.openxmlformats.org/officeDocument/2006/relationships" xmlns:p="http://schemas.openxmlformats.org/presentationml/2006/main">
+  <p:cSld>
+    <p:spTree>
+      <p:nvGrpSpPr>
+        <p:cNvPr id="1" name=""/>
+        <p:cNvGrpSpPr/>
+        <p:nvPr/>
+      </p:nvGrpSpPr>
+      <p:grpSpPr>
+        <a:xfrm>
+          <a:off x="0" y="0"/>
+          <a:ext cx="0" cy="0"/>
+          <a:chOff x="0" y="0"/>
+          <a:chExt cx="0" cy="0"/>
+        </a:xfrm>
+      </p:grpSpPr>
+      <p:sp>
+        <p:nvSpPr>
+          <p:cNvPr id="2" name="object 2"/>
+          <p:cNvSpPr txBox="1">
+            <a:spLocks noGrp="1"/>
+          </p:cNvSpPr>
+          <p:nvPr>
+            <p:ph type="title"/>
+          </p:nvPr>
+        </p:nvSpPr>
+        <p:spPr>
+          <a:xfrm>
+            <a:off x="6755011" y="3668605"/>
+            <a:ext cx="8552180" cy="756920"/>
+          </a:xfrm>
+          <a:prstGeom prst="rect">
+            <a:avLst/>
+          </a:prstGeom>
+        </p:spPr>
+        <p:txBody>
+          <a:bodyPr vert="horz" wrap="square" lIns="0" tIns="12700" rIns="0" bIns="0" rtlCol="0">
+            <a:spAutoFit/>
+          </a:bodyPr>
+          <a:lstStyle/>
+          <a:p>
+            <a:pPr marL="12700">
+              <a:lnSpc>
+                <a:spcPct val="100000"/>
+              </a:lnSpc>
+              <a:spcBef>
+                <a:spcPts val="100"/>
+              </a:spcBef>
+            </a:pPr>
+            <a:r>
+              <a:rPr spc="-10" dirty="0"/>
+              <a:t>Setting</a:t>
+            </a:r>
+            <a:r>
+              <a:rPr spc="-265" dirty="0"/>
+              <a:t> </a:t>
+            </a:r>
+            <a:r>
+              <a:rPr spc="160" dirty="0"/>
+              <a:t>Up</a:t>
+            </a:r>
+            <a:r>
+              <a:rPr spc="-265" dirty="0"/>
+              <a:t> </a:t>
+            </a:r>
+            <a:r>
+              <a:rPr spc="-95" dirty="0"/>
+              <a:t>an</a:t>
+            </a:r>
+            <a:r>
+              <a:rPr spc="-265" dirty="0"/>
+              <a:t> </a:t>
+            </a:r>
+            <a:r>
+              <a:rPr spc="110" dirty="0"/>
+              <a:t>AWS</a:t>
+            </a:r>
+            <a:r>
+              <a:rPr spc="-265" dirty="0"/>
+              <a:t> </a:t>
+            </a:r>
+            <a:r>
+              <a:rPr spc="110" dirty="0"/>
+              <a:t>Account</a:t>
+            </a:r>
+            <a:endParaRPr spc="110" dirty="0"/>
+          </a:p>
+        </p:txBody>
+      </p:sp>
+      <p:sp>
+        <p:nvSpPr>
+          <p:cNvPr id="3" name="Slide Number Placeholder 2"/>
+          <p:cNvSpPr>
+            <a:spLocks noGrp="1"/>
+          </p:cNvSpPr>
+          <p:nvPr>
+            <p:ph type="sldNum" sz="quarter" idx="7"/>
+          </p:nvPr>
+        </p:nvSpPr>
+        <p:spPr/>
+        <p:txBody>
+          <a:bodyPr/>
+          <a:p>
+            <a:fld id="{B6F15528-21DE-4FAA-801E-634DDDAF4B2B}" type="slidenum">
+              <a:rPr/>
+            </a:fld>
+            <a:endParaRPr/>
+          </a:p>
+        </p:txBody>
+      </p:sp>
+    </p:spTree>
+  </p:cSld>
+  <p:clrMapOvr>
+    <a:masterClrMapping/>
+  </p:clrMapOvr>
+</p:sld>
+</file>
+
+<file path=ppt/slides/slide20.xml><?xml version="1.0" encoding="utf-8"?>
 <p:sld xmlns:a="http://schemas.openxmlformats.org/drawingml/2006/main" xmlns:r="http://schemas.openxmlformats.org/officeDocument/2006/relationships" xmlns:p="http://schemas.openxmlformats.org/presentationml/2006/main" showMasterSp="0">
   <p:cSld>
     <p:spTree>
@@ -3680,7 +8183,7 @@
 </p:sld>
 </file>
 
-<file path=ppt/slides/slide11.xml><?xml version="1.0" encoding="utf-8"?>
+<file path=ppt/slides/slide21.xml><?xml version="1.0" encoding="utf-8"?>
 <p:sld xmlns:a="http://schemas.openxmlformats.org/drawingml/2006/main" xmlns:r="http://schemas.openxmlformats.org/officeDocument/2006/relationships" xmlns:p="http://schemas.openxmlformats.org/presentationml/2006/main" showMasterSp="0">
   <p:cSld>
     <p:spTree>
@@ -4110,7 +8613,7 @@
 </p:sld>
 </file>
 
-<file path=ppt/slides/slide12.xml><?xml version="1.0" encoding="utf-8"?>
+<file path=ppt/slides/slide22.xml><?xml version="1.0" encoding="utf-8"?>
 <p:sld xmlns:a="http://schemas.openxmlformats.org/drawingml/2006/main" xmlns:r="http://schemas.openxmlformats.org/officeDocument/2006/relationships" xmlns:p="http://schemas.openxmlformats.org/presentationml/2006/main" showMasterSp="0">
   <p:cSld>
     <p:spTree>
@@ -4810,7 +9313,7 @@
 </p:sld>
 </file>
 
-<file path=ppt/slides/slide13.xml><?xml version="1.0" encoding="utf-8"?>
+<file path=ppt/slides/slide23.xml><?xml version="1.0" encoding="utf-8"?>
 <p:sld xmlns:a="http://schemas.openxmlformats.org/drawingml/2006/main" xmlns:r="http://schemas.openxmlformats.org/officeDocument/2006/relationships" xmlns:p="http://schemas.openxmlformats.org/presentationml/2006/main">
   <p:cSld>
     <p:spTree>
@@ -4917,7 +9420,7 @@
 </p:sld>
 </file>
 
-<file path=ppt/slides/slide14.xml><?xml version="1.0" encoding="utf-8"?>
+<file path=ppt/slides/slide24.xml><?xml version="1.0" encoding="utf-8"?>
 <p:sld xmlns:a="http://schemas.openxmlformats.org/drawingml/2006/main" xmlns:r="http://schemas.openxmlformats.org/officeDocument/2006/relationships" xmlns:p="http://schemas.openxmlformats.org/presentationml/2006/main" showMasterSp="0">
   <p:cSld>
     <p:spTree>
@@ -6520,7 +11023,7 @@
 </p:sld>
 </file>
 
-<file path=ppt/slides/slide15.xml><?xml version="1.0" encoding="utf-8"?>
+<file path=ppt/slides/slide25.xml><?xml version="1.0" encoding="utf-8"?>
 <p:sld xmlns:a="http://schemas.openxmlformats.org/drawingml/2006/main" xmlns:r="http://schemas.openxmlformats.org/officeDocument/2006/relationships" xmlns:p="http://schemas.openxmlformats.org/presentationml/2006/main" showMasterSp="0">
   <p:cSld>
     <p:spTree>
@@ -7821,7 +12324,7 @@
 </p:sld>
 </file>
 
-<file path=ppt/slides/slide16.xml><?xml version="1.0" encoding="utf-8"?>
+<file path=ppt/slides/slide26.xml><?xml version="1.0" encoding="utf-8"?>
 <p:sld xmlns:a="http://schemas.openxmlformats.org/drawingml/2006/main" xmlns:r="http://schemas.openxmlformats.org/officeDocument/2006/relationships" xmlns:p="http://schemas.openxmlformats.org/presentationml/2006/main" showMasterSp="0">
   <p:cSld>
     <p:spTree>
@@ -8556,7 +13059,7 @@
 </p:sld>
 </file>
 
-<file path=ppt/slides/slide17.xml><?xml version="1.0" encoding="utf-8"?>
+<file path=ppt/slides/slide27.xml><?xml version="1.0" encoding="utf-8"?>
 <p:sld xmlns:a="http://schemas.openxmlformats.org/drawingml/2006/main" xmlns:r="http://schemas.openxmlformats.org/officeDocument/2006/relationships" xmlns:p="http://schemas.openxmlformats.org/presentationml/2006/main">
   <p:cSld>
     <p:spTree>
@@ -8655,7 +13158,7 @@
 </p:sld>
 </file>
 
-<file path=ppt/slides/slide18.xml><?xml version="1.0" encoding="utf-8"?>
+<file path=ppt/slides/slide28.xml><?xml version="1.0" encoding="utf-8"?>
 <p:sld xmlns:a="http://schemas.openxmlformats.org/drawingml/2006/main" xmlns:r="http://schemas.openxmlformats.org/officeDocument/2006/relationships" xmlns:p="http://schemas.openxmlformats.org/presentationml/2006/main">
   <p:cSld>
     <p:spTree>
@@ -9222,7 +13725,7 @@
 </p:sld>
 </file>
 
-<file path=ppt/slides/slide19.xml><?xml version="1.0" encoding="utf-8"?>
+<file path=ppt/slides/slide29.xml><?xml version="1.0" encoding="utf-8"?>
 <p:sld xmlns:a="http://schemas.openxmlformats.org/drawingml/2006/main" xmlns:r="http://schemas.openxmlformats.org/officeDocument/2006/relationships" xmlns:p="http://schemas.openxmlformats.org/presentationml/2006/main">
   <p:cSld>
     <p:spTree>
@@ -9833,7 +14336,7 @@
 </p:sld>
 </file>
 
-<file path=ppt/slides/slide2.xml><?xml version="1.0" encoding="utf-8"?>
+<file path=ppt/slides/slide3.xml><?xml version="1.0" encoding="utf-8"?>
 <p:sld xmlns:a="http://schemas.openxmlformats.org/drawingml/2006/main" xmlns:r="http://schemas.openxmlformats.org/officeDocument/2006/relationships" xmlns:p="http://schemas.openxmlformats.org/presentationml/2006/main">
   <p:cSld>
     <p:spTree>
@@ -9853,17 +14356,13 @@
       <p:sp>
         <p:nvSpPr>
           <p:cNvPr id="2" name="object 2"/>
-          <p:cNvSpPr txBox="1">
-            <a:spLocks noGrp="1"/>
-          </p:cNvSpPr>
-          <p:nvPr>
-            <p:ph type="title"/>
-          </p:nvPr>
+          <p:cNvSpPr txBox="1"/>
+          <p:nvPr/>
         </p:nvSpPr>
         <p:spPr>
           <a:xfrm>
-            <a:off x="6755011" y="3668605"/>
-            <a:ext cx="8552180" cy="756920"/>
+            <a:off x="7081837" y="3378200"/>
+            <a:ext cx="8161020" cy="2082800"/>
           </a:xfrm>
           <a:prstGeom prst="rect">
             <a:avLst/>
@@ -9875,6 +14374,280 @@
           </a:bodyPr>
           <a:lstStyle/>
           <a:p>
+            <a:pPr marL="12700" marR="813435">
+              <a:lnSpc>
+                <a:spcPct val="150000"/>
+              </a:lnSpc>
+              <a:spcBef>
+                <a:spcPts val="100"/>
+              </a:spcBef>
+            </a:pPr>
+            <a:r>
+              <a:rPr sz="3000" spc="20" dirty="0">
+                <a:latin typeface="Verdana" panose="020B0604030504040204"/>
+                <a:cs typeface="Verdana" panose="020B0604030504040204"/>
+              </a:rPr>
+              <a:t>Creating</a:t>
+            </a:r>
+            <a:r>
+              <a:rPr sz="3000" spc="-170" dirty="0">
+                <a:latin typeface="Verdana" panose="020B0604030504040204"/>
+                <a:cs typeface="Verdana" panose="020B0604030504040204"/>
+              </a:rPr>
+              <a:t> </a:t>
+            </a:r>
+            <a:r>
+              <a:rPr sz="3000" spc="-45" dirty="0">
+                <a:latin typeface="Verdana" panose="020B0604030504040204"/>
+                <a:cs typeface="Verdana" panose="020B0604030504040204"/>
+              </a:rPr>
+              <a:t>a</a:t>
+            </a:r>
+            <a:r>
+              <a:rPr sz="3000" spc="-165" dirty="0">
+                <a:latin typeface="Verdana" panose="020B0604030504040204"/>
+                <a:cs typeface="Verdana" panose="020B0604030504040204"/>
+              </a:rPr>
+              <a:t> </a:t>
+            </a:r>
+            <a:r>
+              <a:rPr sz="3000" spc="10" dirty="0">
+                <a:latin typeface="Verdana" panose="020B0604030504040204"/>
+                <a:cs typeface="Verdana" panose="020B0604030504040204"/>
+              </a:rPr>
+              <a:t>new</a:t>
+            </a:r>
+            <a:r>
+              <a:rPr sz="3000" spc="-165" dirty="0">
+                <a:latin typeface="Verdana" panose="020B0604030504040204"/>
+                <a:cs typeface="Verdana" panose="020B0604030504040204"/>
+              </a:rPr>
+              <a:t> </a:t>
+            </a:r>
+            <a:r>
+              <a:rPr sz="3000" spc="20" dirty="0">
+                <a:latin typeface="Verdana" panose="020B0604030504040204"/>
+                <a:cs typeface="Verdana" panose="020B0604030504040204"/>
+              </a:rPr>
+              <a:t>personal</a:t>
+            </a:r>
+            <a:r>
+              <a:rPr sz="3000" spc="-165" dirty="0">
+                <a:latin typeface="Verdana" panose="020B0604030504040204"/>
+                <a:cs typeface="Verdana" panose="020B0604030504040204"/>
+              </a:rPr>
+              <a:t> </a:t>
+            </a:r>
+            <a:r>
+              <a:rPr sz="3000" spc="80" dirty="0">
+                <a:latin typeface="Verdana" panose="020B0604030504040204"/>
+                <a:cs typeface="Verdana" panose="020B0604030504040204"/>
+              </a:rPr>
+              <a:t>AWS</a:t>
+            </a:r>
+            <a:r>
+              <a:rPr sz="3000" spc="-165" dirty="0">
+                <a:latin typeface="Verdana" panose="020B0604030504040204"/>
+                <a:cs typeface="Verdana" panose="020B0604030504040204"/>
+              </a:rPr>
+              <a:t> </a:t>
+            </a:r>
+            <a:r>
+              <a:rPr sz="3000" spc="40" dirty="0">
+                <a:latin typeface="Verdana" panose="020B0604030504040204"/>
+                <a:cs typeface="Verdana" panose="020B0604030504040204"/>
+              </a:rPr>
+              <a:t>account </a:t>
+            </a:r>
+            <a:r>
+              <a:rPr sz="3000" spc="-1045" dirty="0">
+                <a:latin typeface="Verdana" panose="020B0604030504040204"/>
+                <a:cs typeface="Verdana" panose="020B0604030504040204"/>
+              </a:rPr>
+              <a:t> </a:t>
+            </a:r>
+            <a:r>
+              <a:rPr sz="3000" spc="50" dirty="0">
+                <a:latin typeface="Verdana" panose="020B0604030504040204"/>
+                <a:cs typeface="Verdana" panose="020B0604030504040204"/>
+              </a:rPr>
+              <a:t>Activating</a:t>
+            </a:r>
+            <a:r>
+              <a:rPr sz="3000" spc="-160" dirty="0">
+                <a:latin typeface="Verdana" panose="020B0604030504040204"/>
+                <a:cs typeface="Verdana" panose="020B0604030504040204"/>
+              </a:rPr>
+              <a:t> </a:t>
+            </a:r>
+            <a:r>
+              <a:rPr sz="3000" spc="10" dirty="0">
+                <a:latin typeface="Verdana" panose="020B0604030504040204"/>
+                <a:cs typeface="Verdana" panose="020B0604030504040204"/>
+              </a:rPr>
+              <a:t>the</a:t>
+            </a:r>
+            <a:r>
+              <a:rPr sz="3000" spc="-155" dirty="0">
+                <a:latin typeface="Verdana" panose="020B0604030504040204"/>
+                <a:cs typeface="Verdana" panose="020B0604030504040204"/>
+              </a:rPr>
+              <a:t> </a:t>
+            </a:r>
+            <a:r>
+              <a:rPr sz="3000" spc="10" dirty="0">
+                <a:latin typeface="Verdana" panose="020B0604030504040204"/>
+                <a:cs typeface="Verdana" panose="020B0604030504040204"/>
+              </a:rPr>
+              <a:t>new</a:t>
+            </a:r>
+            <a:r>
+              <a:rPr sz="3000" spc="-155" dirty="0">
+                <a:latin typeface="Verdana" panose="020B0604030504040204"/>
+                <a:cs typeface="Verdana" panose="020B0604030504040204"/>
+              </a:rPr>
+              <a:t> </a:t>
+            </a:r>
+            <a:r>
+              <a:rPr sz="3000" spc="40" dirty="0">
+                <a:latin typeface="Verdana" panose="020B0604030504040204"/>
+                <a:cs typeface="Verdana" panose="020B0604030504040204"/>
+              </a:rPr>
+              <a:t>account</a:t>
+            </a:r>
+            <a:endParaRPr sz="3000">
+              <a:latin typeface="Verdana" panose="020B0604030504040204"/>
+              <a:cs typeface="Verdana" panose="020B0604030504040204"/>
+            </a:endParaRPr>
+          </a:p>
+          <a:p>
+            <a:pPr marL="12700">
+              <a:lnSpc>
+                <a:spcPct val="100000"/>
+              </a:lnSpc>
+              <a:spcBef>
+                <a:spcPts val="1800"/>
+              </a:spcBef>
+            </a:pPr>
+            <a:r>
+              <a:rPr sz="3000" spc="45" dirty="0">
+                <a:latin typeface="Verdana" panose="020B0604030504040204"/>
+                <a:cs typeface="Verdana" panose="020B0604030504040204"/>
+              </a:rPr>
+              <a:t>Configuring</a:t>
+            </a:r>
+            <a:r>
+              <a:rPr sz="3000" spc="-165" dirty="0">
+                <a:latin typeface="Verdana" panose="020B0604030504040204"/>
+                <a:cs typeface="Verdana" panose="020B0604030504040204"/>
+              </a:rPr>
+              <a:t> </a:t>
+            </a:r>
+            <a:r>
+              <a:rPr sz="3000" spc="-45" dirty="0">
+                <a:latin typeface="Verdana" panose="020B0604030504040204"/>
+                <a:cs typeface="Verdana" panose="020B0604030504040204"/>
+              </a:rPr>
+              <a:t>a</a:t>
+            </a:r>
+            <a:r>
+              <a:rPr sz="3000" spc="-165" dirty="0">
+                <a:latin typeface="Verdana" panose="020B0604030504040204"/>
+                <a:cs typeface="Verdana" panose="020B0604030504040204"/>
+              </a:rPr>
+              <a:t> </a:t>
+            </a:r>
+            <a:r>
+              <a:rPr sz="3000" spc="75" dirty="0">
+                <a:latin typeface="Verdana" panose="020B0604030504040204"/>
+                <a:cs typeface="Verdana" panose="020B0604030504040204"/>
+              </a:rPr>
+              <a:t>budget</a:t>
+            </a:r>
+            <a:r>
+              <a:rPr sz="3000" spc="-165" dirty="0">
+                <a:latin typeface="Verdana" panose="020B0604030504040204"/>
+                <a:cs typeface="Verdana" panose="020B0604030504040204"/>
+              </a:rPr>
+              <a:t> </a:t>
+            </a:r>
+            <a:r>
+              <a:rPr sz="3000" spc="5" dirty="0">
+                <a:latin typeface="Verdana" panose="020B0604030504040204"/>
+                <a:cs typeface="Verdana" panose="020B0604030504040204"/>
+              </a:rPr>
+              <a:t>alert</a:t>
+            </a:r>
+            <a:r>
+              <a:rPr sz="3000" spc="-165" dirty="0">
+                <a:latin typeface="Verdana" panose="020B0604030504040204"/>
+                <a:cs typeface="Verdana" panose="020B0604030504040204"/>
+              </a:rPr>
+              <a:t> </a:t>
+            </a:r>
+            <a:r>
+              <a:rPr sz="3000" spc="50" dirty="0">
+                <a:latin typeface="Verdana" panose="020B0604030504040204"/>
+                <a:cs typeface="Verdana" panose="020B0604030504040204"/>
+              </a:rPr>
+              <a:t>for</a:t>
+            </a:r>
+            <a:r>
+              <a:rPr sz="3000" spc="-165" dirty="0">
+                <a:latin typeface="Verdana" panose="020B0604030504040204"/>
+                <a:cs typeface="Verdana" panose="020B0604030504040204"/>
+              </a:rPr>
+              <a:t> </a:t>
+            </a:r>
+            <a:r>
+              <a:rPr sz="3000" spc="10" dirty="0">
+                <a:latin typeface="Verdana" panose="020B0604030504040204"/>
+                <a:cs typeface="Verdana" panose="020B0604030504040204"/>
+              </a:rPr>
+              <a:t>the</a:t>
+            </a:r>
+            <a:r>
+              <a:rPr sz="3000" spc="-165" dirty="0">
+                <a:latin typeface="Verdana" panose="020B0604030504040204"/>
+                <a:cs typeface="Verdana" panose="020B0604030504040204"/>
+              </a:rPr>
+              <a:t> </a:t>
+            </a:r>
+            <a:r>
+              <a:rPr sz="3000" spc="40" dirty="0">
+                <a:latin typeface="Verdana" panose="020B0604030504040204"/>
+                <a:cs typeface="Verdana" panose="020B0604030504040204"/>
+              </a:rPr>
+              <a:t>account</a:t>
+            </a:r>
+            <a:endParaRPr sz="3000">
+              <a:latin typeface="Verdana" panose="020B0604030504040204"/>
+              <a:cs typeface="Verdana" panose="020B0604030504040204"/>
+            </a:endParaRPr>
+          </a:p>
+        </p:txBody>
+      </p:sp>
+      <p:sp>
+        <p:nvSpPr>
+          <p:cNvPr id="3" name="object 3"/>
+          <p:cNvSpPr txBox="1"/>
+          <p:nvPr/>
+        </p:nvSpPr>
+        <p:spPr>
+          <a:xfrm>
+            <a:off x="2172105" y="2670910"/>
+            <a:ext cx="1828164" cy="756920"/>
+          </a:xfrm>
+          <a:prstGeom prst="rect">
+            <a:avLst/>
+          </a:prstGeom>
+        </p:spPr>
+        <p:txBody>
+          <a:bodyPr vert="horz" wrap="square" lIns="0" tIns="12700" rIns="0" bIns="0" rtlCol="0">
+            <a:spAutoFit/>
+          </a:bodyPr>
+          <a:lstStyle/>
+          <a:p>
             <a:pPr marL="12700">
               <a:lnSpc>
                 <a:spcPct val="100000"/>
@@ -9884,48 +14657,25 @@
               </a:spcBef>
             </a:pPr>
             <a:r>
-              <a:rPr spc="-10" dirty="0"/>
-              <a:t>Setting</a:t>
-            </a:r>
-            <a:r>
-              <a:rPr spc="-265" dirty="0"/>
-              <a:t> </a:t>
-            </a:r>
-            <a:r>
-              <a:rPr spc="160" dirty="0"/>
-              <a:t>Up</a:t>
-            </a:r>
-            <a:r>
-              <a:rPr spc="-265" dirty="0"/>
-              <a:t> </a:t>
-            </a:r>
-            <a:r>
-              <a:rPr spc="-95" dirty="0"/>
-              <a:t>an</a:t>
-            </a:r>
-            <a:r>
-              <a:rPr spc="-265" dirty="0"/>
-              <a:t> </a:t>
-            </a:r>
-            <a:r>
-              <a:rPr spc="110" dirty="0"/>
-              <a:t>AWS</a:t>
-            </a:r>
-            <a:r>
-              <a:rPr spc="-265" dirty="0"/>
-              <a:t> </a:t>
-            </a:r>
-            <a:r>
-              <a:rPr spc="110" dirty="0"/>
-              <a:t>Account</a:t>
-            </a:r>
-            <a:endParaRPr spc="110" dirty="0"/>
+              <a:rPr sz="4800" spc="10" dirty="0">
+                <a:solidFill>
+                  <a:srgbClr val="FFFFFF"/>
+                </a:solidFill>
+                <a:latin typeface="Verdana" panose="020B0604030504040204"/>
+                <a:cs typeface="Verdana" panose="020B0604030504040204"/>
+              </a:rPr>
+              <a:t>Demo</a:t>
+            </a:r>
+            <a:endParaRPr sz="4800">
+              <a:latin typeface="Verdana" panose="020B0604030504040204"/>
+              <a:cs typeface="Verdana" panose="020B0604030504040204"/>
+            </a:endParaRPr>
           </a:p>
         </p:txBody>
       </p:sp>
       <p:sp>
         <p:nvSpPr>
-          <p:cNvPr id="3" name="Slide Number Placeholder 2"/>
+          <p:cNvPr id="4" name="Slide Number Placeholder 3"/>
           <p:cNvSpPr>
             <a:spLocks noGrp="1"/>
           </p:cNvSpPr>
@@ -9952,7 +14702,7 @@
 </p:sld>
 </file>
 
-<file path=ppt/slides/slide20.xml><?xml version="1.0" encoding="utf-8"?>
+<file path=ppt/slides/slide30.xml><?xml version="1.0" encoding="utf-8"?>
 <p:sld xmlns:a="http://schemas.openxmlformats.org/drawingml/2006/main" xmlns:r="http://schemas.openxmlformats.org/officeDocument/2006/relationships" xmlns:p="http://schemas.openxmlformats.org/presentationml/2006/main">
   <p:cSld>
     <p:spTree>
@@ -10499,7 +15249,7 @@
 </p:sld>
 </file>
 
-<file path=ppt/slides/slide21.xml><?xml version="1.0" encoding="utf-8"?>
+<file path=ppt/slides/slide31.xml><?xml version="1.0" encoding="utf-8"?>
 <p:sld xmlns:a="http://schemas.openxmlformats.org/drawingml/2006/main" xmlns:r="http://schemas.openxmlformats.org/officeDocument/2006/relationships" xmlns:p="http://schemas.openxmlformats.org/presentationml/2006/main">
   <p:cSld>
     <p:spTree>
@@ -10586,7 +15336,7 @@
 </p:sld>
 </file>
 
-<file path=ppt/slides/slide22.xml><?xml version="1.0" encoding="utf-8"?>
+<file path=ppt/slides/slide32.xml><?xml version="1.0" encoding="utf-8"?>
 <p:sld xmlns:a="http://schemas.openxmlformats.org/drawingml/2006/main" xmlns:r="http://schemas.openxmlformats.org/officeDocument/2006/relationships" xmlns:p="http://schemas.openxmlformats.org/presentationml/2006/main" showMasterSp="0">
   <p:cSld>
     <p:spTree>
@@ -10989,7 +15739,7 @@
 </p:sld>
 </file>
 
-<file path=ppt/slides/slide23.xml><?xml version="1.0" encoding="utf-8"?>
+<file path=ppt/slides/slide33.xml><?xml version="1.0" encoding="utf-8"?>
 <p:sld xmlns:a="http://schemas.openxmlformats.org/drawingml/2006/main" xmlns:r="http://schemas.openxmlformats.org/officeDocument/2006/relationships" xmlns:p="http://schemas.openxmlformats.org/presentationml/2006/main">
   <p:cSld>
     <p:spTree>
@@ -11871,7 +16621,7 @@
 </p:sld>
 </file>
 
-<file path=ppt/slides/slide24.xml><?xml version="1.0" encoding="utf-8"?>
+<file path=ppt/slides/slide34.xml><?xml version="1.0" encoding="utf-8"?>
 <p:sld xmlns:a="http://schemas.openxmlformats.org/drawingml/2006/main" xmlns:r="http://schemas.openxmlformats.org/officeDocument/2006/relationships" xmlns:p="http://schemas.openxmlformats.org/presentationml/2006/main">
   <p:cSld>
     <p:spTree>
@@ -12818,7 +17568,7 @@
 </p:sld>
 </file>
 
-<file path=ppt/slides/slide25.xml><?xml version="1.0" encoding="utf-8"?>
+<file path=ppt/slides/slide35.xml><?xml version="1.0" encoding="utf-8"?>
 <p:sld xmlns:a="http://schemas.openxmlformats.org/drawingml/2006/main" xmlns:r="http://schemas.openxmlformats.org/officeDocument/2006/relationships" xmlns:p="http://schemas.openxmlformats.org/presentationml/2006/main">
   <p:cSld>
     <p:spTree>
@@ -13697,7 +18447,7 @@
 </p:sld>
 </file>
 
-<file path=ppt/slides/slide3.xml><?xml version="1.0" encoding="utf-8"?>
+<file path=ppt/slides/slide4.xml><?xml version="1.0" encoding="utf-8"?>
 <p:sld xmlns:a="http://schemas.openxmlformats.org/drawingml/2006/main" xmlns:r="http://schemas.openxmlformats.org/officeDocument/2006/relationships" xmlns:p="http://schemas.openxmlformats.org/presentationml/2006/main">
   <p:cSld>
     <p:spTree>
@@ -13706,331 +18456,22 @@
         <p:cNvGrpSpPr/>
         <p:nvPr/>
       </p:nvGrpSpPr>
-      <p:grpSpPr>
-        <a:xfrm>
-          <a:off x="0" y="0"/>
-          <a:ext cx="0" cy="0"/>
-          <a:chOff x="0" y="0"/>
-          <a:chExt cx="0" cy="0"/>
-        </a:xfrm>
-      </p:grpSpPr>
+      <p:grpSpPr/>
       <p:sp>
         <p:nvSpPr>
-          <p:cNvPr id="2" name="object 2"/>
-          <p:cNvSpPr txBox="1"/>
-          <p:nvPr/>
+          <p:cNvPr id="7" name="Title 6"/>
+          <p:cNvSpPr>
+            <a:spLocks noGrp="1"/>
+          </p:cNvSpPr>
+          <p:nvPr>
+            <p:ph type="title"/>
+          </p:nvPr>
         </p:nvSpPr>
-        <p:spPr>
-          <a:xfrm>
-            <a:off x="7081837" y="3378200"/>
-            <a:ext cx="8161020" cy="2082800"/>
-          </a:xfrm>
-          <a:prstGeom prst="rect">
-            <a:avLst/>
-          </a:prstGeom>
-        </p:spPr>
+        <p:spPr/>
         <p:txBody>
-          <a:bodyPr vert="horz" wrap="square" lIns="0" tIns="12700" rIns="0" bIns="0" rtlCol="0">
-            <a:spAutoFit/>
-          </a:bodyPr>
-          <a:lstStyle/>
-          <a:p>
-            <a:pPr marL="12700" marR="813435">
-              <a:lnSpc>
-                <a:spcPct val="150000"/>
-              </a:lnSpc>
-              <a:spcBef>
-                <a:spcPts val="100"/>
-              </a:spcBef>
-            </a:pPr>
-            <a:r>
-              <a:rPr sz="3000" spc="20" dirty="0">
-                <a:latin typeface="Verdana" panose="020B0604030504040204"/>
-                <a:cs typeface="Verdana" panose="020B0604030504040204"/>
-              </a:rPr>
-              <a:t>Creating</a:t>
-            </a:r>
-            <a:r>
-              <a:rPr sz="3000" spc="-170" dirty="0">
-                <a:latin typeface="Verdana" panose="020B0604030504040204"/>
-                <a:cs typeface="Verdana" panose="020B0604030504040204"/>
-              </a:rPr>
-              <a:t> </a:t>
-            </a:r>
-            <a:r>
-              <a:rPr sz="3000" spc="-45" dirty="0">
-                <a:latin typeface="Verdana" panose="020B0604030504040204"/>
-                <a:cs typeface="Verdana" panose="020B0604030504040204"/>
-              </a:rPr>
-              <a:t>a</a:t>
-            </a:r>
-            <a:r>
-              <a:rPr sz="3000" spc="-165" dirty="0">
-                <a:latin typeface="Verdana" panose="020B0604030504040204"/>
-                <a:cs typeface="Verdana" panose="020B0604030504040204"/>
-              </a:rPr>
-              <a:t> </a:t>
-            </a:r>
-            <a:r>
-              <a:rPr sz="3000" spc="10" dirty="0">
-                <a:latin typeface="Verdana" panose="020B0604030504040204"/>
-                <a:cs typeface="Verdana" panose="020B0604030504040204"/>
-              </a:rPr>
-              <a:t>new</a:t>
-            </a:r>
-            <a:r>
-              <a:rPr sz="3000" spc="-165" dirty="0">
-                <a:latin typeface="Verdana" panose="020B0604030504040204"/>
-                <a:cs typeface="Verdana" panose="020B0604030504040204"/>
-              </a:rPr>
-              <a:t> </a:t>
-            </a:r>
-            <a:r>
-              <a:rPr sz="3000" spc="20" dirty="0">
-                <a:latin typeface="Verdana" panose="020B0604030504040204"/>
-                <a:cs typeface="Verdana" panose="020B0604030504040204"/>
-              </a:rPr>
-              <a:t>personal</a:t>
-            </a:r>
-            <a:r>
-              <a:rPr sz="3000" spc="-165" dirty="0">
-                <a:latin typeface="Verdana" panose="020B0604030504040204"/>
-                <a:cs typeface="Verdana" panose="020B0604030504040204"/>
-              </a:rPr>
-              <a:t> </a:t>
-            </a:r>
-            <a:r>
-              <a:rPr sz="3000" spc="80" dirty="0">
-                <a:latin typeface="Verdana" panose="020B0604030504040204"/>
-                <a:cs typeface="Verdana" panose="020B0604030504040204"/>
-              </a:rPr>
-              <a:t>AWS</a:t>
-            </a:r>
-            <a:r>
-              <a:rPr sz="3000" spc="-165" dirty="0">
-                <a:latin typeface="Verdana" panose="020B0604030504040204"/>
-                <a:cs typeface="Verdana" panose="020B0604030504040204"/>
-              </a:rPr>
-              <a:t> </a:t>
-            </a:r>
-            <a:r>
-              <a:rPr sz="3000" spc="40" dirty="0">
-                <a:latin typeface="Verdana" panose="020B0604030504040204"/>
-                <a:cs typeface="Verdana" panose="020B0604030504040204"/>
-              </a:rPr>
-              <a:t>account </a:t>
-            </a:r>
-            <a:r>
-              <a:rPr sz="3000" spc="-1045" dirty="0">
-                <a:latin typeface="Verdana" panose="020B0604030504040204"/>
-                <a:cs typeface="Verdana" panose="020B0604030504040204"/>
-              </a:rPr>
-              <a:t> </a:t>
-            </a:r>
-            <a:r>
-              <a:rPr sz="3000" spc="50" dirty="0">
-                <a:latin typeface="Verdana" panose="020B0604030504040204"/>
-                <a:cs typeface="Verdana" panose="020B0604030504040204"/>
-              </a:rPr>
-              <a:t>Activating</a:t>
-            </a:r>
-            <a:r>
-              <a:rPr sz="3000" spc="-160" dirty="0">
-                <a:latin typeface="Verdana" panose="020B0604030504040204"/>
-                <a:cs typeface="Verdana" panose="020B0604030504040204"/>
-              </a:rPr>
-              <a:t> </a:t>
-            </a:r>
-            <a:r>
-              <a:rPr sz="3000" spc="10" dirty="0">
-                <a:latin typeface="Verdana" panose="020B0604030504040204"/>
-                <a:cs typeface="Verdana" panose="020B0604030504040204"/>
-              </a:rPr>
-              <a:t>the</a:t>
-            </a:r>
-            <a:r>
-              <a:rPr sz="3000" spc="-155" dirty="0">
-                <a:latin typeface="Verdana" panose="020B0604030504040204"/>
-                <a:cs typeface="Verdana" panose="020B0604030504040204"/>
-              </a:rPr>
-              <a:t> </a:t>
-            </a:r>
-            <a:r>
-              <a:rPr sz="3000" spc="10" dirty="0">
-                <a:latin typeface="Verdana" panose="020B0604030504040204"/>
-                <a:cs typeface="Verdana" panose="020B0604030504040204"/>
-              </a:rPr>
-              <a:t>new</a:t>
-            </a:r>
-            <a:r>
-              <a:rPr sz="3000" spc="-155" dirty="0">
-                <a:latin typeface="Verdana" panose="020B0604030504040204"/>
-                <a:cs typeface="Verdana" panose="020B0604030504040204"/>
-              </a:rPr>
-              <a:t> </a:t>
-            </a:r>
-            <a:r>
-              <a:rPr sz="3000" spc="40" dirty="0">
-                <a:latin typeface="Verdana" panose="020B0604030504040204"/>
-                <a:cs typeface="Verdana" panose="020B0604030504040204"/>
-              </a:rPr>
-              <a:t>account</a:t>
-            </a:r>
-            <a:endParaRPr sz="3000">
-              <a:latin typeface="Verdana" panose="020B0604030504040204"/>
-              <a:cs typeface="Verdana" panose="020B0604030504040204"/>
-            </a:endParaRPr>
-          </a:p>
-          <a:p>
-            <a:pPr marL="12700">
-              <a:lnSpc>
-                <a:spcPct val="100000"/>
-              </a:lnSpc>
-              <a:spcBef>
-                <a:spcPts val="1800"/>
-              </a:spcBef>
-            </a:pPr>
-            <a:r>
-              <a:rPr sz="3000" spc="45" dirty="0">
-                <a:latin typeface="Verdana" panose="020B0604030504040204"/>
-                <a:cs typeface="Verdana" panose="020B0604030504040204"/>
-              </a:rPr>
-              <a:t>Configuring</a:t>
-            </a:r>
-            <a:r>
-              <a:rPr sz="3000" spc="-165" dirty="0">
-                <a:latin typeface="Verdana" panose="020B0604030504040204"/>
-                <a:cs typeface="Verdana" panose="020B0604030504040204"/>
-              </a:rPr>
-              <a:t> </a:t>
-            </a:r>
-            <a:r>
-              <a:rPr sz="3000" spc="-45" dirty="0">
-                <a:latin typeface="Verdana" panose="020B0604030504040204"/>
-                <a:cs typeface="Verdana" panose="020B0604030504040204"/>
-              </a:rPr>
-              <a:t>a</a:t>
-            </a:r>
-            <a:r>
-              <a:rPr sz="3000" spc="-165" dirty="0">
-                <a:latin typeface="Verdana" panose="020B0604030504040204"/>
-                <a:cs typeface="Verdana" panose="020B0604030504040204"/>
-              </a:rPr>
-              <a:t> </a:t>
-            </a:r>
-            <a:r>
-              <a:rPr sz="3000" spc="75" dirty="0">
-                <a:latin typeface="Verdana" panose="020B0604030504040204"/>
-                <a:cs typeface="Verdana" panose="020B0604030504040204"/>
-              </a:rPr>
-              <a:t>budget</a:t>
-            </a:r>
-            <a:r>
-              <a:rPr sz="3000" spc="-165" dirty="0">
-                <a:latin typeface="Verdana" panose="020B0604030504040204"/>
-                <a:cs typeface="Verdana" panose="020B0604030504040204"/>
-              </a:rPr>
-              <a:t> </a:t>
-            </a:r>
-            <a:r>
-              <a:rPr sz="3000" spc="5" dirty="0">
-                <a:latin typeface="Verdana" panose="020B0604030504040204"/>
-                <a:cs typeface="Verdana" panose="020B0604030504040204"/>
-              </a:rPr>
-              <a:t>alert</a:t>
-            </a:r>
-            <a:r>
-              <a:rPr sz="3000" spc="-165" dirty="0">
-                <a:latin typeface="Verdana" panose="020B0604030504040204"/>
-                <a:cs typeface="Verdana" panose="020B0604030504040204"/>
-              </a:rPr>
-              <a:t> </a:t>
-            </a:r>
-            <a:r>
-              <a:rPr sz="3000" spc="50" dirty="0">
-                <a:latin typeface="Verdana" panose="020B0604030504040204"/>
-                <a:cs typeface="Verdana" panose="020B0604030504040204"/>
-              </a:rPr>
-              <a:t>for</a:t>
-            </a:r>
-            <a:r>
-              <a:rPr sz="3000" spc="-165" dirty="0">
-                <a:latin typeface="Verdana" panose="020B0604030504040204"/>
-                <a:cs typeface="Verdana" panose="020B0604030504040204"/>
-              </a:rPr>
-              <a:t> </a:t>
-            </a:r>
-            <a:r>
-              <a:rPr sz="3000" spc="10" dirty="0">
-                <a:latin typeface="Verdana" panose="020B0604030504040204"/>
-                <a:cs typeface="Verdana" panose="020B0604030504040204"/>
-              </a:rPr>
-              <a:t>the</a:t>
-            </a:r>
-            <a:r>
-              <a:rPr sz="3000" spc="-165" dirty="0">
-                <a:latin typeface="Verdana" panose="020B0604030504040204"/>
-                <a:cs typeface="Verdana" panose="020B0604030504040204"/>
-              </a:rPr>
-              <a:t> </a:t>
-            </a:r>
-            <a:r>
-              <a:rPr sz="3000" spc="40" dirty="0">
-                <a:latin typeface="Verdana" panose="020B0604030504040204"/>
-                <a:cs typeface="Verdana" panose="020B0604030504040204"/>
-              </a:rPr>
-              <a:t>account</a:t>
-            </a:r>
-            <a:endParaRPr sz="3000">
-              <a:latin typeface="Verdana" panose="020B0604030504040204"/>
-              <a:cs typeface="Verdana" panose="020B0604030504040204"/>
-            </a:endParaRPr>
-          </a:p>
-        </p:txBody>
-      </p:sp>
-      <p:sp>
-        <p:nvSpPr>
-          <p:cNvPr id="3" name="object 3"/>
-          <p:cNvSpPr txBox="1"/>
-          <p:nvPr/>
-        </p:nvSpPr>
-        <p:spPr>
-          <a:xfrm>
-            <a:off x="2172105" y="2670910"/>
-            <a:ext cx="1828164" cy="756920"/>
-          </a:xfrm>
-          <a:prstGeom prst="rect">
-            <a:avLst/>
-          </a:prstGeom>
-        </p:spPr>
-        <p:txBody>
-          <a:bodyPr vert="horz" wrap="square" lIns="0" tIns="12700" rIns="0" bIns="0" rtlCol="0">
-            <a:spAutoFit/>
-          </a:bodyPr>
-          <a:lstStyle/>
-          <a:p>
-            <a:pPr marL="12700">
-              <a:lnSpc>
-                <a:spcPct val="100000"/>
-              </a:lnSpc>
-              <a:spcBef>
-                <a:spcPts val="100"/>
-              </a:spcBef>
-            </a:pPr>
-            <a:r>
-              <a:rPr sz="4800" spc="10" dirty="0">
-                <a:solidFill>
-                  <a:srgbClr val="FFFFFF"/>
-                </a:solidFill>
-                <a:latin typeface="Verdana" panose="020B0604030504040204"/>
-                <a:cs typeface="Verdana" panose="020B0604030504040204"/>
-              </a:rPr>
-              <a:t>Demo</a:t>
-            </a:r>
-            <a:endParaRPr sz="4800">
-              <a:latin typeface="Verdana" panose="020B0604030504040204"/>
-              <a:cs typeface="Verdana" panose="020B0604030504040204"/>
-            </a:endParaRPr>
+          <a:bodyPr/>
+          <a:p>
+            <a:endParaRPr lang="en-US"/>
           </a:p>
         </p:txBody>
       </p:sp>
@@ -14055,109 +18496,75 @@
           </a:p>
         </p:txBody>
       </p:sp>
-    </p:spTree>
-  </p:cSld>
-  <p:clrMapOvr>
-    <a:masterClrMapping/>
-  </p:clrMapOvr>
-</p:sld>
-</file>
-
-<file path=ppt/slides/slide4.xml><?xml version="1.0" encoding="utf-8"?>
-<p:sld xmlns:a="http://schemas.openxmlformats.org/drawingml/2006/main" xmlns:r="http://schemas.openxmlformats.org/officeDocument/2006/relationships" xmlns:p="http://schemas.openxmlformats.org/presentationml/2006/main">
-  <p:cSld>
-    <p:spTree>
-      <p:nvGrpSpPr>
-        <p:cNvPr id="1" name=""/>
-        <p:cNvGrpSpPr/>
-        <p:nvPr/>
-      </p:nvGrpSpPr>
-      <p:grpSpPr>
-        <a:xfrm>
-          <a:off x="0" y="0"/>
-          <a:ext cx="0" cy="0"/>
-          <a:chOff x="0" y="0"/>
-          <a:chExt cx="0" cy="0"/>
-        </a:xfrm>
-      </p:grpSpPr>
       <p:sp>
         <p:nvSpPr>
-          <p:cNvPr id="2" name="object 2"/>
-          <p:cNvSpPr txBox="1">
-            <a:spLocks noGrp="1"/>
-          </p:cNvSpPr>
-          <p:nvPr>
-            <p:ph type="title"/>
-          </p:nvPr>
-        </p:nvSpPr>
-        <p:spPr>
-          <a:xfrm>
-            <a:off x="7981526" y="3668605"/>
-            <a:ext cx="7325359" cy="756920"/>
-          </a:xfrm>
-          <a:prstGeom prst="rect">
-            <a:avLst/>
-          </a:prstGeom>
-        </p:spPr>
-        <p:txBody>
-          <a:bodyPr vert="horz" wrap="square" lIns="0" tIns="12700" rIns="0" bIns="0" rtlCol="0">
-            <a:spAutoFit/>
-          </a:bodyPr>
-          <a:lstStyle/>
-          <a:p>
-            <a:pPr marL="12700">
-              <a:lnSpc>
-                <a:spcPct val="100000"/>
-              </a:lnSpc>
-              <a:spcBef>
-                <a:spcPts val="100"/>
-              </a:spcBef>
-            </a:pPr>
-            <a:r>
-              <a:rPr spc="-50" dirty="0"/>
-              <a:t>Traditional</a:t>
-            </a:r>
-            <a:r>
-              <a:rPr spc="-270" dirty="0"/>
-              <a:t> </a:t>
-            </a:r>
-            <a:r>
-              <a:rPr spc="-35" dirty="0"/>
-              <a:t>Data</a:t>
-            </a:r>
-            <a:r>
-              <a:rPr spc="-265" dirty="0"/>
-              <a:t> </a:t>
-            </a:r>
-            <a:r>
-              <a:rPr spc="-35" dirty="0"/>
-              <a:t>Centers</a:t>
-            </a:r>
-            <a:endParaRPr spc="-35" dirty="0"/>
-          </a:p>
-        </p:txBody>
-      </p:sp>
-      <p:sp>
-        <p:nvSpPr>
-          <p:cNvPr id="3" name="Slide Number Placeholder 2"/>
+          <p:cNvPr id="8" name="Content Placeholder 7"/>
           <p:cNvSpPr>
             <a:spLocks noGrp="1"/>
           </p:cNvSpPr>
           <p:nvPr>
-            <p:ph type="sldNum" sz="quarter" idx="7"/>
+            <p:ph sz="half" idx="3"/>
           </p:nvPr>
         </p:nvSpPr>
         <p:spPr/>
         <p:txBody>
           <a:bodyPr/>
           <a:p>
-            <a:fld id="{B6F15528-21DE-4FAA-801E-634DDDAF4B2B}" type="slidenum">
-              <a:rPr/>
-            </a:fld>
-            <a:endParaRPr/>
+            <a:endParaRPr lang="en-US"/>
           </a:p>
         </p:txBody>
       </p:sp>
+      <p:graphicFrame>
+        <p:nvGraphicFramePr>
+          <p:cNvPr id="5" name="Content Placeholder 4"/>
+          <p:cNvGraphicFramePr/>
+          <p:nvPr>
+            <p:ph sz="half" idx="2"/>
+          </p:nvPr>
+        </p:nvGraphicFramePr>
+        <p:xfrm>
+          <a:off x="508000" y="687070"/>
+          <a:ext cx="15290165" cy="7018655"/>
+        </p:xfrm>
+        <a:graphic>
+          <a:graphicData uri="http://schemas.openxmlformats.org/presentationml/2006/ole">
+            <mc:AlternateContent xmlns:mc="http://schemas.openxmlformats.org/markup-compatibility/2006">
+              <mc:Choice xmlns:v="urn:schemas-microsoft-com:vml" Requires="v">
+                <p:oleObj spid="_x0000_s6" name="" r:id="rId1" imgW="10743565" imgH="6191250" progId="Paint.Picture">
+                  <p:embed/>
+                </p:oleObj>
+              </mc:Choice>
+              <mc:Fallback>
+                <p:oleObj name="" r:id="rId1" imgW="10743565" imgH="6191250" progId="Paint.Picture">
+                  <p:embed/>
+                  <p:pic>
+                    <p:nvPicPr>
+                      <p:cNvPr id="0" name="Picture 5"/>
+                      <p:cNvPicPr/>
+                      <p:nvPr/>
+                    </p:nvPicPr>
+                    <p:blipFill>
+                      <a:blip r:embed="rId2"/>
+                      <a:stretch>
+                        <a:fillRect/>
+                      </a:stretch>
+                    </p:blipFill>
+                    <p:spPr>
+                      <a:xfrm>
+                        <a:off x="508000" y="687070"/>
+                        <a:ext cx="15290165" cy="7018655"/>
+                      </a:xfrm>
+                      <a:prstGeom prst="rect">
+                        <a:avLst/>
+                      </a:prstGeom>
+                    </p:spPr>
+                  </p:pic>
+                </p:oleObj>
+              </mc:Fallback>
+            </mc:AlternateContent>
+          </a:graphicData>
+        </a:graphic>
+      </p:graphicFrame>
     </p:spTree>
   </p:cSld>
   <p:clrMapOvr>
@@ -14175,604 +18582,28 @@
         <p:cNvGrpSpPr/>
         <p:nvPr/>
       </p:nvGrpSpPr>
-      <p:grpSpPr>
-        <a:xfrm>
-          <a:off x="0" y="0"/>
-          <a:ext cx="0" cy="0"/>
-          <a:chOff x="0" y="0"/>
-          <a:chExt cx="0" cy="0"/>
-        </a:xfrm>
-      </p:grpSpPr>
+      <p:grpSpPr/>
       <p:sp>
         <p:nvSpPr>
-          <p:cNvPr id="2" name="object 2"/>
-          <p:cNvSpPr txBox="1"/>
-          <p:nvPr/>
-        </p:nvSpPr>
-        <p:spPr>
-          <a:xfrm>
-            <a:off x="6906482" y="2662966"/>
-            <a:ext cx="8254365" cy="4323080"/>
-          </a:xfrm>
-          <a:prstGeom prst="rect">
-            <a:avLst/>
-          </a:prstGeom>
-        </p:spPr>
-        <p:txBody>
-          <a:bodyPr vert="horz" wrap="square" lIns="0" tIns="33020" rIns="0" bIns="0" rtlCol="0">
-            <a:spAutoFit/>
-          </a:bodyPr>
-          <a:lstStyle/>
-          <a:p>
-            <a:pPr marL="12700" marR="997585">
-              <a:lnSpc>
-                <a:spcPts val="3800"/>
-              </a:lnSpc>
-              <a:spcBef>
-                <a:spcPts val="260"/>
-              </a:spcBef>
-            </a:pPr>
-            <a:r>
-              <a:rPr sz="3200" spc="35" dirty="0">
-                <a:latin typeface="Verdana" panose="020B0604030504040204"/>
-                <a:cs typeface="Verdana" panose="020B0604030504040204"/>
-              </a:rPr>
-              <a:t>Launching</a:t>
-            </a:r>
-            <a:r>
-              <a:rPr sz="3200" spc="-175" dirty="0">
-                <a:latin typeface="Verdana" panose="020B0604030504040204"/>
-                <a:cs typeface="Verdana" panose="020B0604030504040204"/>
-              </a:rPr>
-              <a:t> </a:t>
-            </a:r>
-            <a:r>
-              <a:rPr sz="3200" spc="-45" dirty="0">
-                <a:latin typeface="Verdana" panose="020B0604030504040204"/>
-                <a:cs typeface="Verdana" panose="020B0604030504040204"/>
-              </a:rPr>
-              <a:t>a</a:t>
-            </a:r>
-            <a:r>
-              <a:rPr sz="3200" spc="-170" dirty="0">
-                <a:latin typeface="Verdana" panose="020B0604030504040204"/>
-                <a:cs typeface="Verdana" panose="020B0604030504040204"/>
-              </a:rPr>
-              <a:t> </a:t>
-            </a:r>
-            <a:r>
-              <a:rPr sz="3200" spc="10" dirty="0">
-                <a:latin typeface="Verdana" panose="020B0604030504040204"/>
-                <a:cs typeface="Verdana" panose="020B0604030504040204"/>
-              </a:rPr>
-              <a:t>new</a:t>
-            </a:r>
-            <a:r>
-              <a:rPr sz="3200" spc="-175" dirty="0">
-                <a:latin typeface="Verdana" panose="020B0604030504040204"/>
-                <a:cs typeface="Verdana" panose="020B0604030504040204"/>
-              </a:rPr>
-              <a:t> </a:t>
-            </a:r>
-            <a:r>
-              <a:rPr sz="3200" spc="45" dirty="0">
-                <a:latin typeface="Verdana" panose="020B0604030504040204"/>
-                <a:cs typeface="Verdana" panose="020B0604030504040204"/>
-              </a:rPr>
-              <a:t>social</a:t>
-            </a:r>
-            <a:r>
-              <a:rPr sz="3200" spc="-170" dirty="0">
-                <a:latin typeface="Verdana" panose="020B0604030504040204"/>
-                <a:cs typeface="Verdana" panose="020B0604030504040204"/>
-              </a:rPr>
-              <a:t> </a:t>
-            </a:r>
-            <a:r>
-              <a:rPr sz="3200" spc="25" dirty="0">
-                <a:latin typeface="Verdana" panose="020B0604030504040204"/>
-                <a:cs typeface="Verdana" panose="020B0604030504040204"/>
-              </a:rPr>
-              <a:t>network</a:t>
-            </a:r>
-            <a:r>
-              <a:rPr sz="3200" spc="-175" dirty="0">
-                <a:latin typeface="Verdana" panose="020B0604030504040204"/>
-                <a:cs typeface="Verdana" panose="020B0604030504040204"/>
-              </a:rPr>
-              <a:t> </a:t>
-            </a:r>
-            <a:r>
-              <a:rPr sz="3200" spc="50" dirty="0">
-                <a:latin typeface="Verdana" panose="020B0604030504040204"/>
-                <a:cs typeface="Verdana" panose="020B0604030504040204"/>
-              </a:rPr>
-              <a:t>for </a:t>
-            </a:r>
-            <a:r>
-              <a:rPr sz="3200" spc="-1110" dirty="0">
-                <a:latin typeface="Verdana" panose="020B0604030504040204"/>
-                <a:cs typeface="Verdana" panose="020B0604030504040204"/>
-              </a:rPr>
-              <a:t> </a:t>
-            </a:r>
-            <a:r>
-              <a:rPr sz="3200" spc="10" dirty="0">
-                <a:latin typeface="Verdana" panose="020B0604030504040204"/>
-                <a:cs typeface="Verdana" panose="020B0604030504040204"/>
-              </a:rPr>
-              <a:t>professionals</a:t>
-            </a:r>
-            <a:endParaRPr sz="3200">
-              <a:latin typeface="Verdana" panose="020B0604030504040204"/>
-              <a:cs typeface="Verdana" panose="020B0604030504040204"/>
-            </a:endParaRPr>
-          </a:p>
-          <a:p>
-            <a:pPr marL="12700">
-              <a:lnSpc>
-                <a:spcPct val="100000"/>
-              </a:lnSpc>
-              <a:spcBef>
-                <a:spcPts val="2240"/>
-              </a:spcBef>
-            </a:pPr>
-            <a:r>
-              <a:rPr sz="3200" spc="70" dirty="0">
-                <a:latin typeface="Verdana" panose="020B0604030504040204"/>
-                <a:cs typeface="Verdana" panose="020B0604030504040204"/>
-              </a:rPr>
-              <a:t>Focusing</a:t>
-            </a:r>
-            <a:r>
-              <a:rPr sz="3200" spc="-170" dirty="0">
-                <a:latin typeface="Verdana" panose="020B0604030504040204"/>
-                <a:cs typeface="Verdana" panose="020B0604030504040204"/>
-              </a:rPr>
-              <a:t> </a:t>
-            </a:r>
-            <a:r>
-              <a:rPr sz="3200" spc="55" dirty="0">
-                <a:latin typeface="Verdana" panose="020B0604030504040204"/>
-                <a:cs typeface="Verdana" panose="020B0604030504040204"/>
-              </a:rPr>
-              <a:t>on</a:t>
-            </a:r>
-            <a:r>
-              <a:rPr sz="3200" spc="-170" dirty="0">
-                <a:latin typeface="Verdana" panose="020B0604030504040204"/>
-                <a:cs typeface="Verdana" panose="020B0604030504040204"/>
-              </a:rPr>
-              <a:t> </a:t>
-            </a:r>
-            <a:r>
-              <a:rPr sz="3200" spc="10" dirty="0">
-                <a:latin typeface="Verdana" panose="020B0604030504040204"/>
-                <a:cs typeface="Verdana" panose="020B0604030504040204"/>
-              </a:rPr>
-              <a:t>the</a:t>
-            </a:r>
-            <a:r>
-              <a:rPr sz="3200" spc="-170" dirty="0">
-                <a:latin typeface="Verdana" panose="020B0604030504040204"/>
-                <a:cs typeface="Verdana" panose="020B0604030504040204"/>
-              </a:rPr>
-              <a:t> </a:t>
-            </a:r>
-            <a:r>
-              <a:rPr sz="3200" spc="40" dirty="0">
-                <a:latin typeface="Verdana" panose="020B0604030504040204"/>
-                <a:cs typeface="Verdana" panose="020B0604030504040204"/>
-              </a:rPr>
-              <a:t>United</a:t>
-            </a:r>
-            <a:r>
-              <a:rPr sz="3200" spc="-165" dirty="0">
-                <a:latin typeface="Verdana" panose="020B0604030504040204"/>
-                <a:cs typeface="Verdana" panose="020B0604030504040204"/>
-              </a:rPr>
-              <a:t> </a:t>
-            </a:r>
-            <a:r>
-              <a:rPr sz="3200" spc="-40" dirty="0">
-                <a:latin typeface="Verdana" panose="020B0604030504040204"/>
-                <a:cs typeface="Verdana" panose="020B0604030504040204"/>
-              </a:rPr>
-              <a:t>States</a:t>
-            </a:r>
-            <a:r>
-              <a:rPr sz="3200" spc="-170" dirty="0">
-                <a:latin typeface="Verdana" panose="020B0604030504040204"/>
-                <a:cs typeface="Verdana" panose="020B0604030504040204"/>
-              </a:rPr>
-              <a:t> </a:t>
-            </a:r>
-            <a:r>
-              <a:rPr sz="3200" spc="-10" dirty="0">
-                <a:latin typeface="Verdana" panose="020B0604030504040204"/>
-                <a:cs typeface="Verdana" panose="020B0604030504040204"/>
-              </a:rPr>
-              <a:t>at</a:t>
-            </a:r>
-            <a:r>
-              <a:rPr sz="3200" spc="-170" dirty="0">
-                <a:latin typeface="Verdana" panose="020B0604030504040204"/>
-                <a:cs typeface="Verdana" panose="020B0604030504040204"/>
-              </a:rPr>
-              <a:t> </a:t>
-            </a:r>
-            <a:r>
-              <a:rPr sz="3200" spc="5" dirty="0">
-                <a:latin typeface="Verdana" panose="020B0604030504040204"/>
-                <a:cs typeface="Verdana" panose="020B0604030504040204"/>
-              </a:rPr>
-              <a:t>launch</a:t>
-            </a:r>
-            <a:endParaRPr sz="3200">
-              <a:latin typeface="Verdana" panose="020B0604030504040204"/>
-              <a:cs typeface="Verdana" panose="020B0604030504040204"/>
-            </a:endParaRPr>
-          </a:p>
-          <a:p>
-            <a:pPr marL="12700" marR="5080">
-              <a:lnSpc>
-                <a:spcPts val="3800"/>
-              </a:lnSpc>
-              <a:spcBef>
-                <a:spcPts val="2520"/>
-              </a:spcBef>
-            </a:pPr>
-            <a:r>
-              <a:rPr sz="3200" spc="85" dirty="0">
-                <a:latin typeface="Verdana" panose="020B0604030504040204"/>
-                <a:cs typeface="Verdana" panose="020B0604030504040204"/>
-              </a:rPr>
-              <a:t>Looking</a:t>
-            </a:r>
-            <a:r>
-              <a:rPr sz="3200" spc="-175" dirty="0">
-                <a:latin typeface="Verdana" panose="020B0604030504040204"/>
-                <a:cs typeface="Verdana" panose="020B0604030504040204"/>
-              </a:rPr>
-              <a:t> </a:t>
-            </a:r>
-            <a:r>
-              <a:rPr sz="3200" spc="80" dirty="0">
-                <a:latin typeface="Verdana" panose="020B0604030504040204"/>
-                <a:cs typeface="Verdana" panose="020B0604030504040204"/>
-              </a:rPr>
-              <a:t>to</a:t>
-            </a:r>
-            <a:r>
-              <a:rPr sz="3200" spc="-170" dirty="0">
-                <a:latin typeface="Verdana" panose="020B0604030504040204"/>
-                <a:cs typeface="Verdana" panose="020B0604030504040204"/>
-              </a:rPr>
-              <a:t> </a:t>
-            </a:r>
-            <a:r>
-              <a:rPr sz="3200" spc="15" dirty="0">
-                <a:latin typeface="Verdana" panose="020B0604030504040204"/>
-                <a:cs typeface="Verdana" panose="020B0604030504040204"/>
-              </a:rPr>
-              <a:t>expand</a:t>
-            </a:r>
-            <a:r>
-              <a:rPr sz="3200" spc="-170" dirty="0">
-                <a:latin typeface="Verdana" panose="020B0604030504040204"/>
-                <a:cs typeface="Verdana" panose="020B0604030504040204"/>
-              </a:rPr>
-              <a:t> </a:t>
-            </a:r>
-            <a:r>
-              <a:rPr sz="3200" spc="35" dirty="0">
-                <a:latin typeface="Verdana" panose="020B0604030504040204"/>
-                <a:cs typeface="Verdana" panose="020B0604030504040204"/>
-              </a:rPr>
-              <a:t>into</a:t>
-            </a:r>
-            <a:r>
-              <a:rPr sz="3200" spc="-170" dirty="0">
-                <a:latin typeface="Verdana" panose="020B0604030504040204"/>
-                <a:cs typeface="Verdana" panose="020B0604030504040204"/>
-              </a:rPr>
-              <a:t> </a:t>
-            </a:r>
-            <a:r>
-              <a:rPr sz="3200" spc="50" dirty="0">
-                <a:latin typeface="Verdana" panose="020B0604030504040204"/>
-                <a:cs typeface="Verdana" panose="020B0604030504040204"/>
-              </a:rPr>
-              <a:t>Europe</a:t>
-            </a:r>
-            <a:r>
-              <a:rPr sz="3200" spc="-175" dirty="0">
-                <a:latin typeface="Verdana" panose="020B0604030504040204"/>
-                <a:cs typeface="Verdana" panose="020B0604030504040204"/>
-              </a:rPr>
-              <a:t> </a:t>
-            </a:r>
-            <a:r>
-              <a:rPr sz="3200" spc="20" dirty="0">
-                <a:latin typeface="Verdana" panose="020B0604030504040204"/>
-                <a:cs typeface="Verdana" panose="020B0604030504040204"/>
-              </a:rPr>
-              <a:t>and</a:t>
-            </a:r>
-            <a:r>
-              <a:rPr sz="3200" spc="-170" dirty="0">
-                <a:latin typeface="Verdana" panose="020B0604030504040204"/>
-                <a:cs typeface="Verdana" panose="020B0604030504040204"/>
-              </a:rPr>
-              <a:t> </a:t>
-            </a:r>
-            <a:r>
-              <a:rPr sz="3200" spc="65" dirty="0">
-                <a:latin typeface="Verdana" panose="020B0604030504040204"/>
-                <a:cs typeface="Verdana" panose="020B0604030504040204"/>
-              </a:rPr>
-              <a:t>Asia </a:t>
-            </a:r>
-            <a:r>
-              <a:rPr sz="3200" spc="-1110" dirty="0">
-                <a:latin typeface="Verdana" panose="020B0604030504040204"/>
-                <a:cs typeface="Verdana" panose="020B0604030504040204"/>
-              </a:rPr>
-              <a:t> </a:t>
-            </a:r>
-            <a:r>
-              <a:rPr sz="3200" spc="55" dirty="0">
-                <a:latin typeface="Verdana" panose="020B0604030504040204"/>
-                <a:cs typeface="Verdana" panose="020B0604030504040204"/>
-              </a:rPr>
-              <a:t>if</a:t>
-            </a:r>
-            <a:r>
-              <a:rPr sz="3200" spc="-170" dirty="0">
-                <a:latin typeface="Verdana" panose="020B0604030504040204"/>
-                <a:cs typeface="Verdana" panose="020B0604030504040204"/>
-              </a:rPr>
-              <a:t> </a:t>
-            </a:r>
-            <a:r>
-              <a:rPr sz="3200" spc="5" dirty="0">
-                <a:latin typeface="Verdana" panose="020B0604030504040204"/>
-                <a:cs typeface="Verdana" panose="020B0604030504040204"/>
-              </a:rPr>
-              <a:t>launch</a:t>
-            </a:r>
-            <a:r>
-              <a:rPr sz="3200" spc="-165" dirty="0">
-                <a:latin typeface="Verdana" panose="020B0604030504040204"/>
-                <a:cs typeface="Verdana" panose="020B0604030504040204"/>
-              </a:rPr>
-              <a:t> </a:t>
-            </a:r>
-            <a:r>
-              <a:rPr sz="3200" spc="-20" dirty="0">
-                <a:latin typeface="Verdana" panose="020B0604030504040204"/>
-                <a:cs typeface="Verdana" panose="020B0604030504040204"/>
-              </a:rPr>
-              <a:t>is</a:t>
-            </a:r>
-            <a:r>
-              <a:rPr sz="3200" spc="-165" dirty="0">
-                <a:latin typeface="Verdana" panose="020B0604030504040204"/>
-                <a:cs typeface="Verdana" panose="020B0604030504040204"/>
-              </a:rPr>
-              <a:t> </a:t>
-            </a:r>
-            <a:r>
-              <a:rPr sz="3200" dirty="0">
-                <a:latin typeface="Verdana" panose="020B0604030504040204"/>
-                <a:cs typeface="Verdana" panose="020B0604030504040204"/>
-              </a:rPr>
-              <a:t>successful</a:t>
-            </a:r>
-            <a:endParaRPr sz="3200">
-              <a:latin typeface="Verdana" panose="020B0604030504040204"/>
-              <a:cs typeface="Verdana" panose="020B0604030504040204"/>
-            </a:endParaRPr>
-          </a:p>
-          <a:p>
-            <a:pPr marL="12700" marR="2008505">
-              <a:lnSpc>
-                <a:spcPts val="3800"/>
-              </a:lnSpc>
-              <a:spcBef>
-                <a:spcPts val="2380"/>
-              </a:spcBef>
-            </a:pPr>
-            <a:r>
-              <a:rPr sz="3200" spc="10" dirty="0">
-                <a:latin typeface="Verdana" panose="020B0604030504040204"/>
-                <a:cs typeface="Verdana" panose="020B0604030504040204"/>
-              </a:rPr>
-              <a:t>Securing</a:t>
-            </a:r>
-            <a:r>
-              <a:rPr sz="3200" spc="-175" dirty="0">
-                <a:latin typeface="Verdana" panose="020B0604030504040204"/>
-                <a:cs typeface="Verdana" panose="020B0604030504040204"/>
-              </a:rPr>
-              <a:t> </a:t>
-            </a:r>
-            <a:r>
-              <a:rPr sz="3200" spc="40" dirty="0">
-                <a:latin typeface="Verdana" panose="020B0604030504040204"/>
-                <a:cs typeface="Verdana" panose="020B0604030504040204"/>
-              </a:rPr>
-              <a:t>funding</a:t>
-            </a:r>
-            <a:r>
-              <a:rPr sz="3200" spc="-175" dirty="0">
-                <a:latin typeface="Verdana" panose="020B0604030504040204"/>
-                <a:cs typeface="Verdana" panose="020B0604030504040204"/>
-              </a:rPr>
-              <a:t> </a:t>
-            </a:r>
-            <a:r>
-              <a:rPr sz="3200" spc="50" dirty="0">
-                <a:latin typeface="Verdana" panose="020B0604030504040204"/>
-                <a:cs typeface="Verdana" panose="020B0604030504040204"/>
-              </a:rPr>
-              <a:t>for</a:t>
-            </a:r>
-            <a:r>
-              <a:rPr sz="3200" spc="-170" dirty="0">
-                <a:latin typeface="Verdana" panose="020B0604030504040204"/>
-                <a:cs typeface="Verdana" panose="020B0604030504040204"/>
-              </a:rPr>
-              <a:t> </a:t>
-            </a:r>
-            <a:r>
-              <a:rPr sz="3200" spc="10" dirty="0">
-                <a:latin typeface="Verdana" panose="020B0604030504040204"/>
-                <a:cs typeface="Verdana" panose="020B0604030504040204"/>
-              </a:rPr>
-              <a:t>the</a:t>
-            </a:r>
-            <a:r>
-              <a:rPr sz="3200" spc="-175" dirty="0">
-                <a:latin typeface="Verdana" panose="020B0604030504040204"/>
-                <a:cs typeface="Verdana" panose="020B0604030504040204"/>
-              </a:rPr>
-              <a:t> </a:t>
-            </a:r>
-            <a:r>
-              <a:rPr sz="3200" spc="15" dirty="0">
-                <a:latin typeface="Verdana" panose="020B0604030504040204"/>
-                <a:cs typeface="Verdana" panose="020B0604030504040204"/>
-              </a:rPr>
-              <a:t>initial </a:t>
-            </a:r>
-            <a:r>
-              <a:rPr sz="3200" spc="-1110" dirty="0">
-                <a:latin typeface="Verdana" panose="020B0604030504040204"/>
-                <a:cs typeface="Verdana" panose="020B0604030504040204"/>
-              </a:rPr>
-              <a:t> </a:t>
-            </a:r>
-            <a:r>
-              <a:rPr sz="3200" spc="-10" dirty="0">
-                <a:latin typeface="Verdana" panose="020B0604030504040204"/>
-                <a:cs typeface="Verdana" panose="020B0604030504040204"/>
-              </a:rPr>
-              <a:t>infrastructure</a:t>
-            </a:r>
-            <a:endParaRPr sz="3200">
-              <a:latin typeface="Verdana" panose="020B0604030504040204"/>
-              <a:cs typeface="Verdana" panose="020B0604030504040204"/>
-            </a:endParaRPr>
-          </a:p>
-        </p:txBody>
-      </p:sp>
-      <p:sp>
-        <p:nvSpPr>
-          <p:cNvPr id="3" name="object 3"/>
-          <p:cNvSpPr txBox="1">
+          <p:cNvPr id="6" name="Title 5"/>
+          <p:cNvSpPr>
             <a:spLocks noGrp="1"/>
           </p:cNvSpPr>
           <p:nvPr>
             <p:ph type="title"/>
           </p:nvPr>
         </p:nvSpPr>
-        <p:spPr>
-          <a:xfrm>
-            <a:off x="3905707" y="649392"/>
-            <a:ext cx="8902065" cy="756920"/>
-          </a:xfrm>
-          <a:prstGeom prst="rect">
-            <a:avLst/>
-          </a:prstGeom>
-        </p:spPr>
+        <p:spPr/>
         <p:txBody>
-          <a:bodyPr vert="horz" wrap="square" lIns="0" tIns="12700" rIns="0" bIns="0" rtlCol="0">
-            <a:spAutoFit/>
-          </a:bodyPr>
-          <a:lstStyle/>
-          <a:p>
-            <a:pPr marL="12700">
-              <a:lnSpc>
-                <a:spcPct val="100000"/>
-              </a:lnSpc>
-              <a:spcBef>
-                <a:spcPts val="100"/>
-              </a:spcBef>
-            </a:pPr>
-            <a:r>
-              <a:rPr spc="5" dirty="0">
-                <a:solidFill>
-                  <a:srgbClr val="404040"/>
-                </a:solidFill>
-              </a:rPr>
-              <a:t>Globomantics</a:t>
-            </a:r>
-            <a:r>
-              <a:rPr spc="-245" dirty="0">
-                <a:solidFill>
-                  <a:srgbClr val="404040"/>
-                </a:solidFill>
-              </a:rPr>
-              <a:t> </a:t>
-            </a:r>
-            <a:r>
-              <a:rPr spc="-35" dirty="0">
-                <a:solidFill>
-                  <a:srgbClr val="404040"/>
-                </a:solidFill>
-              </a:rPr>
-              <a:t>Social</a:t>
-            </a:r>
-            <a:r>
-              <a:rPr spc="-240" dirty="0">
-                <a:solidFill>
-                  <a:srgbClr val="404040"/>
-                </a:solidFill>
-              </a:rPr>
-              <a:t> </a:t>
-            </a:r>
-            <a:r>
-              <a:rPr spc="15" dirty="0">
-                <a:solidFill>
-                  <a:srgbClr val="404040"/>
-                </a:solidFill>
-              </a:rPr>
-              <a:t>Network</a:t>
-            </a:r>
-            <a:endParaRPr spc="15" dirty="0">
-              <a:solidFill>
-                <a:srgbClr val="404040"/>
-              </a:solidFill>
-            </a:endParaRPr>
+          <a:bodyPr/>
+          <a:p>
+            <a:endParaRPr lang="en-US"/>
           </a:p>
         </p:txBody>
       </p:sp>
-      <p:pic>
-        <p:nvPicPr>
-          <p:cNvPr id="4" name="object 4"/>
-          <p:cNvPicPr/>
-          <p:nvPr/>
-        </p:nvPicPr>
-        <p:blipFill>
-          <a:blip r:embed="rId1" cstate="print"/>
-          <a:stretch>
-            <a:fillRect/>
-          </a:stretch>
-        </p:blipFill>
-        <p:spPr>
-          <a:xfrm>
-            <a:off x="610244" y="2258599"/>
-            <a:ext cx="5218173" cy="5218173"/>
-          </a:xfrm>
-          <a:prstGeom prst="rect">
-            <a:avLst/>
-          </a:prstGeom>
-        </p:spPr>
-      </p:pic>
       <p:sp>
         <p:nvSpPr>
-          <p:cNvPr id="5" name="Slide Number Placeholder 4"/>
+          <p:cNvPr id="4" name="Slide Number Placeholder 3"/>
           <p:cNvSpPr>
             <a:spLocks noGrp="1"/>
           </p:cNvSpPr>
@@ -14791,6 +18622,50 @@
           </a:p>
         </p:txBody>
       </p:sp>
+      <p:sp>
+        <p:nvSpPr>
+          <p:cNvPr id="7" name="Content Placeholder 6"/>
+          <p:cNvSpPr>
+            <a:spLocks noGrp="1"/>
+          </p:cNvSpPr>
+          <p:nvPr>
+            <p:ph sz="half" idx="3"/>
+          </p:nvPr>
+        </p:nvSpPr>
+        <p:spPr/>
+        <p:txBody>
+          <a:bodyPr/>
+          <a:p>
+            <a:endParaRPr lang="en-US"/>
+          </a:p>
+        </p:txBody>
+      </p:sp>
+      <p:pic>
+        <p:nvPicPr>
+          <p:cNvPr id="5" name="Content Placeholder 4"/>
+          <p:cNvPicPr>
+            <a:picLocks noChangeAspect="1"/>
+          </p:cNvPicPr>
+          <p:nvPr>
+            <p:ph sz="half" idx="2"/>
+          </p:nvPr>
+        </p:nvPicPr>
+        <p:blipFill>
+          <a:blip r:embed="rId1"/>
+          <a:stretch>
+            <a:fillRect/>
+          </a:stretch>
+        </p:blipFill>
+        <p:spPr>
+          <a:xfrm>
+            <a:off x="1867535" y="449580"/>
+            <a:ext cx="12520295" cy="8054340"/>
+          </a:xfrm>
+          <a:prstGeom prst="rect">
+            <a:avLst/>
+          </a:prstGeom>
+        </p:spPr>
+      </p:pic>
     </p:spTree>
   </p:cSld>
   <p:clrMapOvr>
@@ -14800,7 +18675,7 @@
 </file>
 
 <file path=ppt/slides/slide6.xml><?xml version="1.0" encoding="utf-8"?>
-<p:sld xmlns:a="http://schemas.openxmlformats.org/drawingml/2006/main" xmlns:r="http://schemas.openxmlformats.org/officeDocument/2006/relationships" xmlns:p="http://schemas.openxmlformats.org/presentationml/2006/main" showMasterSp="0">
+<p:sld xmlns:a="http://schemas.openxmlformats.org/drawingml/2006/main" xmlns:r="http://schemas.openxmlformats.org/officeDocument/2006/relationships" xmlns:p="http://schemas.openxmlformats.org/presentationml/2006/main">
   <p:cSld>
     <p:spTree>
       <p:nvGrpSpPr>
@@ -14808,1545 +18683,28 @@
         <p:cNvGrpSpPr/>
         <p:nvPr/>
       </p:nvGrpSpPr>
-      <p:grpSpPr>
-        <a:xfrm>
-          <a:off x="0" y="0"/>
-          <a:ext cx="0" cy="0"/>
-          <a:chOff x="0" y="0"/>
-          <a:chExt cx="0" cy="0"/>
-        </a:xfrm>
-      </p:grpSpPr>
+      <p:grpSpPr/>
       <p:sp>
         <p:nvSpPr>
-          <p:cNvPr id="2" name="object 2"/>
-          <p:cNvSpPr txBox="1">
+          <p:cNvPr id="6" name="Title 5"/>
+          <p:cNvSpPr>
             <a:spLocks noGrp="1"/>
           </p:cNvSpPr>
           <p:nvPr>
             <p:ph type="title"/>
           </p:nvPr>
         </p:nvSpPr>
-        <p:spPr>
-          <a:xfrm>
-            <a:off x="3982377" y="646852"/>
-            <a:ext cx="8291830" cy="726440"/>
-          </a:xfrm>
-          <a:prstGeom prst="rect">
-            <a:avLst/>
-          </a:prstGeom>
-        </p:spPr>
+        <p:spPr/>
         <p:txBody>
-          <a:bodyPr vert="horz" wrap="square" lIns="0" tIns="12700" rIns="0" bIns="0" rtlCol="0">
-            <a:spAutoFit/>
-          </a:bodyPr>
-          <a:lstStyle/>
-          <a:p>
-            <a:pPr marL="12700">
-              <a:lnSpc>
-                <a:spcPct val="100000"/>
-              </a:lnSpc>
-              <a:spcBef>
-                <a:spcPts val="100"/>
-              </a:spcBef>
-            </a:pPr>
-            <a:r>
-              <a:rPr sz="4600" spc="-30" dirty="0">
-                <a:solidFill>
-                  <a:srgbClr val="232323"/>
-                </a:solidFill>
-              </a:rPr>
-              <a:t>Social</a:t>
-            </a:r>
-            <a:r>
-              <a:rPr sz="4600" spc="-260" dirty="0">
-                <a:solidFill>
-                  <a:srgbClr val="232323"/>
-                </a:solidFill>
-              </a:rPr>
-              <a:t> </a:t>
-            </a:r>
-            <a:r>
-              <a:rPr sz="4600" spc="15" dirty="0">
-                <a:solidFill>
-                  <a:srgbClr val="232323"/>
-                </a:solidFill>
-              </a:rPr>
-              <a:t>Network</a:t>
-            </a:r>
-            <a:r>
-              <a:rPr sz="4600" spc="-254" dirty="0">
-                <a:solidFill>
-                  <a:srgbClr val="232323"/>
-                </a:solidFill>
-              </a:rPr>
-              <a:t> </a:t>
-            </a:r>
-            <a:r>
-              <a:rPr sz="4600" spc="-50" dirty="0">
-                <a:solidFill>
-                  <a:srgbClr val="232323"/>
-                </a:solidFill>
-              </a:rPr>
-              <a:t>Data</a:t>
-            </a:r>
-            <a:r>
-              <a:rPr sz="4600" spc="-254" dirty="0">
-                <a:solidFill>
-                  <a:srgbClr val="232323"/>
-                </a:solidFill>
-              </a:rPr>
-              <a:t> </a:t>
-            </a:r>
-            <a:r>
-              <a:rPr sz="4600" spc="-50" dirty="0">
-                <a:solidFill>
-                  <a:srgbClr val="232323"/>
-                </a:solidFill>
-              </a:rPr>
-              <a:t>Centers</a:t>
-            </a:r>
-            <a:endParaRPr sz="4600"/>
-          </a:p>
-        </p:txBody>
-      </p:sp>
-      <p:grpSp>
-        <p:nvGrpSpPr>
-          <p:cNvPr id="3" name="object 3"/>
-          <p:cNvGrpSpPr/>
-          <p:nvPr/>
-        </p:nvGrpSpPr>
-        <p:grpSpPr>
-          <a:xfrm>
-            <a:off x="5678689" y="3223014"/>
-            <a:ext cx="4899025" cy="3712210"/>
-            <a:chOff x="5678689" y="3223014"/>
-            <a:chExt cx="4899025" cy="3712210"/>
-          </a:xfrm>
-        </p:grpSpPr>
-        <p:sp>
-          <p:nvSpPr>
-            <p:cNvPr id="4" name="object 4"/>
-            <p:cNvSpPr/>
-            <p:nvPr/>
-          </p:nvSpPr>
-          <p:spPr>
-            <a:xfrm>
-              <a:off x="5697739" y="3242064"/>
-              <a:ext cx="4860925" cy="3376295"/>
-            </a:xfrm>
-            <a:custGeom>
-              <a:avLst/>
-              <a:gdLst/>
-              <a:ahLst/>
-              <a:cxnLst/>
-              <a:rect l="l" t="t" r="r" b="b"/>
-              <a:pathLst>
-                <a:path w="4860925" h="3376295">
-                  <a:moveTo>
-                    <a:pt x="0" y="0"/>
-                  </a:moveTo>
-                  <a:lnTo>
-                    <a:pt x="4860521" y="0"/>
-                  </a:lnTo>
-                  <a:lnTo>
-                    <a:pt x="4860521" y="3376232"/>
-                  </a:lnTo>
-                  <a:lnTo>
-                    <a:pt x="0" y="3376232"/>
-                  </a:lnTo>
-                  <a:lnTo>
-                    <a:pt x="0" y="0"/>
-                  </a:lnTo>
-                  <a:close/>
-                </a:path>
-              </a:pathLst>
-            </a:custGeom>
-            <a:ln w="38100">
-              <a:solidFill>
-                <a:srgbClr val="2A9FBC"/>
-              </a:solidFill>
-            </a:ln>
-          </p:spPr>
-          <p:txBody>
-            <a:bodyPr wrap="square" lIns="0" tIns="0" rIns="0" bIns="0" rtlCol="0"/>
-            <a:lstStyle/>
-            <a:p/>
-          </p:txBody>
-        </p:sp>
-        <p:sp>
-          <p:nvSpPr>
-            <p:cNvPr id="5" name="object 5"/>
-            <p:cNvSpPr/>
-            <p:nvPr/>
-          </p:nvSpPr>
-          <p:spPr>
-            <a:xfrm>
-              <a:off x="7323465" y="6330990"/>
-              <a:ext cx="1609090" cy="603885"/>
-            </a:xfrm>
-            <a:custGeom>
-              <a:avLst/>
-              <a:gdLst/>
-              <a:ahLst/>
-              <a:cxnLst/>
-              <a:rect l="l" t="t" r="r" b="b"/>
-              <a:pathLst>
-                <a:path w="1609090" h="603884">
-                  <a:moveTo>
-                    <a:pt x="1609068" y="0"/>
-                  </a:moveTo>
-                  <a:lnTo>
-                    <a:pt x="0" y="0"/>
-                  </a:lnTo>
-                  <a:lnTo>
-                    <a:pt x="0" y="603673"/>
-                  </a:lnTo>
-                  <a:lnTo>
-                    <a:pt x="1609068" y="603673"/>
-                  </a:lnTo>
-                  <a:lnTo>
-                    <a:pt x="1609068" y="0"/>
-                  </a:lnTo>
-                  <a:close/>
-                </a:path>
-              </a:pathLst>
-            </a:custGeom>
-            <a:solidFill>
-              <a:srgbClr val="FFFFFF"/>
-            </a:solidFill>
-          </p:spPr>
-          <p:txBody>
-            <a:bodyPr wrap="square" lIns="0" tIns="0" rIns="0" bIns="0" rtlCol="0"/>
-            <a:lstStyle/>
-            <a:p/>
-          </p:txBody>
-        </p:sp>
-      </p:grpSp>
-      <p:sp>
-        <p:nvSpPr>
-          <p:cNvPr id="6" name="object 6"/>
-          <p:cNvSpPr txBox="1"/>
-          <p:nvPr/>
-        </p:nvSpPr>
-        <p:spPr>
-          <a:xfrm>
-            <a:off x="5697739" y="3242064"/>
-            <a:ext cx="4860925" cy="3376295"/>
-          </a:xfrm>
-          <a:prstGeom prst="rect">
-            <a:avLst/>
-          </a:prstGeom>
-          <a:ln w="38100">
-            <a:solidFill>
-              <a:srgbClr val="2A9FBC"/>
-            </a:solidFill>
-          </a:ln>
-        </p:spPr>
-        <p:txBody>
-          <a:bodyPr vert="horz" wrap="square" lIns="0" tIns="0" rIns="0" bIns="0" rtlCol="0">
-            <a:spAutoFit/>
-          </a:bodyPr>
-          <a:lstStyle/>
-          <a:p>
-            <a:pPr>
-              <a:lnSpc>
-                <a:spcPct val="100000"/>
-              </a:lnSpc>
-            </a:pPr>
-            <a:endParaRPr sz="2400">
-              <a:latin typeface="Times New Roman" panose="02020603050405020304"/>
-              <a:cs typeface="Times New Roman" panose="02020603050405020304"/>
-            </a:endParaRPr>
-          </a:p>
-          <a:p>
-            <a:pPr>
-              <a:lnSpc>
-                <a:spcPct val="100000"/>
-              </a:lnSpc>
-            </a:pPr>
-            <a:endParaRPr sz="2400">
-              <a:latin typeface="Times New Roman" panose="02020603050405020304"/>
-              <a:cs typeface="Times New Roman" panose="02020603050405020304"/>
-            </a:endParaRPr>
-          </a:p>
-          <a:p>
-            <a:pPr>
-              <a:lnSpc>
-                <a:spcPct val="100000"/>
-              </a:lnSpc>
-            </a:pPr>
-            <a:endParaRPr sz="2400">
-              <a:latin typeface="Times New Roman" panose="02020603050405020304"/>
-              <a:cs typeface="Times New Roman" panose="02020603050405020304"/>
-            </a:endParaRPr>
-          </a:p>
-          <a:p>
-            <a:pPr>
-              <a:lnSpc>
-                <a:spcPct val="100000"/>
-              </a:lnSpc>
-            </a:pPr>
-            <a:endParaRPr sz="2400">
-              <a:latin typeface="Times New Roman" panose="02020603050405020304"/>
-              <a:cs typeface="Times New Roman" panose="02020603050405020304"/>
-            </a:endParaRPr>
-          </a:p>
-          <a:p>
-            <a:pPr>
-              <a:lnSpc>
-                <a:spcPct val="100000"/>
-              </a:lnSpc>
-            </a:pPr>
-            <a:endParaRPr sz="2400">
-              <a:latin typeface="Times New Roman" panose="02020603050405020304"/>
-              <a:cs typeface="Times New Roman" panose="02020603050405020304"/>
-            </a:endParaRPr>
-          </a:p>
-          <a:p>
-            <a:pPr>
-              <a:lnSpc>
-                <a:spcPct val="100000"/>
-              </a:lnSpc>
-            </a:pPr>
-            <a:endParaRPr sz="2400">
-              <a:latin typeface="Times New Roman" panose="02020603050405020304"/>
-              <a:cs typeface="Times New Roman" panose="02020603050405020304"/>
-            </a:endParaRPr>
-          </a:p>
-          <a:p>
-            <a:pPr>
-              <a:lnSpc>
-                <a:spcPct val="100000"/>
-              </a:lnSpc>
-            </a:pPr>
-            <a:endParaRPr sz="2400">
-              <a:latin typeface="Times New Roman" panose="02020603050405020304"/>
-              <a:cs typeface="Times New Roman" panose="02020603050405020304"/>
-            </a:endParaRPr>
-          </a:p>
-          <a:p>
-            <a:pPr>
-              <a:lnSpc>
-                <a:spcPct val="100000"/>
-              </a:lnSpc>
-            </a:pPr>
-            <a:endParaRPr sz="2400">
-              <a:latin typeface="Times New Roman" panose="02020603050405020304"/>
-              <a:cs typeface="Times New Roman" panose="02020603050405020304"/>
-            </a:endParaRPr>
-          </a:p>
-          <a:p>
-            <a:pPr algn="ctr">
-              <a:lnSpc>
-                <a:spcPct val="100000"/>
-              </a:lnSpc>
-              <a:spcBef>
-                <a:spcPts val="2150"/>
-              </a:spcBef>
-            </a:pPr>
-            <a:r>
-              <a:rPr sz="1900" spc="-5" dirty="0">
-                <a:solidFill>
-                  <a:srgbClr val="404040"/>
-                </a:solidFill>
-                <a:latin typeface="Verdana" panose="020B0604030504040204"/>
-                <a:cs typeface="Verdana" panose="020B0604030504040204"/>
-              </a:rPr>
-              <a:t>Data</a:t>
-            </a:r>
-            <a:r>
-              <a:rPr sz="1900" spc="-140" dirty="0">
-                <a:solidFill>
-                  <a:srgbClr val="404040"/>
-                </a:solidFill>
-                <a:latin typeface="Verdana" panose="020B0604030504040204"/>
-                <a:cs typeface="Verdana" panose="020B0604030504040204"/>
-              </a:rPr>
-              <a:t> </a:t>
-            </a:r>
-            <a:r>
-              <a:rPr sz="1900" spc="5" dirty="0">
-                <a:solidFill>
-                  <a:srgbClr val="404040"/>
-                </a:solidFill>
-                <a:latin typeface="Verdana" panose="020B0604030504040204"/>
-                <a:cs typeface="Verdana" panose="020B0604030504040204"/>
-              </a:rPr>
-              <a:t>Center</a:t>
-            </a:r>
-            <a:endParaRPr sz="1900">
-              <a:latin typeface="Verdana" panose="020B0604030504040204"/>
-              <a:cs typeface="Verdana" panose="020B0604030504040204"/>
-            </a:endParaRPr>
+          <a:bodyPr/>
+          <a:p>
+            <a:endParaRPr lang="en-US"/>
           </a:p>
         </p:txBody>
       </p:sp>
       <p:sp>
         <p:nvSpPr>
-          <p:cNvPr id="7" name="object 7"/>
-          <p:cNvSpPr txBox="1"/>
-          <p:nvPr/>
-        </p:nvSpPr>
-        <p:spPr>
-          <a:xfrm>
-            <a:off x="7350982" y="6903336"/>
-            <a:ext cx="1554480" cy="314960"/>
-          </a:xfrm>
-          <a:prstGeom prst="rect">
-            <a:avLst/>
-          </a:prstGeom>
-        </p:spPr>
-        <p:txBody>
-          <a:bodyPr vert="horz" wrap="square" lIns="0" tIns="12700" rIns="0" bIns="0" rtlCol="0">
-            <a:spAutoFit/>
-          </a:bodyPr>
-          <a:lstStyle/>
-          <a:p>
-            <a:pPr marL="12700">
-              <a:lnSpc>
-                <a:spcPct val="100000"/>
-              </a:lnSpc>
-              <a:spcBef>
-                <a:spcPts val="100"/>
-              </a:spcBef>
-            </a:pPr>
-            <a:r>
-              <a:rPr sz="1900" i="1" spc="-15" dirty="0">
-                <a:solidFill>
-                  <a:srgbClr val="404040"/>
-                </a:solidFill>
-                <a:latin typeface="Verdana" panose="020B0604030504040204"/>
-                <a:cs typeface="Verdana" panose="020B0604030504040204"/>
-              </a:rPr>
-              <a:t>Nas</a:t>
-            </a:r>
-            <a:r>
-              <a:rPr sz="1900" i="1" spc="-80" dirty="0">
-                <a:solidFill>
-                  <a:srgbClr val="404040"/>
-                </a:solidFill>
-                <a:latin typeface="Verdana" panose="020B0604030504040204"/>
-                <a:cs typeface="Verdana" panose="020B0604030504040204"/>
-              </a:rPr>
-              <a:t>h</a:t>
-            </a:r>
-            <a:r>
-              <a:rPr sz="1900" i="1" spc="-25" dirty="0">
-                <a:solidFill>
-                  <a:srgbClr val="404040"/>
-                </a:solidFill>
-                <a:latin typeface="Verdana" panose="020B0604030504040204"/>
-                <a:cs typeface="Verdana" panose="020B0604030504040204"/>
-              </a:rPr>
-              <a:t>vill</a:t>
-            </a:r>
-            <a:r>
-              <a:rPr sz="1900" i="1" spc="-60" dirty="0">
-                <a:solidFill>
-                  <a:srgbClr val="404040"/>
-                </a:solidFill>
-                <a:latin typeface="Verdana" panose="020B0604030504040204"/>
-                <a:cs typeface="Verdana" panose="020B0604030504040204"/>
-              </a:rPr>
-              <a:t>e</a:t>
-            </a:r>
-            <a:r>
-              <a:rPr sz="1900" i="1" spc="-210" dirty="0">
-                <a:solidFill>
-                  <a:srgbClr val="404040"/>
-                </a:solidFill>
-                <a:latin typeface="Verdana" panose="020B0604030504040204"/>
-                <a:cs typeface="Verdana" panose="020B0604030504040204"/>
-              </a:rPr>
-              <a:t>,</a:t>
-            </a:r>
-            <a:r>
-              <a:rPr sz="1900" i="1" spc="-100" dirty="0">
-                <a:solidFill>
-                  <a:srgbClr val="404040"/>
-                </a:solidFill>
-                <a:latin typeface="Verdana" panose="020B0604030504040204"/>
-                <a:cs typeface="Verdana" panose="020B0604030504040204"/>
-              </a:rPr>
-              <a:t> </a:t>
-            </a:r>
-            <a:r>
-              <a:rPr sz="1900" i="1" spc="35" dirty="0">
-                <a:solidFill>
-                  <a:srgbClr val="404040"/>
-                </a:solidFill>
-                <a:latin typeface="Verdana" panose="020B0604030504040204"/>
-                <a:cs typeface="Verdana" panose="020B0604030504040204"/>
-              </a:rPr>
-              <a:t>TN</a:t>
-            </a:r>
-            <a:endParaRPr sz="1900">
-              <a:latin typeface="Verdana" panose="020B0604030504040204"/>
-              <a:cs typeface="Verdana" panose="020B0604030504040204"/>
-            </a:endParaRPr>
-          </a:p>
-        </p:txBody>
-      </p:sp>
-      <p:grpSp>
-        <p:nvGrpSpPr>
-          <p:cNvPr id="8" name="object 8"/>
-          <p:cNvGrpSpPr/>
-          <p:nvPr/>
-        </p:nvGrpSpPr>
-        <p:grpSpPr>
-          <a:xfrm>
-            <a:off x="435303" y="3223014"/>
-            <a:ext cx="9744710" cy="3712210"/>
-            <a:chOff x="435303" y="3223014"/>
-            <a:chExt cx="9744710" cy="3712210"/>
-          </a:xfrm>
-        </p:grpSpPr>
-        <p:pic>
-          <p:nvPicPr>
-            <p:cNvPr id="9" name="object 9"/>
-            <p:cNvPicPr/>
-            <p:nvPr/>
-          </p:nvPicPr>
-          <p:blipFill>
-            <a:blip r:embed="rId1" cstate="print"/>
-            <a:stretch>
-              <a:fillRect/>
-            </a:stretch>
-          </p:blipFill>
-          <p:spPr>
-            <a:xfrm>
-              <a:off x="9094941" y="3536307"/>
-              <a:ext cx="1084750" cy="1066800"/>
-            </a:xfrm>
-            <a:prstGeom prst="rect">
-              <a:avLst/>
-            </a:prstGeom>
-          </p:spPr>
-        </p:pic>
-        <p:pic>
-          <p:nvPicPr>
-            <p:cNvPr id="10" name="object 10"/>
-            <p:cNvPicPr/>
-            <p:nvPr/>
-          </p:nvPicPr>
-          <p:blipFill>
-            <a:blip r:embed="rId2" cstate="print"/>
-            <a:stretch>
-              <a:fillRect/>
-            </a:stretch>
-          </p:blipFill>
-          <p:spPr>
-            <a:xfrm>
-              <a:off x="6127108" y="3536307"/>
-              <a:ext cx="1084751" cy="1066800"/>
-            </a:xfrm>
-            <a:prstGeom prst="rect">
-              <a:avLst/>
-            </a:prstGeom>
-          </p:spPr>
-        </p:pic>
-        <p:pic>
-          <p:nvPicPr>
-            <p:cNvPr id="11" name="object 11"/>
-            <p:cNvPicPr/>
-            <p:nvPr/>
-          </p:nvPicPr>
-          <p:blipFill>
-            <a:blip r:embed="rId3" cstate="print"/>
-            <a:stretch>
-              <a:fillRect/>
-            </a:stretch>
-          </p:blipFill>
-          <p:spPr>
-            <a:xfrm>
-              <a:off x="7611024" y="3536307"/>
-              <a:ext cx="1084751" cy="1066800"/>
-            </a:xfrm>
-            <a:prstGeom prst="rect">
-              <a:avLst/>
-            </a:prstGeom>
-          </p:spPr>
-        </p:pic>
-        <p:sp>
-          <p:nvSpPr>
-            <p:cNvPr id="12" name="object 12"/>
-            <p:cNvSpPr/>
-            <p:nvPr/>
-          </p:nvSpPr>
-          <p:spPr>
-            <a:xfrm>
-              <a:off x="454353" y="3242064"/>
-              <a:ext cx="4860925" cy="3376295"/>
-            </a:xfrm>
-            <a:custGeom>
-              <a:avLst/>
-              <a:gdLst/>
-              <a:ahLst/>
-              <a:cxnLst/>
-              <a:rect l="l" t="t" r="r" b="b"/>
-              <a:pathLst>
-                <a:path w="4860925" h="3376295">
-                  <a:moveTo>
-                    <a:pt x="0" y="0"/>
-                  </a:moveTo>
-                  <a:lnTo>
-                    <a:pt x="4860521" y="0"/>
-                  </a:lnTo>
-                  <a:lnTo>
-                    <a:pt x="4860521" y="3376232"/>
-                  </a:lnTo>
-                  <a:lnTo>
-                    <a:pt x="0" y="3376232"/>
-                  </a:lnTo>
-                  <a:lnTo>
-                    <a:pt x="0" y="0"/>
-                  </a:lnTo>
-                  <a:close/>
-                </a:path>
-              </a:pathLst>
-            </a:custGeom>
-            <a:ln w="38100">
-              <a:solidFill>
-                <a:srgbClr val="2A9FBC"/>
-              </a:solidFill>
-            </a:ln>
-          </p:spPr>
-          <p:txBody>
-            <a:bodyPr wrap="square" lIns="0" tIns="0" rIns="0" bIns="0" rtlCol="0"/>
-            <a:lstStyle/>
-            <a:p/>
-          </p:txBody>
-        </p:sp>
-        <p:sp>
-          <p:nvSpPr>
-            <p:cNvPr id="13" name="object 13"/>
-            <p:cNvSpPr/>
-            <p:nvPr/>
-          </p:nvSpPr>
-          <p:spPr>
-            <a:xfrm>
-              <a:off x="1984162" y="6330989"/>
-              <a:ext cx="1801495" cy="603885"/>
-            </a:xfrm>
-            <a:custGeom>
-              <a:avLst/>
-              <a:gdLst/>
-              <a:ahLst/>
-              <a:cxnLst/>
-              <a:rect l="l" t="t" r="r" b="b"/>
-              <a:pathLst>
-                <a:path w="1801495" h="603884">
-                  <a:moveTo>
-                    <a:pt x="1800901" y="0"/>
-                  </a:moveTo>
-                  <a:lnTo>
-                    <a:pt x="0" y="0"/>
-                  </a:lnTo>
-                  <a:lnTo>
-                    <a:pt x="0" y="603673"/>
-                  </a:lnTo>
-                  <a:lnTo>
-                    <a:pt x="1800901" y="603673"/>
-                  </a:lnTo>
-                  <a:lnTo>
-                    <a:pt x="1800901" y="0"/>
-                  </a:lnTo>
-                  <a:close/>
-                </a:path>
-              </a:pathLst>
-            </a:custGeom>
-            <a:solidFill>
-              <a:srgbClr val="FFFFFF"/>
-            </a:solidFill>
-          </p:spPr>
-          <p:txBody>
-            <a:bodyPr wrap="square" lIns="0" tIns="0" rIns="0" bIns="0" rtlCol="0"/>
-            <a:lstStyle/>
-            <a:p/>
-          </p:txBody>
-        </p:sp>
-      </p:grpSp>
-      <p:sp>
-        <p:nvSpPr>
-          <p:cNvPr id="14" name="object 14"/>
-          <p:cNvSpPr txBox="1"/>
-          <p:nvPr/>
-        </p:nvSpPr>
-        <p:spPr>
-          <a:xfrm>
-            <a:off x="454353" y="3242064"/>
-            <a:ext cx="4860925" cy="3376295"/>
-          </a:xfrm>
-          <a:prstGeom prst="rect">
-            <a:avLst/>
-          </a:prstGeom>
-          <a:ln w="38100">
-            <a:solidFill>
-              <a:srgbClr val="2A9FBC"/>
-            </a:solidFill>
-          </a:ln>
-        </p:spPr>
-        <p:txBody>
-          <a:bodyPr vert="horz" wrap="square" lIns="0" tIns="0" rIns="0" bIns="0" rtlCol="0">
-            <a:spAutoFit/>
-          </a:bodyPr>
-          <a:lstStyle/>
-          <a:p>
-            <a:pPr>
-              <a:lnSpc>
-                <a:spcPct val="100000"/>
-              </a:lnSpc>
-            </a:pPr>
-            <a:endParaRPr sz="2400">
-              <a:latin typeface="Times New Roman" panose="02020603050405020304"/>
-              <a:cs typeface="Times New Roman" panose="02020603050405020304"/>
-            </a:endParaRPr>
-          </a:p>
-          <a:p>
-            <a:pPr>
-              <a:lnSpc>
-                <a:spcPct val="100000"/>
-              </a:lnSpc>
-            </a:pPr>
-            <a:endParaRPr sz="2400">
-              <a:latin typeface="Times New Roman" panose="02020603050405020304"/>
-              <a:cs typeface="Times New Roman" panose="02020603050405020304"/>
-            </a:endParaRPr>
-          </a:p>
-          <a:p>
-            <a:pPr>
-              <a:lnSpc>
-                <a:spcPct val="100000"/>
-              </a:lnSpc>
-            </a:pPr>
-            <a:endParaRPr sz="2400">
-              <a:latin typeface="Times New Roman" panose="02020603050405020304"/>
-              <a:cs typeface="Times New Roman" panose="02020603050405020304"/>
-            </a:endParaRPr>
-          </a:p>
-          <a:p>
-            <a:pPr>
-              <a:lnSpc>
-                <a:spcPct val="100000"/>
-              </a:lnSpc>
-            </a:pPr>
-            <a:endParaRPr sz="2400">
-              <a:latin typeface="Times New Roman" panose="02020603050405020304"/>
-              <a:cs typeface="Times New Roman" panose="02020603050405020304"/>
-            </a:endParaRPr>
-          </a:p>
-          <a:p>
-            <a:pPr>
-              <a:lnSpc>
-                <a:spcPct val="100000"/>
-              </a:lnSpc>
-            </a:pPr>
-            <a:endParaRPr sz="2400">
-              <a:latin typeface="Times New Roman" panose="02020603050405020304"/>
-              <a:cs typeface="Times New Roman" panose="02020603050405020304"/>
-            </a:endParaRPr>
-          </a:p>
-          <a:p>
-            <a:pPr>
-              <a:lnSpc>
-                <a:spcPct val="100000"/>
-              </a:lnSpc>
-            </a:pPr>
-            <a:endParaRPr sz="2400">
-              <a:latin typeface="Times New Roman" panose="02020603050405020304"/>
-              <a:cs typeface="Times New Roman" panose="02020603050405020304"/>
-            </a:endParaRPr>
-          </a:p>
-          <a:p>
-            <a:pPr>
-              <a:lnSpc>
-                <a:spcPct val="100000"/>
-              </a:lnSpc>
-            </a:pPr>
-            <a:endParaRPr sz="2400">
-              <a:latin typeface="Times New Roman" panose="02020603050405020304"/>
-              <a:cs typeface="Times New Roman" panose="02020603050405020304"/>
-            </a:endParaRPr>
-          </a:p>
-          <a:p>
-            <a:pPr>
-              <a:lnSpc>
-                <a:spcPct val="100000"/>
-              </a:lnSpc>
-            </a:pPr>
-            <a:endParaRPr sz="2400">
-              <a:latin typeface="Times New Roman" panose="02020603050405020304"/>
-              <a:cs typeface="Times New Roman" panose="02020603050405020304"/>
-            </a:endParaRPr>
-          </a:p>
-          <a:p>
-            <a:pPr algn="ctr">
-              <a:lnSpc>
-                <a:spcPct val="100000"/>
-              </a:lnSpc>
-              <a:spcBef>
-                <a:spcPts val="2150"/>
-              </a:spcBef>
-            </a:pPr>
-            <a:r>
-              <a:rPr sz="1900" spc="-5" dirty="0">
-                <a:solidFill>
-                  <a:srgbClr val="404040"/>
-                </a:solidFill>
-                <a:latin typeface="Verdana" panose="020B0604030504040204"/>
-                <a:cs typeface="Verdana" panose="020B0604030504040204"/>
-              </a:rPr>
-              <a:t>Data</a:t>
-            </a:r>
-            <a:r>
-              <a:rPr sz="1900" spc="-140" dirty="0">
-                <a:solidFill>
-                  <a:srgbClr val="404040"/>
-                </a:solidFill>
-                <a:latin typeface="Verdana" panose="020B0604030504040204"/>
-                <a:cs typeface="Verdana" panose="020B0604030504040204"/>
-              </a:rPr>
-              <a:t> </a:t>
-            </a:r>
-            <a:r>
-              <a:rPr sz="1900" spc="5" dirty="0">
-                <a:solidFill>
-                  <a:srgbClr val="404040"/>
-                </a:solidFill>
-                <a:latin typeface="Verdana" panose="020B0604030504040204"/>
-                <a:cs typeface="Verdana" panose="020B0604030504040204"/>
-              </a:rPr>
-              <a:t>Center</a:t>
-            </a:r>
-            <a:endParaRPr sz="1900">
-              <a:latin typeface="Verdana" panose="020B0604030504040204"/>
-              <a:cs typeface="Verdana" panose="020B0604030504040204"/>
-            </a:endParaRPr>
-          </a:p>
-        </p:txBody>
-      </p:sp>
-      <p:sp>
-        <p:nvSpPr>
-          <p:cNvPr id="15" name="object 15"/>
-          <p:cNvSpPr txBox="1"/>
-          <p:nvPr/>
-        </p:nvSpPr>
-        <p:spPr>
-          <a:xfrm>
-            <a:off x="2011678" y="6903335"/>
-            <a:ext cx="1746250" cy="314960"/>
-          </a:xfrm>
-          <a:prstGeom prst="rect">
-            <a:avLst/>
-          </a:prstGeom>
-        </p:spPr>
-        <p:txBody>
-          <a:bodyPr vert="horz" wrap="square" lIns="0" tIns="12700" rIns="0" bIns="0" rtlCol="0">
-            <a:spAutoFit/>
-          </a:bodyPr>
-          <a:lstStyle/>
-          <a:p>
-            <a:pPr marL="12700">
-              <a:lnSpc>
-                <a:spcPct val="100000"/>
-              </a:lnSpc>
-              <a:spcBef>
-                <a:spcPts val="100"/>
-              </a:spcBef>
-            </a:pPr>
-            <a:r>
-              <a:rPr sz="1900" i="1" spc="-35" dirty="0">
-                <a:solidFill>
-                  <a:srgbClr val="404040"/>
-                </a:solidFill>
-                <a:latin typeface="Verdana" panose="020B0604030504040204"/>
-                <a:cs typeface="Verdana" panose="020B0604030504040204"/>
-              </a:rPr>
-              <a:t>Dublin,</a:t>
-            </a:r>
-            <a:r>
-              <a:rPr sz="1900" i="1" spc="-100" dirty="0">
-                <a:solidFill>
-                  <a:srgbClr val="404040"/>
-                </a:solidFill>
-                <a:latin typeface="Verdana" panose="020B0604030504040204"/>
-                <a:cs typeface="Verdana" panose="020B0604030504040204"/>
-              </a:rPr>
-              <a:t> </a:t>
-            </a:r>
-            <a:r>
-              <a:rPr sz="1900" i="1" spc="-150" dirty="0">
-                <a:solidFill>
-                  <a:srgbClr val="404040"/>
-                </a:solidFill>
-                <a:latin typeface="Verdana" panose="020B0604030504040204"/>
-                <a:cs typeface="Verdana" panose="020B0604030504040204"/>
-              </a:rPr>
-              <a:t>I</a:t>
-            </a:r>
-            <a:r>
-              <a:rPr sz="1900" i="1" spc="-160" dirty="0">
-                <a:solidFill>
-                  <a:srgbClr val="404040"/>
-                </a:solidFill>
-                <a:latin typeface="Verdana" panose="020B0604030504040204"/>
-                <a:cs typeface="Verdana" panose="020B0604030504040204"/>
-              </a:rPr>
-              <a:t>r</a:t>
-            </a:r>
-            <a:r>
-              <a:rPr sz="1900" i="1" spc="-10" dirty="0">
-                <a:solidFill>
-                  <a:srgbClr val="404040"/>
-                </a:solidFill>
-                <a:latin typeface="Verdana" panose="020B0604030504040204"/>
-                <a:cs typeface="Verdana" panose="020B0604030504040204"/>
-              </a:rPr>
-              <a:t>eland</a:t>
-            </a:r>
-            <a:endParaRPr sz="1900">
-              <a:latin typeface="Verdana" panose="020B0604030504040204"/>
-              <a:cs typeface="Verdana" panose="020B0604030504040204"/>
-            </a:endParaRPr>
-          </a:p>
-        </p:txBody>
-      </p:sp>
-      <p:grpSp>
-        <p:nvGrpSpPr>
-          <p:cNvPr id="16" name="object 16"/>
-          <p:cNvGrpSpPr/>
-          <p:nvPr/>
-        </p:nvGrpSpPr>
-        <p:grpSpPr>
-          <a:xfrm>
-            <a:off x="883721" y="3223014"/>
-            <a:ext cx="14987905" cy="3712210"/>
-            <a:chOff x="883721" y="3223014"/>
-            <a:chExt cx="14987905" cy="3712210"/>
-          </a:xfrm>
-        </p:grpSpPr>
-        <p:pic>
-          <p:nvPicPr>
-            <p:cNvPr id="17" name="object 17"/>
-            <p:cNvPicPr/>
-            <p:nvPr/>
-          </p:nvPicPr>
-          <p:blipFill>
-            <a:blip r:embed="rId1" cstate="print"/>
-            <a:stretch>
-              <a:fillRect/>
-            </a:stretch>
-          </p:blipFill>
-          <p:spPr>
-            <a:xfrm>
-              <a:off x="3851554" y="3536307"/>
-              <a:ext cx="1084750" cy="1066800"/>
-            </a:xfrm>
-            <a:prstGeom prst="rect">
-              <a:avLst/>
-            </a:prstGeom>
-          </p:spPr>
-        </p:pic>
-        <p:pic>
-          <p:nvPicPr>
-            <p:cNvPr id="18" name="object 18"/>
-            <p:cNvPicPr/>
-            <p:nvPr/>
-          </p:nvPicPr>
-          <p:blipFill>
-            <a:blip r:embed="rId2" cstate="print"/>
-            <a:stretch>
-              <a:fillRect/>
-            </a:stretch>
-          </p:blipFill>
-          <p:spPr>
-            <a:xfrm>
-              <a:off x="883721" y="3536307"/>
-              <a:ext cx="1084751" cy="1066800"/>
-            </a:xfrm>
-            <a:prstGeom prst="rect">
-              <a:avLst/>
-            </a:prstGeom>
-          </p:spPr>
-        </p:pic>
-        <p:pic>
-          <p:nvPicPr>
-            <p:cNvPr id="19" name="object 19"/>
-            <p:cNvPicPr/>
-            <p:nvPr/>
-          </p:nvPicPr>
-          <p:blipFill>
-            <a:blip r:embed="rId3" cstate="print"/>
-            <a:stretch>
-              <a:fillRect/>
-            </a:stretch>
-          </p:blipFill>
-          <p:spPr>
-            <a:xfrm>
-              <a:off x="2367638" y="3536307"/>
-              <a:ext cx="1084751" cy="1066800"/>
-            </a:xfrm>
-            <a:prstGeom prst="rect">
-              <a:avLst/>
-            </a:prstGeom>
-          </p:spPr>
-        </p:pic>
-        <p:sp>
-          <p:nvSpPr>
-            <p:cNvPr id="20" name="object 20"/>
-            <p:cNvSpPr/>
-            <p:nvPr/>
-          </p:nvSpPr>
-          <p:spPr>
-            <a:xfrm>
-              <a:off x="10991925" y="3242064"/>
-              <a:ext cx="4860925" cy="3376295"/>
-            </a:xfrm>
-            <a:custGeom>
-              <a:avLst/>
-              <a:gdLst/>
-              <a:ahLst/>
-              <a:cxnLst/>
-              <a:rect l="l" t="t" r="r" b="b"/>
-              <a:pathLst>
-                <a:path w="4860925" h="3376295">
-                  <a:moveTo>
-                    <a:pt x="0" y="0"/>
-                  </a:moveTo>
-                  <a:lnTo>
-                    <a:pt x="4860521" y="0"/>
-                  </a:lnTo>
-                  <a:lnTo>
-                    <a:pt x="4860521" y="3376232"/>
-                  </a:lnTo>
-                  <a:lnTo>
-                    <a:pt x="0" y="3376232"/>
-                  </a:lnTo>
-                  <a:lnTo>
-                    <a:pt x="0" y="0"/>
-                  </a:lnTo>
-                  <a:close/>
-                </a:path>
-              </a:pathLst>
-            </a:custGeom>
-            <a:ln w="38100">
-              <a:solidFill>
-                <a:srgbClr val="2A9FBC"/>
-              </a:solidFill>
-            </a:ln>
-          </p:spPr>
-          <p:txBody>
-            <a:bodyPr wrap="square" lIns="0" tIns="0" rIns="0" bIns="0" rtlCol="0"/>
-            <a:lstStyle/>
-            <a:p/>
-          </p:txBody>
-        </p:sp>
-        <p:sp>
-          <p:nvSpPr>
-            <p:cNvPr id="21" name="object 21"/>
-            <p:cNvSpPr/>
-            <p:nvPr/>
-          </p:nvSpPr>
-          <p:spPr>
-            <a:xfrm>
-              <a:off x="12655053" y="6330989"/>
-              <a:ext cx="1534795" cy="603885"/>
-            </a:xfrm>
-            <a:custGeom>
-              <a:avLst/>
-              <a:gdLst/>
-              <a:ahLst/>
-              <a:cxnLst/>
-              <a:rect l="l" t="t" r="r" b="b"/>
-              <a:pathLst>
-                <a:path w="1534794" h="603884">
-                  <a:moveTo>
-                    <a:pt x="1534265" y="0"/>
-                  </a:moveTo>
-                  <a:lnTo>
-                    <a:pt x="0" y="0"/>
-                  </a:lnTo>
-                  <a:lnTo>
-                    <a:pt x="0" y="603673"/>
-                  </a:lnTo>
-                  <a:lnTo>
-                    <a:pt x="1534265" y="603673"/>
-                  </a:lnTo>
-                  <a:lnTo>
-                    <a:pt x="1534265" y="0"/>
-                  </a:lnTo>
-                  <a:close/>
-                </a:path>
-              </a:pathLst>
-            </a:custGeom>
-            <a:solidFill>
-              <a:srgbClr val="FFFFFF"/>
-            </a:solidFill>
-          </p:spPr>
-          <p:txBody>
-            <a:bodyPr wrap="square" lIns="0" tIns="0" rIns="0" bIns="0" rtlCol="0"/>
-            <a:lstStyle/>
-            <a:p/>
-          </p:txBody>
-        </p:sp>
-      </p:grpSp>
-      <p:sp>
-        <p:nvSpPr>
-          <p:cNvPr id="22" name="object 22"/>
-          <p:cNvSpPr txBox="1"/>
-          <p:nvPr/>
-        </p:nvSpPr>
-        <p:spPr>
-          <a:xfrm>
-            <a:off x="10991925" y="3242064"/>
-            <a:ext cx="4860925" cy="3376295"/>
-          </a:xfrm>
-          <a:prstGeom prst="rect">
-            <a:avLst/>
-          </a:prstGeom>
-          <a:ln w="38100">
-            <a:solidFill>
-              <a:srgbClr val="2A9FBC"/>
-            </a:solidFill>
-          </a:ln>
-        </p:spPr>
-        <p:txBody>
-          <a:bodyPr vert="horz" wrap="square" lIns="0" tIns="0" rIns="0" bIns="0" rtlCol="0">
-            <a:spAutoFit/>
-          </a:bodyPr>
-          <a:lstStyle/>
-          <a:p>
-            <a:pPr>
-              <a:lnSpc>
-                <a:spcPct val="100000"/>
-              </a:lnSpc>
-            </a:pPr>
-            <a:endParaRPr sz="2400">
-              <a:latin typeface="Times New Roman" panose="02020603050405020304"/>
-              <a:cs typeface="Times New Roman" panose="02020603050405020304"/>
-            </a:endParaRPr>
-          </a:p>
-          <a:p>
-            <a:pPr>
-              <a:lnSpc>
-                <a:spcPct val="100000"/>
-              </a:lnSpc>
-            </a:pPr>
-            <a:endParaRPr sz="2400">
-              <a:latin typeface="Times New Roman" panose="02020603050405020304"/>
-              <a:cs typeface="Times New Roman" panose="02020603050405020304"/>
-            </a:endParaRPr>
-          </a:p>
-          <a:p>
-            <a:pPr>
-              <a:lnSpc>
-                <a:spcPct val="100000"/>
-              </a:lnSpc>
-            </a:pPr>
-            <a:endParaRPr sz="2400">
-              <a:latin typeface="Times New Roman" panose="02020603050405020304"/>
-              <a:cs typeface="Times New Roman" panose="02020603050405020304"/>
-            </a:endParaRPr>
-          </a:p>
-          <a:p>
-            <a:pPr>
-              <a:lnSpc>
-                <a:spcPct val="100000"/>
-              </a:lnSpc>
-            </a:pPr>
-            <a:endParaRPr sz="2400">
-              <a:latin typeface="Times New Roman" panose="02020603050405020304"/>
-              <a:cs typeface="Times New Roman" panose="02020603050405020304"/>
-            </a:endParaRPr>
-          </a:p>
-          <a:p>
-            <a:pPr>
-              <a:lnSpc>
-                <a:spcPct val="100000"/>
-              </a:lnSpc>
-            </a:pPr>
-            <a:endParaRPr sz="2400">
-              <a:latin typeface="Times New Roman" panose="02020603050405020304"/>
-              <a:cs typeface="Times New Roman" panose="02020603050405020304"/>
-            </a:endParaRPr>
-          </a:p>
-          <a:p>
-            <a:pPr>
-              <a:lnSpc>
-                <a:spcPct val="100000"/>
-              </a:lnSpc>
-            </a:pPr>
-            <a:endParaRPr sz="2400">
-              <a:latin typeface="Times New Roman" panose="02020603050405020304"/>
-              <a:cs typeface="Times New Roman" panose="02020603050405020304"/>
-            </a:endParaRPr>
-          </a:p>
-          <a:p>
-            <a:pPr>
-              <a:lnSpc>
-                <a:spcPct val="100000"/>
-              </a:lnSpc>
-            </a:pPr>
-            <a:endParaRPr sz="2400">
-              <a:latin typeface="Times New Roman" panose="02020603050405020304"/>
-              <a:cs typeface="Times New Roman" panose="02020603050405020304"/>
-            </a:endParaRPr>
-          </a:p>
-          <a:p>
-            <a:pPr>
-              <a:lnSpc>
-                <a:spcPct val="100000"/>
-              </a:lnSpc>
-            </a:pPr>
-            <a:endParaRPr sz="2400">
-              <a:latin typeface="Times New Roman" panose="02020603050405020304"/>
-              <a:cs typeface="Times New Roman" panose="02020603050405020304"/>
-            </a:endParaRPr>
-          </a:p>
-          <a:p>
-            <a:pPr algn="ctr">
-              <a:lnSpc>
-                <a:spcPct val="100000"/>
-              </a:lnSpc>
-              <a:spcBef>
-                <a:spcPts val="2150"/>
-              </a:spcBef>
-            </a:pPr>
-            <a:r>
-              <a:rPr sz="1900" spc="-5" dirty="0">
-                <a:solidFill>
-                  <a:srgbClr val="404040"/>
-                </a:solidFill>
-                <a:latin typeface="Verdana" panose="020B0604030504040204"/>
-                <a:cs typeface="Verdana" panose="020B0604030504040204"/>
-              </a:rPr>
-              <a:t>Data</a:t>
-            </a:r>
-            <a:r>
-              <a:rPr sz="1900" spc="-140" dirty="0">
-                <a:solidFill>
-                  <a:srgbClr val="404040"/>
-                </a:solidFill>
-                <a:latin typeface="Verdana" panose="020B0604030504040204"/>
-                <a:cs typeface="Verdana" panose="020B0604030504040204"/>
-              </a:rPr>
-              <a:t> </a:t>
-            </a:r>
-            <a:r>
-              <a:rPr sz="1900" spc="5" dirty="0">
-                <a:solidFill>
-                  <a:srgbClr val="404040"/>
-                </a:solidFill>
-                <a:latin typeface="Verdana" panose="020B0604030504040204"/>
-                <a:cs typeface="Verdana" panose="020B0604030504040204"/>
-              </a:rPr>
-              <a:t>Center</a:t>
-            </a:r>
-            <a:endParaRPr sz="1900">
-              <a:latin typeface="Verdana" panose="020B0604030504040204"/>
-              <a:cs typeface="Verdana" panose="020B0604030504040204"/>
-            </a:endParaRPr>
-          </a:p>
-        </p:txBody>
-      </p:sp>
-      <p:sp>
-        <p:nvSpPr>
-          <p:cNvPr id="23" name="object 23"/>
-          <p:cNvSpPr txBox="1"/>
-          <p:nvPr/>
-        </p:nvSpPr>
-        <p:spPr>
-          <a:xfrm>
-            <a:off x="12802374" y="6903335"/>
-            <a:ext cx="1240155" cy="314960"/>
-          </a:xfrm>
-          <a:prstGeom prst="rect">
-            <a:avLst/>
-          </a:prstGeom>
-        </p:spPr>
-        <p:txBody>
-          <a:bodyPr vert="horz" wrap="square" lIns="0" tIns="12700" rIns="0" bIns="0" rtlCol="0">
-            <a:spAutoFit/>
-          </a:bodyPr>
-          <a:lstStyle/>
-          <a:p>
-            <a:pPr marL="12700">
-              <a:lnSpc>
-                <a:spcPct val="100000"/>
-              </a:lnSpc>
-              <a:spcBef>
-                <a:spcPts val="100"/>
-              </a:spcBef>
-            </a:pPr>
-            <a:r>
-              <a:rPr sz="1900" i="1" spc="-10" dirty="0">
-                <a:solidFill>
-                  <a:srgbClr val="404040"/>
-                </a:solidFill>
-                <a:latin typeface="Verdana" panose="020B0604030504040204"/>
-                <a:cs typeface="Verdana" panose="020B0604030504040204"/>
-              </a:rPr>
-              <a:t>Singapo</a:t>
-            </a:r>
-            <a:r>
-              <a:rPr sz="1900" i="1" spc="-15" dirty="0">
-                <a:solidFill>
-                  <a:srgbClr val="404040"/>
-                </a:solidFill>
-                <a:latin typeface="Verdana" panose="020B0604030504040204"/>
-                <a:cs typeface="Verdana" panose="020B0604030504040204"/>
-              </a:rPr>
-              <a:t>r</a:t>
-            </a:r>
-            <a:r>
-              <a:rPr sz="1900" i="1" spc="-15" dirty="0">
-                <a:solidFill>
-                  <a:srgbClr val="404040"/>
-                </a:solidFill>
-                <a:latin typeface="Verdana" panose="020B0604030504040204"/>
-                <a:cs typeface="Verdana" panose="020B0604030504040204"/>
-              </a:rPr>
-              <a:t>e</a:t>
-            </a:r>
-            <a:endParaRPr sz="1900">
-              <a:latin typeface="Verdana" panose="020B0604030504040204"/>
-              <a:cs typeface="Verdana" panose="020B0604030504040204"/>
-            </a:endParaRPr>
-          </a:p>
-        </p:txBody>
-      </p:sp>
-      <p:grpSp>
-        <p:nvGrpSpPr>
-          <p:cNvPr id="24" name="object 24"/>
-          <p:cNvGrpSpPr/>
-          <p:nvPr/>
-        </p:nvGrpSpPr>
-        <p:grpSpPr>
-          <a:xfrm>
-            <a:off x="5285221" y="3536307"/>
-            <a:ext cx="10189210" cy="2464435"/>
-            <a:chOff x="5285221" y="3536307"/>
-            <a:chExt cx="10189210" cy="2464435"/>
-          </a:xfrm>
-        </p:grpSpPr>
-        <p:pic>
-          <p:nvPicPr>
-            <p:cNvPr id="25" name="object 25"/>
-            <p:cNvPicPr/>
-            <p:nvPr/>
-          </p:nvPicPr>
-          <p:blipFill>
-            <a:blip r:embed="rId1" cstate="print"/>
-            <a:stretch>
-              <a:fillRect/>
-            </a:stretch>
-          </p:blipFill>
-          <p:spPr>
-            <a:xfrm>
-              <a:off x="9094941" y="4933649"/>
-              <a:ext cx="1084750" cy="1066799"/>
-            </a:xfrm>
-            <a:prstGeom prst="rect">
-              <a:avLst/>
-            </a:prstGeom>
-          </p:spPr>
-        </p:pic>
-        <p:pic>
-          <p:nvPicPr>
-            <p:cNvPr id="26" name="object 26"/>
-            <p:cNvPicPr/>
-            <p:nvPr/>
-          </p:nvPicPr>
-          <p:blipFill>
-            <a:blip r:embed="rId2" cstate="print"/>
-            <a:stretch>
-              <a:fillRect/>
-            </a:stretch>
-          </p:blipFill>
-          <p:spPr>
-            <a:xfrm>
-              <a:off x="6127108" y="4933649"/>
-              <a:ext cx="1084751" cy="1066799"/>
-            </a:xfrm>
-            <a:prstGeom prst="rect">
-              <a:avLst/>
-            </a:prstGeom>
-          </p:spPr>
-        </p:pic>
-        <p:pic>
-          <p:nvPicPr>
-            <p:cNvPr id="27" name="object 27"/>
-            <p:cNvPicPr/>
-            <p:nvPr/>
-          </p:nvPicPr>
-          <p:blipFill>
-            <a:blip r:embed="rId3" cstate="print"/>
-            <a:stretch>
-              <a:fillRect/>
-            </a:stretch>
-          </p:blipFill>
-          <p:spPr>
-            <a:xfrm>
-              <a:off x="7611024" y="4933649"/>
-              <a:ext cx="1084751" cy="1066799"/>
-            </a:xfrm>
-            <a:prstGeom prst="rect">
-              <a:avLst/>
-            </a:prstGeom>
-          </p:spPr>
-        </p:pic>
-        <p:sp>
-          <p:nvSpPr>
-            <p:cNvPr id="28" name="object 28"/>
-            <p:cNvSpPr/>
-            <p:nvPr/>
-          </p:nvSpPr>
-          <p:spPr>
-            <a:xfrm>
-              <a:off x="5285221" y="5088364"/>
-              <a:ext cx="418465" cy="0"/>
-            </a:xfrm>
-            <a:custGeom>
-              <a:avLst/>
-              <a:gdLst/>
-              <a:ahLst/>
-              <a:cxnLst/>
-              <a:rect l="l" t="t" r="r" b="b"/>
-              <a:pathLst>
-                <a:path w="418464">
-                  <a:moveTo>
-                    <a:pt x="0" y="0"/>
-                  </a:moveTo>
-                  <a:lnTo>
-                    <a:pt x="417978" y="0"/>
-                  </a:lnTo>
-                </a:path>
-              </a:pathLst>
-            </a:custGeom>
-            <a:ln w="50800">
-              <a:solidFill>
-                <a:srgbClr val="606060"/>
-              </a:solidFill>
-              <a:prstDash val="dot"/>
-            </a:ln>
-          </p:spPr>
-          <p:txBody>
-            <a:bodyPr wrap="square" lIns="0" tIns="0" rIns="0" bIns="0" rtlCol="0"/>
-            <a:lstStyle/>
-            <a:p/>
-          </p:txBody>
-        </p:sp>
-        <p:pic>
-          <p:nvPicPr>
-            <p:cNvPr id="29" name="object 29"/>
-            <p:cNvPicPr/>
-            <p:nvPr/>
-          </p:nvPicPr>
-          <p:blipFill>
-            <a:blip r:embed="rId1" cstate="print"/>
-            <a:stretch>
-              <a:fillRect/>
-            </a:stretch>
-          </p:blipFill>
-          <p:spPr>
-            <a:xfrm>
-              <a:off x="14389125" y="3536307"/>
-              <a:ext cx="1084750" cy="1066800"/>
-            </a:xfrm>
-            <a:prstGeom prst="rect">
-              <a:avLst/>
-            </a:prstGeom>
-          </p:spPr>
-        </p:pic>
-        <p:pic>
-          <p:nvPicPr>
-            <p:cNvPr id="30" name="object 30"/>
-            <p:cNvPicPr/>
-            <p:nvPr/>
-          </p:nvPicPr>
-          <p:blipFill>
-            <a:blip r:embed="rId2" cstate="print"/>
-            <a:stretch>
-              <a:fillRect/>
-            </a:stretch>
-          </p:blipFill>
-          <p:spPr>
-            <a:xfrm>
-              <a:off x="11421295" y="3536307"/>
-              <a:ext cx="1084751" cy="1066800"/>
-            </a:xfrm>
-            <a:prstGeom prst="rect">
-              <a:avLst/>
-            </a:prstGeom>
-          </p:spPr>
-        </p:pic>
-        <p:pic>
-          <p:nvPicPr>
-            <p:cNvPr id="31" name="object 31"/>
-            <p:cNvPicPr/>
-            <p:nvPr/>
-          </p:nvPicPr>
-          <p:blipFill>
-            <a:blip r:embed="rId3" cstate="print"/>
-            <a:stretch>
-              <a:fillRect/>
-            </a:stretch>
-          </p:blipFill>
-          <p:spPr>
-            <a:xfrm>
-              <a:off x="12905206" y="3536307"/>
-              <a:ext cx="1084751" cy="1066800"/>
-            </a:xfrm>
-            <a:prstGeom prst="rect">
-              <a:avLst/>
-            </a:prstGeom>
-          </p:spPr>
-        </p:pic>
-        <p:sp>
-          <p:nvSpPr>
-            <p:cNvPr id="32" name="object 32"/>
-            <p:cNvSpPr/>
-            <p:nvPr/>
-          </p:nvSpPr>
-          <p:spPr>
-            <a:xfrm>
-              <a:off x="10578199" y="5101064"/>
-              <a:ext cx="418465" cy="0"/>
-            </a:xfrm>
-            <a:custGeom>
-              <a:avLst/>
-              <a:gdLst/>
-              <a:ahLst/>
-              <a:cxnLst/>
-              <a:rect l="l" t="t" r="r" b="b"/>
-              <a:pathLst>
-                <a:path w="418465">
-                  <a:moveTo>
-                    <a:pt x="0" y="0"/>
-                  </a:moveTo>
-                  <a:lnTo>
-                    <a:pt x="417978" y="0"/>
-                  </a:lnTo>
-                </a:path>
-              </a:pathLst>
-            </a:custGeom>
-            <a:ln w="50800">
-              <a:solidFill>
-                <a:srgbClr val="606060"/>
-              </a:solidFill>
-              <a:prstDash val="dot"/>
-            </a:ln>
-          </p:spPr>
-          <p:txBody>
-            <a:bodyPr wrap="square" lIns="0" tIns="0" rIns="0" bIns="0" rtlCol="0"/>
-            <a:lstStyle/>
-            <a:p/>
-          </p:txBody>
-        </p:sp>
-      </p:grpSp>
-      <p:sp>
-        <p:nvSpPr>
-          <p:cNvPr id="33" name="Slide Number Placeholder 32"/>
+          <p:cNvPr id="4" name="Slide Number Placeholder 3"/>
           <p:cNvSpPr>
             <a:spLocks noGrp="1"/>
           </p:cNvSpPr>
@@ -16367,194 +18725,48 @@
       </p:sp>
       <p:sp>
         <p:nvSpPr>
-          <p:cNvPr id="34" name="object 7"/>
-          <p:cNvSpPr txBox="1"/>
-          <p:nvPr/>
+          <p:cNvPr id="7" name="Content Placeholder 6"/>
+          <p:cNvSpPr>
+            <a:spLocks noGrp="1"/>
+          </p:cNvSpPr>
+          <p:nvPr>
+            <p:ph sz="half" idx="3"/>
+          </p:nvPr>
         </p:nvSpPr>
+        <p:spPr/>
+        <p:txBody>
+          <a:bodyPr/>
+          <a:p>
+            <a:endParaRPr lang="en-US"/>
+          </a:p>
+        </p:txBody>
+      </p:sp>
+      <p:pic>
+        <p:nvPicPr>
+          <p:cNvPr id="5" name="Content Placeholder 4"/>
+          <p:cNvPicPr>
+            <a:picLocks noChangeAspect="1"/>
+          </p:cNvPicPr>
+          <p:nvPr>
+            <p:ph sz="half" idx="2"/>
+          </p:nvPr>
+        </p:nvPicPr>
+        <p:blipFill>
+          <a:blip r:embed="rId1"/>
+          <a:stretch>
+            <a:fillRect/>
+          </a:stretch>
+        </p:blipFill>
         <p:spPr>
           <a:xfrm>
-            <a:off x="7366222" y="6903971"/>
-            <a:ext cx="1554480" cy="314960"/>
+            <a:off x="2032000" y="0"/>
+            <a:ext cx="12482830" cy="9128125"/>
           </a:xfrm>
           <a:prstGeom prst="rect">
             <a:avLst/>
           </a:prstGeom>
         </p:spPr>
-        <p:txBody>
-          <a:bodyPr vert="horz" wrap="square" lIns="0" tIns="12700" rIns="0" bIns="0" rtlCol="0">
-            <a:spAutoFit/>
-          </a:bodyPr>
-          <a:p>
-            <a:pPr marL="12700">
-              <a:lnSpc>
-                <a:spcPct val="100000"/>
-              </a:lnSpc>
-              <a:spcBef>
-                <a:spcPts val="100"/>
-              </a:spcBef>
-            </a:pPr>
-            <a:r>
-              <a:rPr sz="1900" i="1" spc="-15" dirty="0">
-                <a:solidFill>
-                  <a:srgbClr val="404040"/>
-                </a:solidFill>
-                <a:latin typeface="Verdana" panose="020B0604030504040204"/>
-                <a:cs typeface="Verdana" panose="020B0604030504040204"/>
-              </a:rPr>
-              <a:t>Nas</a:t>
-            </a:r>
-            <a:r>
-              <a:rPr sz="1900" i="1" spc="-80" dirty="0">
-                <a:solidFill>
-                  <a:srgbClr val="404040"/>
-                </a:solidFill>
-                <a:latin typeface="Verdana" panose="020B0604030504040204"/>
-                <a:cs typeface="Verdana" panose="020B0604030504040204"/>
-              </a:rPr>
-              <a:t>h</a:t>
-            </a:r>
-            <a:r>
-              <a:rPr sz="1900" i="1" spc="-25" dirty="0">
-                <a:solidFill>
-                  <a:srgbClr val="404040"/>
-                </a:solidFill>
-                <a:latin typeface="Verdana" panose="020B0604030504040204"/>
-                <a:cs typeface="Verdana" panose="020B0604030504040204"/>
-              </a:rPr>
-              <a:t>vill</a:t>
-            </a:r>
-            <a:r>
-              <a:rPr sz="1900" i="1" spc="-60" dirty="0">
-                <a:solidFill>
-                  <a:srgbClr val="404040"/>
-                </a:solidFill>
-                <a:latin typeface="Verdana" panose="020B0604030504040204"/>
-                <a:cs typeface="Verdana" panose="020B0604030504040204"/>
-              </a:rPr>
-              <a:t>e</a:t>
-            </a:r>
-            <a:r>
-              <a:rPr sz="1900" i="1" spc="-210" dirty="0">
-                <a:solidFill>
-                  <a:srgbClr val="404040"/>
-                </a:solidFill>
-                <a:latin typeface="Verdana" panose="020B0604030504040204"/>
-                <a:cs typeface="Verdana" panose="020B0604030504040204"/>
-              </a:rPr>
-              <a:t>,</a:t>
-            </a:r>
-            <a:r>
-              <a:rPr sz="1900" i="1" spc="-100" dirty="0">
-                <a:solidFill>
-                  <a:srgbClr val="404040"/>
-                </a:solidFill>
-                <a:latin typeface="Verdana" panose="020B0604030504040204"/>
-                <a:cs typeface="Verdana" panose="020B0604030504040204"/>
-              </a:rPr>
-              <a:t> </a:t>
-            </a:r>
-            <a:r>
-              <a:rPr sz="1900" i="1" spc="35" dirty="0">
-                <a:solidFill>
-                  <a:srgbClr val="404040"/>
-                </a:solidFill>
-                <a:latin typeface="Verdana" panose="020B0604030504040204"/>
-                <a:cs typeface="Verdana" panose="020B0604030504040204"/>
-              </a:rPr>
-              <a:t>TN</a:t>
-            </a:r>
-            <a:endParaRPr sz="1900">
-              <a:latin typeface="Verdana" panose="020B0604030504040204"/>
-              <a:cs typeface="Verdana" panose="020B0604030504040204"/>
-            </a:endParaRPr>
-          </a:p>
-        </p:txBody>
-      </p:sp>
-      <p:sp>
-        <p:nvSpPr>
-          <p:cNvPr id="35" name="object 15"/>
-          <p:cNvSpPr txBox="1"/>
-          <p:nvPr/>
-        </p:nvSpPr>
-        <p:spPr>
-          <a:xfrm>
-            <a:off x="2026918" y="6903970"/>
-            <a:ext cx="1746250" cy="314960"/>
-          </a:xfrm>
-          <a:prstGeom prst="rect">
-            <a:avLst/>
-          </a:prstGeom>
-        </p:spPr>
-        <p:txBody>
-          <a:bodyPr vert="horz" wrap="square" lIns="0" tIns="12700" rIns="0" bIns="0" rtlCol="0">
-            <a:spAutoFit/>
-          </a:bodyPr>
-          <a:p>
-            <a:pPr marL="12700">
-              <a:lnSpc>
-                <a:spcPct val="100000"/>
-              </a:lnSpc>
-              <a:spcBef>
-                <a:spcPts val="100"/>
-              </a:spcBef>
-            </a:pPr>
-            <a:r>
-              <a:rPr sz="1900" i="1" spc="-35" dirty="0">
-                <a:solidFill>
-                  <a:srgbClr val="404040"/>
-                </a:solidFill>
-                <a:latin typeface="Verdana" panose="020B0604030504040204"/>
-                <a:cs typeface="Verdana" panose="020B0604030504040204"/>
-              </a:rPr>
-              <a:t>Dublin,</a:t>
-            </a:r>
-            <a:r>
-              <a:rPr sz="1900" i="1" spc="-100" dirty="0">
-                <a:solidFill>
-                  <a:srgbClr val="404040"/>
-                </a:solidFill>
-                <a:latin typeface="Verdana" panose="020B0604030504040204"/>
-                <a:cs typeface="Verdana" panose="020B0604030504040204"/>
-              </a:rPr>
-              <a:t> </a:t>
-            </a:r>
-            <a:r>
-              <a:rPr sz="1900" i="1" spc="-150" dirty="0">
-                <a:solidFill>
-                  <a:srgbClr val="404040"/>
-                </a:solidFill>
-                <a:latin typeface="Verdana" panose="020B0604030504040204"/>
-                <a:cs typeface="Verdana" panose="020B0604030504040204"/>
-              </a:rPr>
-              <a:t>I</a:t>
-            </a:r>
-            <a:r>
-              <a:rPr sz="1900" i="1" spc="-160" dirty="0">
-                <a:solidFill>
-                  <a:srgbClr val="404040"/>
-                </a:solidFill>
-                <a:latin typeface="Verdana" panose="020B0604030504040204"/>
-                <a:cs typeface="Verdana" panose="020B0604030504040204"/>
-              </a:rPr>
-              <a:t>r</a:t>
-            </a:r>
-            <a:r>
-              <a:rPr sz="1900" i="1" spc="-10" dirty="0">
-                <a:solidFill>
-                  <a:srgbClr val="404040"/>
-                </a:solidFill>
-                <a:latin typeface="Verdana" panose="020B0604030504040204"/>
-                <a:cs typeface="Verdana" panose="020B0604030504040204"/>
-              </a:rPr>
-              <a:t>eland</a:t>
-            </a:r>
-            <a:endParaRPr sz="1900">
-              <a:latin typeface="Verdana" panose="020B0604030504040204"/>
-              <a:cs typeface="Verdana" panose="020B0604030504040204"/>
-            </a:endParaRPr>
-          </a:p>
-        </p:txBody>
-      </p:sp>
+      </p:pic>
     </p:spTree>
   </p:cSld>
   <p:clrMapOvr>
@@ -16564,7 +18776,7 @@
 </file>
 
 <file path=ppt/slides/slide7.xml><?xml version="1.0" encoding="utf-8"?>
-<p:sld xmlns:a="http://schemas.openxmlformats.org/drawingml/2006/main" xmlns:r="http://schemas.openxmlformats.org/officeDocument/2006/relationships" xmlns:p="http://schemas.openxmlformats.org/presentationml/2006/main" showMasterSp="0">
+<p:sld xmlns:a="http://schemas.openxmlformats.org/drawingml/2006/main" xmlns:r="http://schemas.openxmlformats.org/officeDocument/2006/relationships" xmlns:p="http://schemas.openxmlformats.org/presentationml/2006/main">
   <p:cSld>
     <p:spTree>
       <p:nvGrpSpPr>
@@ -16572,644 +18784,28 @@
         <p:cNvGrpSpPr/>
         <p:nvPr/>
       </p:nvGrpSpPr>
-      <p:grpSpPr>
-        <a:xfrm>
-          <a:off x="0" y="0"/>
-          <a:ext cx="0" cy="0"/>
-          <a:chOff x="0" y="0"/>
-          <a:chExt cx="0" cy="0"/>
-        </a:xfrm>
-      </p:grpSpPr>
+      <p:grpSpPr/>
       <p:sp>
         <p:nvSpPr>
-          <p:cNvPr id="2" name="object 2"/>
-          <p:cNvSpPr/>
-          <p:nvPr/>
-        </p:nvSpPr>
-        <p:spPr>
-          <a:xfrm>
-            <a:off x="6112933" y="568938"/>
-            <a:ext cx="0" cy="7987665"/>
-          </a:xfrm>
-          <a:custGeom>
-            <a:avLst/>
-            <a:gdLst/>
-            <a:ahLst/>
-            <a:cxnLst/>
-            <a:rect l="l" t="t" r="r" b="b"/>
-            <a:pathLst>
-              <a:path h="7987665">
-                <a:moveTo>
-                  <a:pt x="0" y="0"/>
-                </a:moveTo>
-                <a:lnTo>
-                  <a:pt x="0" y="7987233"/>
-                </a:lnTo>
-              </a:path>
-            </a:pathLst>
-          </a:custGeom>
-          <a:ln w="25400">
-            <a:solidFill>
-              <a:srgbClr val="F05A28"/>
-            </a:solidFill>
-          </a:ln>
-        </p:spPr>
-        <p:txBody>
-          <a:bodyPr wrap="square" lIns="0" tIns="0" rIns="0" bIns="0" rtlCol="0"/>
-          <a:lstStyle/>
-          <a:p/>
-        </p:txBody>
-      </p:sp>
-      <p:sp>
-        <p:nvSpPr>
-          <p:cNvPr id="3" name="object 3"/>
-          <p:cNvSpPr txBox="1"/>
-          <p:nvPr/>
-        </p:nvSpPr>
-        <p:spPr>
-          <a:xfrm>
-            <a:off x="6951013" y="4139644"/>
-            <a:ext cx="6946900" cy="726440"/>
-          </a:xfrm>
-          <a:prstGeom prst="rect">
-            <a:avLst/>
-          </a:prstGeom>
-        </p:spPr>
-        <p:txBody>
-          <a:bodyPr vert="horz" wrap="square" lIns="0" tIns="12700" rIns="0" bIns="0" rtlCol="0">
-            <a:spAutoFit/>
-          </a:bodyPr>
-          <a:lstStyle/>
-          <a:p>
-            <a:pPr marL="12700">
-              <a:lnSpc>
-                <a:spcPct val="100000"/>
-              </a:lnSpc>
-              <a:spcBef>
-                <a:spcPts val="100"/>
-              </a:spcBef>
-            </a:pPr>
-            <a:r>
-              <a:rPr sz="4600" spc="-85" dirty="0">
-                <a:solidFill>
-                  <a:srgbClr val="181818"/>
-                </a:solidFill>
-                <a:latin typeface="Verdana" panose="020B0604030504040204"/>
-                <a:cs typeface="Verdana" panose="020B0604030504040204"/>
-              </a:rPr>
-              <a:t>Traditional</a:t>
-            </a:r>
-            <a:r>
-              <a:rPr sz="4600" spc="-260" dirty="0">
-                <a:solidFill>
-                  <a:srgbClr val="181818"/>
-                </a:solidFill>
-                <a:latin typeface="Verdana" panose="020B0604030504040204"/>
-                <a:cs typeface="Verdana" panose="020B0604030504040204"/>
-              </a:rPr>
-              <a:t> </a:t>
-            </a:r>
-            <a:r>
-              <a:rPr sz="4600" spc="-50" dirty="0">
-                <a:solidFill>
-                  <a:srgbClr val="181818"/>
-                </a:solidFill>
-                <a:latin typeface="Verdana" panose="020B0604030504040204"/>
-                <a:cs typeface="Verdana" panose="020B0604030504040204"/>
-              </a:rPr>
-              <a:t>Data</a:t>
-            </a:r>
-            <a:r>
-              <a:rPr sz="4600" spc="-254" dirty="0">
-                <a:solidFill>
-                  <a:srgbClr val="181818"/>
-                </a:solidFill>
-                <a:latin typeface="Verdana" panose="020B0604030504040204"/>
-                <a:cs typeface="Verdana" panose="020B0604030504040204"/>
-              </a:rPr>
-              <a:t> </a:t>
-            </a:r>
-            <a:r>
-              <a:rPr sz="4600" spc="-50" dirty="0">
-                <a:solidFill>
-                  <a:srgbClr val="181818"/>
-                </a:solidFill>
-                <a:latin typeface="Verdana" panose="020B0604030504040204"/>
-                <a:cs typeface="Verdana" panose="020B0604030504040204"/>
-              </a:rPr>
-              <a:t>Centers</a:t>
-            </a:r>
-            <a:endParaRPr sz="4600">
-              <a:latin typeface="Verdana" panose="020B0604030504040204"/>
-              <a:cs typeface="Verdana" panose="020B0604030504040204"/>
-            </a:endParaRPr>
-          </a:p>
-        </p:txBody>
-      </p:sp>
-      <p:sp>
-        <p:nvSpPr>
-          <p:cNvPr id="4" name="object 4"/>
-          <p:cNvSpPr txBox="1">
+          <p:cNvPr id="6" name="Title 5"/>
+          <p:cNvSpPr>
             <a:spLocks noGrp="1"/>
           </p:cNvSpPr>
           <p:nvPr>
             <p:ph type="title"/>
           </p:nvPr>
         </p:nvSpPr>
-        <p:spPr>
-          <a:xfrm>
-            <a:off x="716392" y="1778000"/>
-            <a:ext cx="5044440" cy="1397000"/>
-          </a:xfrm>
-          <a:prstGeom prst="rect">
-            <a:avLst/>
-          </a:prstGeom>
-        </p:spPr>
+        <p:spPr/>
         <p:txBody>
-          <a:bodyPr vert="horz" wrap="square" lIns="0" tIns="12700" rIns="0" bIns="0" rtlCol="0">
-            <a:spAutoFit/>
-          </a:bodyPr>
-          <a:lstStyle/>
-          <a:p>
-            <a:pPr marL="681355" marR="5080" indent="-668655">
-              <a:lnSpc>
-                <a:spcPct val="150000"/>
-              </a:lnSpc>
-              <a:spcBef>
-                <a:spcPts val="100"/>
-              </a:spcBef>
-            </a:pPr>
-            <a:r>
-              <a:rPr sz="3000" spc="45" dirty="0">
-                <a:solidFill>
-                  <a:srgbClr val="000000"/>
-                </a:solidFill>
-              </a:rPr>
-              <a:t>Large</a:t>
-            </a:r>
-            <a:r>
-              <a:rPr sz="3000" spc="-195" dirty="0">
-                <a:solidFill>
-                  <a:srgbClr val="000000"/>
-                </a:solidFill>
-              </a:rPr>
-              <a:t> </a:t>
-            </a:r>
-            <a:r>
-              <a:rPr sz="3000" spc="10" dirty="0">
-                <a:solidFill>
-                  <a:srgbClr val="000000"/>
-                </a:solidFill>
-              </a:rPr>
-              <a:t>up-front</a:t>
-            </a:r>
-            <a:r>
-              <a:rPr sz="3000" spc="-195" dirty="0">
-                <a:solidFill>
-                  <a:srgbClr val="000000"/>
-                </a:solidFill>
-              </a:rPr>
-              <a:t> </a:t>
-            </a:r>
-            <a:r>
-              <a:rPr sz="3000" spc="-20" dirty="0">
-                <a:solidFill>
-                  <a:srgbClr val="000000"/>
-                </a:solidFill>
-              </a:rPr>
-              <a:t>investment </a:t>
-            </a:r>
-            <a:r>
-              <a:rPr sz="3000" spc="-1045" dirty="0">
-                <a:solidFill>
-                  <a:srgbClr val="000000"/>
-                </a:solidFill>
-              </a:rPr>
-              <a:t> </a:t>
-            </a:r>
-            <a:r>
-              <a:rPr sz="3000" spc="40" dirty="0">
-                <a:solidFill>
-                  <a:srgbClr val="000000"/>
-                </a:solidFill>
-              </a:rPr>
-              <a:t>Forecasting</a:t>
-            </a:r>
-            <a:r>
-              <a:rPr sz="3000" spc="-180" dirty="0">
-                <a:solidFill>
-                  <a:srgbClr val="000000"/>
-                </a:solidFill>
-              </a:rPr>
-              <a:t> </a:t>
-            </a:r>
-            <a:r>
-              <a:rPr sz="3000" spc="25" dirty="0">
-                <a:solidFill>
-                  <a:srgbClr val="000000"/>
-                </a:solidFill>
-              </a:rPr>
-              <a:t>demand</a:t>
-            </a:r>
-            <a:r>
-              <a:rPr sz="3000" spc="-180" dirty="0">
-                <a:solidFill>
-                  <a:srgbClr val="000000"/>
-                </a:solidFill>
-              </a:rPr>
-              <a:t> </a:t>
-            </a:r>
-            <a:r>
-              <a:rPr sz="3000" spc="-15" dirty="0">
-                <a:solidFill>
-                  <a:srgbClr val="000000"/>
-                </a:solidFill>
-              </a:rPr>
-              <a:t>is</a:t>
-            </a:r>
-            <a:endParaRPr sz="3000"/>
+          <a:bodyPr/>
+          <a:p>
+            <a:endParaRPr lang="en-US"/>
           </a:p>
         </p:txBody>
       </p:sp>
       <p:sp>
         <p:nvSpPr>
-          <p:cNvPr id="5" name="object 5"/>
-          <p:cNvSpPr txBox="1"/>
-          <p:nvPr/>
-        </p:nvSpPr>
-        <p:spPr>
-          <a:xfrm>
-            <a:off x="659623" y="2921000"/>
-            <a:ext cx="5101590" cy="4140200"/>
-          </a:xfrm>
-          <a:prstGeom prst="rect">
-            <a:avLst/>
-          </a:prstGeom>
-        </p:spPr>
-        <p:txBody>
-          <a:bodyPr vert="horz" wrap="square" lIns="0" tIns="241300" rIns="0" bIns="0" rtlCol="0">
-            <a:spAutoFit/>
-          </a:bodyPr>
-          <a:lstStyle/>
-          <a:p>
-            <a:pPr marR="5080" algn="r">
-              <a:lnSpc>
-                <a:spcPct val="100000"/>
-              </a:lnSpc>
-              <a:spcBef>
-                <a:spcPts val="1900"/>
-              </a:spcBef>
-            </a:pPr>
-            <a:r>
-              <a:rPr sz="3000" spc="60" dirty="0">
-                <a:latin typeface="Verdana" panose="020B0604030504040204"/>
-                <a:cs typeface="Verdana" panose="020B0604030504040204"/>
-              </a:rPr>
-              <a:t>difficult</a:t>
-            </a:r>
-            <a:endParaRPr sz="3000">
-              <a:latin typeface="Verdana" panose="020B0604030504040204"/>
-              <a:cs typeface="Verdana" panose="020B0604030504040204"/>
-            </a:endParaRPr>
-          </a:p>
-          <a:p>
-            <a:pPr marL="1366520" marR="5080" indent="-1015365" algn="r">
-              <a:lnSpc>
-                <a:spcPct val="100000"/>
-              </a:lnSpc>
-              <a:spcBef>
-                <a:spcPts val="1800"/>
-              </a:spcBef>
-            </a:pPr>
-            <a:r>
-              <a:rPr sz="3000" spc="25" dirty="0">
-                <a:latin typeface="Verdana" panose="020B0604030504040204"/>
-                <a:cs typeface="Verdana" panose="020B0604030504040204"/>
-              </a:rPr>
-              <a:t>Slow</a:t>
-            </a:r>
-            <a:r>
-              <a:rPr sz="3000" spc="-170" dirty="0">
-                <a:latin typeface="Verdana" panose="020B0604030504040204"/>
-                <a:cs typeface="Verdana" panose="020B0604030504040204"/>
-              </a:rPr>
-              <a:t> </a:t>
-            </a:r>
-            <a:r>
-              <a:rPr sz="3000" spc="75" dirty="0">
-                <a:latin typeface="Verdana" panose="020B0604030504040204"/>
-                <a:cs typeface="Verdana" panose="020B0604030504040204"/>
-              </a:rPr>
-              <a:t>to</a:t>
-            </a:r>
-            <a:r>
-              <a:rPr sz="3000" spc="-165" dirty="0">
-                <a:latin typeface="Verdana" panose="020B0604030504040204"/>
-                <a:cs typeface="Verdana" panose="020B0604030504040204"/>
-              </a:rPr>
-              <a:t> </a:t>
-            </a:r>
-            <a:r>
-              <a:rPr sz="3000" spc="65" dirty="0">
-                <a:latin typeface="Verdana" panose="020B0604030504040204"/>
-                <a:cs typeface="Verdana" panose="020B0604030504040204"/>
-              </a:rPr>
-              <a:t>deploy</a:t>
-            </a:r>
-            <a:r>
-              <a:rPr sz="3000" spc="-165" dirty="0">
-                <a:latin typeface="Verdana" panose="020B0604030504040204"/>
-                <a:cs typeface="Verdana" panose="020B0604030504040204"/>
-              </a:rPr>
-              <a:t> </a:t>
-            </a:r>
-            <a:r>
-              <a:rPr sz="3000" spc="10" dirty="0">
-                <a:latin typeface="Verdana" panose="020B0604030504040204"/>
-                <a:cs typeface="Verdana" panose="020B0604030504040204"/>
-              </a:rPr>
-              <a:t>new</a:t>
-            </a:r>
-            <a:r>
-              <a:rPr sz="3000" spc="-165" dirty="0">
-                <a:latin typeface="Verdana" panose="020B0604030504040204"/>
-                <a:cs typeface="Verdana" panose="020B0604030504040204"/>
-              </a:rPr>
-              <a:t> </a:t>
-            </a:r>
-            <a:r>
-              <a:rPr sz="3000" spc="20" dirty="0">
-                <a:latin typeface="Verdana" panose="020B0604030504040204"/>
-                <a:cs typeface="Verdana" panose="020B0604030504040204"/>
-              </a:rPr>
-              <a:t>data </a:t>
-            </a:r>
-            <a:r>
-              <a:rPr sz="3000" spc="-1040" dirty="0">
-                <a:latin typeface="Verdana" panose="020B0604030504040204"/>
-                <a:cs typeface="Verdana" panose="020B0604030504040204"/>
-              </a:rPr>
-              <a:t> </a:t>
-            </a:r>
-            <a:r>
-              <a:rPr sz="3000" dirty="0">
-                <a:latin typeface="Verdana" panose="020B0604030504040204"/>
-                <a:cs typeface="Verdana" panose="020B0604030504040204"/>
-              </a:rPr>
-              <a:t>centers</a:t>
-            </a:r>
-            <a:r>
-              <a:rPr sz="3000" spc="-195" dirty="0">
-                <a:latin typeface="Verdana" panose="020B0604030504040204"/>
-                <a:cs typeface="Verdana" panose="020B0604030504040204"/>
-              </a:rPr>
-              <a:t> </a:t>
-            </a:r>
-            <a:r>
-              <a:rPr sz="3000" spc="20" dirty="0">
-                <a:latin typeface="Verdana" panose="020B0604030504040204"/>
-                <a:cs typeface="Verdana" panose="020B0604030504040204"/>
-              </a:rPr>
-              <a:t>and</a:t>
-            </a:r>
-            <a:r>
-              <a:rPr sz="3000" spc="-195" dirty="0">
-                <a:latin typeface="Verdana" panose="020B0604030504040204"/>
-                <a:cs typeface="Verdana" panose="020B0604030504040204"/>
-              </a:rPr>
-              <a:t> </a:t>
-            </a:r>
-            <a:r>
-              <a:rPr sz="3000" spc="-35" dirty="0">
-                <a:latin typeface="Verdana" panose="020B0604030504040204"/>
-                <a:cs typeface="Verdana" panose="020B0604030504040204"/>
-              </a:rPr>
-              <a:t>servers</a:t>
-            </a:r>
-            <a:endParaRPr sz="3000">
-              <a:latin typeface="Verdana" panose="020B0604030504040204"/>
-              <a:cs typeface="Verdana" panose="020B0604030504040204"/>
-            </a:endParaRPr>
-          </a:p>
-          <a:p>
-            <a:pPr marR="5080" algn="r">
-              <a:lnSpc>
-                <a:spcPct val="100000"/>
-              </a:lnSpc>
-              <a:spcBef>
-                <a:spcPts val="1800"/>
-              </a:spcBef>
-            </a:pPr>
-            <a:r>
-              <a:rPr sz="3000" spc="15" dirty="0">
-                <a:latin typeface="Verdana" panose="020B0604030504040204"/>
-                <a:cs typeface="Verdana" panose="020B0604030504040204"/>
-              </a:rPr>
-              <a:t>Maintaining</a:t>
-            </a:r>
-            <a:r>
-              <a:rPr sz="3000" spc="-190" dirty="0">
-                <a:latin typeface="Verdana" panose="020B0604030504040204"/>
-                <a:cs typeface="Verdana" panose="020B0604030504040204"/>
-              </a:rPr>
-              <a:t> </a:t>
-            </a:r>
-            <a:r>
-              <a:rPr sz="3000" spc="20" dirty="0">
-                <a:latin typeface="Verdana" panose="020B0604030504040204"/>
-                <a:cs typeface="Verdana" panose="020B0604030504040204"/>
-              </a:rPr>
-              <a:t>data</a:t>
-            </a:r>
-            <a:r>
-              <a:rPr sz="3000" spc="-190" dirty="0">
-                <a:latin typeface="Verdana" panose="020B0604030504040204"/>
-                <a:cs typeface="Verdana" panose="020B0604030504040204"/>
-              </a:rPr>
-              <a:t> </a:t>
-            </a:r>
-            <a:r>
-              <a:rPr sz="3000" dirty="0">
-                <a:latin typeface="Verdana" panose="020B0604030504040204"/>
-                <a:cs typeface="Verdana" panose="020B0604030504040204"/>
-              </a:rPr>
-              <a:t>centers</a:t>
-            </a:r>
-            <a:endParaRPr sz="3000">
-              <a:latin typeface="Verdana" panose="020B0604030504040204"/>
-              <a:cs typeface="Verdana" panose="020B0604030504040204"/>
-            </a:endParaRPr>
-          </a:p>
-          <a:p>
-            <a:pPr marR="5080" algn="r">
-              <a:lnSpc>
-                <a:spcPct val="100000"/>
-              </a:lnSpc>
-            </a:pPr>
-            <a:r>
-              <a:rPr sz="3000" spc="-15" dirty="0">
-                <a:latin typeface="Verdana" panose="020B0604030504040204"/>
-                <a:cs typeface="Verdana" panose="020B0604030504040204"/>
-              </a:rPr>
-              <a:t>is</a:t>
-            </a:r>
-            <a:r>
-              <a:rPr sz="3000" spc="-225" dirty="0">
-                <a:latin typeface="Verdana" panose="020B0604030504040204"/>
-                <a:cs typeface="Verdana" panose="020B0604030504040204"/>
-              </a:rPr>
-              <a:t> </a:t>
-            </a:r>
-            <a:r>
-              <a:rPr sz="3000" spc="-10" dirty="0">
-                <a:latin typeface="Verdana" panose="020B0604030504040204"/>
-                <a:cs typeface="Verdana" panose="020B0604030504040204"/>
-              </a:rPr>
-              <a:t>expensive</a:t>
-            </a:r>
-            <a:endParaRPr sz="3000">
-              <a:latin typeface="Verdana" panose="020B0604030504040204"/>
-              <a:cs typeface="Verdana" panose="020B0604030504040204"/>
-            </a:endParaRPr>
-          </a:p>
-          <a:p>
-            <a:pPr marL="580390" marR="5080" indent="-568325" algn="r">
-              <a:lnSpc>
-                <a:spcPct val="100000"/>
-              </a:lnSpc>
-              <a:spcBef>
-                <a:spcPts val="1800"/>
-              </a:spcBef>
-            </a:pPr>
-            <a:r>
-              <a:rPr sz="3000" spc="25" dirty="0">
-                <a:latin typeface="Verdana" panose="020B0604030504040204"/>
-                <a:cs typeface="Verdana" panose="020B0604030504040204"/>
-              </a:rPr>
-              <a:t>You</a:t>
-            </a:r>
-            <a:r>
-              <a:rPr sz="3000" spc="-165" dirty="0">
-                <a:latin typeface="Verdana" panose="020B0604030504040204"/>
-                <a:cs typeface="Verdana" panose="020B0604030504040204"/>
-              </a:rPr>
-              <a:t> </a:t>
-            </a:r>
-            <a:r>
-              <a:rPr sz="3000" spc="50" dirty="0">
-                <a:latin typeface="Verdana" panose="020B0604030504040204"/>
-                <a:cs typeface="Verdana" panose="020B0604030504040204"/>
-              </a:rPr>
-              <a:t>own</a:t>
-            </a:r>
-            <a:r>
-              <a:rPr sz="3000" spc="-165" dirty="0">
-                <a:latin typeface="Verdana" panose="020B0604030504040204"/>
-                <a:cs typeface="Verdana" panose="020B0604030504040204"/>
-              </a:rPr>
-              <a:t> </a:t>
-            </a:r>
-            <a:r>
-              <a:rPr sz="3000" spc="5" dirty="0">
-                <a:latin typeface="Verdana" panose="020B0604030504040204"/>
-                <a:cs typeface="Verdana" panose="020B0604030504040204"/>
-              </a:rPr>
-              <a:t>all</a:t>
-            </a:r>
-            <a:r>
-              <a:rPr sz="3000" spc="-165" dirty="0">
-                <a:latin typeface="Verdana" panose="020B0604030504040204"/>
-                <a:cs typeface="Verdana" panose="020B0604030504040204"/>
-              </a:rPr>
-              <a:t> </a:t>
-            </a:r>
-            <a:r>
-              <a:rPr sz="3000" spc="110" dirty="0">
-                <a:latin typeface="Verdana" panose="020B0604030504040204"/>
-                <a:cs typeface="Verdana" panose="020B0604030504040204"/>
-              </a:rPr>
-              <a:t>of</a:t>
-            </a:r>
-            <a:r>
-              <a:rPr sz="3000" spc="-165" dirty="0">
-                <a:latin typeface="Verdana" panose="020B0604030504040204"/>
-                <a:cs typeface="Verdana" panose="020B0604030504040204"/>
-              </a:rPr>
-              <a:t> </a:t>
-            </a:r>
-            <a:r>
-              <a:rPr sz="3000" spc="10" dirty="0">
-                <a:latin typeface="Verdana" panose="020B0604030504040204"/>
-                <a:cs typeface="Verdana" panose="020B0604030504040204"/>
-              </a:rPr>
-              <a:t>the</a:t>
-            </a:r>
-            <a:r>
-              <a:rPr sz="3000" spc="-165" dirty="0">
-                <a:latin typeface="Verdana" panose="020B0604030504040204"/>
-                <a:cs typeface="Verdana" panose="020B0604030504040204"/>
-              </a:rPr>
-              <a:t> </a:t>
-            </a:r>
-            <a:r>
-              <a:rPr sz="3000" spc="15" dirty="0">
-                <a:latin typeface="Verdana" panose="020B0604030504040204"/>
-                <a:cs typeface="Verdana" panose="020B0604030504040204"/>
-              </a:rPr>
-              <a:t>security </a:t>
-            </a:r>
-            <a:r>
-              <a:rPr sz="3000" spc="-1040" dirty="0">
-                <a:latin typeface="Verdana" panose="020B0604030504040204"/>
-                <a:cs typeface="Verdana" panose="020B0604030504040204"/>
-              </a:rPr>
-              <a:t> </a:t>
-            </a:r>
-            <a:r>
-              <a:rPr sz="3000" spc="20" dirty="0">
-                <a:latin typeface="Verdana" panose="020B0604030504040204"/>
-                <a:cs typeface="Verdana" panose="020B0604030504040204"/>
-              </a:rPr>
-              <a:t>and</a:t>
-            </a:r>
-            <a:r>
-              <a:rPr sz="3000" spc="-170" dirty="0">
-                <a:latin typeface="Verdana" panose="020B0604030504040204"/>
-                <a:cs typeface="Verdana" panose="020B0604030504040204"/>
-              </a:rPr>
-              <a:t> </a:t>
-            </a:r>
-            <a:r>
-              <a:rPr sz="3000" spc="40" dirty="0">
-                <a:latin typeface="Verdana" panose="020B0604030504040204"/>
-                <a:cs typeface="Verdana" panose="020B0604030504040204"/>
-              </a:rPr>
-              <a:t>compliance</a:t>
-            </a:r>
-            <a:r>
-              <a:rPr sz="3000" spc="-170" dirty="0">
-                <a:latin typeface="Verdana" panose="020B0604030504040204"/>
-                <a:cs typeface="Verdana" panose="020B0604030504040204"/>
-              </a:rPr>
-              <a:t> </a:t>
-            </a:r>
-            <a:r>
-              <a:rPr sz="3000" spc="20" dirty="0">
-                <a:latin typeface="Verdana" panose="020B0604030504040204"/>
-                <a:cs typeface="Verdana" panose="020B0604030504040204"/>
-              </a:rPr>
-              <a:t>burden</a:t>
-            </a:r>
-            <a:endParaRPr sz="3000">
-              <a:latin typeface="Verdana" panose="020B0604030504040204"/>
-              <a:cs typeface="Verdana" panose="020B0604030504040204"/>
-            </a:endParaRPr>
-          </a:p>
-        </p:txBody>
-      </p:sp>
-      <p:sp>
-        <p:nvSpPr>
-          <p:cNvPr id="6" name="Slide Number Placeholder 5"/>
+          <p:cNvPr id="4" name="Slide Number Placeholder 3"/>
           <p:cNvSpPr>
             <a:spLocks noGrp="1"/>
           </p:cNvSpPr>
@@ -17228,6 +18824,58 @@
           </a:p>
         </p:txBody>
       </p:sp>
+      <p:pic>
+        <p:nvPicPr>
+          <p:cNvPr id="5" name="Content Placeholder 4"/>
+          <p:cNvPicPr>
+            <a:picLocks noChangeAspect="1"/>
+          </p:cNvPicPr>
+          <p:nvPr>
+            <p:ph sz="half" idx="2"/>
+          </p:nvPr>
+        </p:nvPicPr>
+        <p:blipFill>
+          <a:blip r:embed="rId1"/>
+          <a:stretch>
+            <a:fillRect/>
+          </a:stretch>
+        </p:blipFill>
+        <p:spPr>
+          <a:xfrm>
+            <a:off x="355600" y="1524000"/>
+            <a:ext cx="7071360" cy="6339205"/>
+          </a:xfrm>
+          <a:prstGeom prst="rect">
+            <a:avLst/>
+          </a:prstGeom>
+        </p:spPr>
+      </p:pic>
+      <p:pic>
+        <p:nvPicPr>
+          <p:cNvPr id="8" name="Content Placeholder 7"/>
+          <p:cNvPicPr>
+            <a:picLocks noChangeAspect="1"/>
+          </p:cNvPicPr>
+          <p:nvPr>
+            <p:ph sz="half" idx="3"/>
+          </p:nvPr>
+        </p:nvPicPr>
+        <p:blipFill>
+          <a:blip r:embed="rId2"/>
+          <a:stretch>
+            <a:fillRect/>
+          </a:stretch>
+        </p:blipFill>
+        <p:spPr>
+          <a:xfrm>
+            <a:off x="9347200" y="1524000"/>
+            <a:ext cx="5560695" cy="6591300"/>
+          </a:xfrm>
+          <a:prstGeom prst="rect">
+            <a:avLst/>
+          </a:prstGeom>
+        </p:spPr>
+      </p:pic>
     </p:spTree>
   </p:cSld>
   <p:clrMapOvr>
@@ -17245,78 +18893,28 @@
         <p:cNvGrpSpPr/>
         <p:nvPr/>
       </p:nvGrpSpPr>
-      <p:grpSpPr>
-        <a:xfrm>
-          <a:off x="0" y="0"/>
-          <a:ext cx="0" cy="0"/>
-          <a:chOff x="0" y="0"/>
-          <a:chExt cx="0" cy="0"/>
-        </a:xfrm>
-      </p:grpSpPr>
+      <p:grpSpPr/>
       <p:sp>
         <p:nvSpPr>
-          <p:cNvPr id="2" name="object 2"/>
-          <p:cNvSpPr txBox="1">
+          <p:cNvPr id="6" name="Title 5"/>
+          <p:cNvSpPr>
             <a:spLocks noGrp="1"/>
           </p:cNvSpPr>
           <p:nvPr>
             <p:ph type="title"/>
           </p:nvPr>
         </p:nvSpPr>
-        <p:spPr>
-          <a:prstGeom prst="rect">
-            <a:avLst/>
-          </a:prstGeom>
-        </p:spPr>
+        <p:spPr/>
         <p:txBody>
-          <a:bodyPr vert="horz" wrap="square" lIns="0" tIns="12700" rIns="0" bIns="0" rtlCol="0">
-            <a:spAutoFit/>
-          </a:bodyPr>
-          <a:lstStyle/>
-          <a:p>
-            <a:pPr marL="5539105">
-              <a:lnSpc>
-                <a:spcPct val="100000"/>
-              </a:lnSpc>
-              <a:spcBef>
-                <a:spcPts val="100"/>
-              </a:spcBef>
-            </a:pPr>
-            <a:r>
-              <a:rPr dirty="0"/>
-              <a:t>Benefits</a:t>
-            </a:r>
-            <a:r>
-              <a:rPr spc="-260" dirty="0"/>
-              <a:t> </a:t>
-            </a:r>
-            <a:r>
-              <a:rPr spc="130" dirty="0"/>
-              <a:t>of</a:t>
-            </a:r>
-            <a:r>
-              <a:rPr spc="-260" dirty="0"/>
-              <a:t> </a:t>
-            </a:r>
-            <a:r>
-              <a:rPr spc="85" dirty="0"/>
-              <a:t>Cloud</a:t>
-            </a:r>
-            <a:r>
-              <a:rPr spc="-254" dirty="0"/>
-              <a:t> </a:t>
-            </a:r>
-            <a:r>
-              <a:rPr spc="45" dirty="0"/>
-              <a:t>Computing</a:t>
-            </a:r>
-            <a:endParaRPr spc="45" dirty="0"/>
+          <a:bodyPr/>
+          <a:p>
+            <a:endParaRPr lang="en-US"/>
           </a:p>
         </p:txBody>
       </p:sp>
       <p:sp>
         <p:nvSpPr>
-          <p:cNvPr id="3" name="Slide Number Placeholder 2"/>
+          <p:cNvPr id="4" name="Slide Number Placeholder 3"/>
           <p:cNvSpPr>
             <a:spLocks noGrp="1"/>
           </p:cNvSpPr>
@@ -17335,6 +18933,85 @@
           </a:p>
         </p:txBody>
       </p:sp>
+      <p:pic>
+        <p:nvPicPr>
+          <p:cNvPr id="10" name="Content Placeholder 9"/>
+          <p:cNvPicPr>
+            <a:picLocks noChangeAspect="1"/>
+          </p:cNvPicPr>
+          <p:nvPr>
+            <p:ph sz="half" idx="3"/>
+          </p:nvPr>
+        </p:nvPicPr>
+        <p:blipFill>
+          <a:blip r:embed="rId1"/>
+          <a:stretch>
+            <a:fillRect/>
+          </a:stretch>
+        </p:blipFill>
+        <p:spPr>
+          <a:xfrm>
+            <a:off x="9042400" y="1372235"/>
+            <a:ext cx="6331585" cy="6670040"/>
+          </a:xfrm>
+          <a:prstGeom prst="rect">
+            <a:avLst/>
+          </a:prstGeom>
+        </p:spPr>
+      </p:pic>
+      <p:graphicFrame>
+        <p:nvGraphicFramePr>
+          <p:cNvPr id="14" name="Content Placeholder 13"/>
+          <p:cNvGraphicFramePr>
+            <a:graphicFrameLocks noChangeAspect="1"/>
+          </p:cNvGraphicFramePr>
+          <p:nvPr>
+            <p:ph sz="half" idx="2"/>
+          </p:nvPr>
+        </p:nvGraphicFramePr>
+        <p:xfrm>
+          <a:off x="1485265" y="2103120"/>
+          <a:ext cx="5725160" cy="6035040"/>
+        </p:xfrm>
+        <a:graphic>
+          <a:graphicData uri="http://schemas.openxmlformats.org/presentationml/2006/ole">
+            <mc:AlternateContent xmlns:mc="http://schemas.openxmlformats.org/markup-compatibility/2006">
+              <mc:Choice xmlns:v="urn:schemas-microsoft-com:vml" Requires="v">
+                <p:oleObj spid="_x0000_s15" name="" r:id="rId2" imgW="6334125" imgH="6677025" progId="Paint.Picture">
+                  <p:embed/>
+                </p:oleObj>
+              </mc:Choice>
+              <mc:Fallback>
+                <p:oleObj name="" r:id="rId2" imgW="6334125" imgH="6677025" progId="Paint.Picture">
+                  <p:embed/>
+                  <p:pic>
+                    <p:nvPicPr>
+                      <p:cNvPr id="0" name="Picture 14"/>
+                      <p:cNvPicPr/>
+                      <p:nvPr/>
+                    </p:nvPicPr>
+                    <p:blipFill>
+                      <a:blip r:embed="rId3"/>
+                      <a:stretch>
+                        <a:fillRect/>
+                      </a:stretch>
+                    </p:blipFill>
+                    <p:spPr>
+                      <a:xfrm>
+                        <a:off x="1485265" y="2103120"/>
+                        <a:ext cx="5725160" cy="6035040"/>
+                      </a:xfrm>
+                      <a:prstGeom prst="rect">
+                        <a:avLst/>
+                      </a:prstGeom>
+                    </p:spPr>
+                  </p:pic>
+                </p:oleObj>
+              </mc:Fallback>
+            </mc:AlternateContent>
+          </a:graphicData>
+        </a:graphic>
+      </p:graphicFrame>
     </p:spTree>
   </p:cSld>
   <p:clrMapOvr>
@@ -17344,7 +19021,7 @@
 </file>
 
 <file path=ppt/slides/slide9.xml><?xml version="1.0" encoding="utf-8"?>
-<p:sld xmlns:a="http://schemas.openxmlformats.org/drawingml/2006/main" xmlns:r="http://schemas.openxmlformats.org/officeDocument/2006/relationships" xmlns:p="http://schemas.openxmlformats.org/presentationml/2006/main" showMasterSp="0">
+<p:sld xmlns:a="http://schemas.openxmlformats.org/drawingml/2006/main" xmlns:r="http://schemas.openxmlformats.org/officeDocument/2006/relationships" xmlns:p="http://schemas.openxmlformats.org/presentationml/2006/main">
   <p:cSld>
     <p:spTree>
       <p:nvGrpSpPr>
@@ -17352,657 +19029,28 @@
         <p:cNvGrpSpPr/>
         <p:nvPr/>
       </p:nvGrpSpPr>
-      <p:grpSpPr>
-        <a:xfrm>
-          <a:off x="0" y="0"/>
-          <a:ext cx="0" cy="0"/>
-          <a:chOff x="0" y="0"/>
-          <a:chExt cx="0" cy="0"/>
-        </a:xfrm>
-      </p:grpSpPr>
+      <p:grpSpPr/>
       <p:sp>
         <p:nvSpPr>
-          <p:cNvPr id="2" name="object 2"/>
-          <p:cNvSpPr/>
-          <p:nvPr/>
-        </p:nvSpPr>
-        <p:spPr>
-          <a:xfrm>
-            <a:off x="6112933" y="568938"/>
-            <a:ext cx="0" cy="7987665"/>
-          </a:xfrm>
-          <a:custGeom>
-            <a:avLst/>
-            <a:gdLst/>
-            <a:ahLst/>
-            <a:cxnLst/>
-            <a:rect l="l" t="t" r="r" b="b"/>
-            <a:pathLst>
-              <a:path h="7987665">
-                <a:moveTo>
-                  <a:pt x="0" y="0"/>
-                </a:moveTo>
-                <a:lnTo>
-                  <a:pt x="0" y="7987233"/>
-                </a:lnTo>
-              </a:path>
-            </a:pathLst>
-          </a:custGeom>
-          <a:ln w="25400">
-            <a:solidFill>
-              <a:srgbClr val="F05A28"/>
-            </a:solidFill>
-          </a:ln>
-        </p:spPr>
-        <p:txBody>
-          <a:bodyPr wrap="square" lIns="0" tIns="0" rIns="0" bIns="0" rtlCol="0"/>
-          <a:lstStyle/>
-          <a:p/>
-        </p:txBody>
-      </p:sp>
-      <p:sp>
-        <p:nvSpPr>
-          <p:cNvPr id="3" name="object 3"/>
-          <p:cNvSpPr txBox="1"/>
-          <p:nvPr/>
-        </p:nvSpPr>
-        <p:spPr>
-          <a:xfrm>
-            <a:off x="6951013" y="3790394"/>
-            <a:ext cx="6093460" cy="1424940"/>
-          </a:xfrm>
-          <a:prstGeom prst="rect">
-            <a:avLst/>
-          </a:prstGeom>
-        </p:spPr>
-        <p:txBody>
-          <a:bodyPr vert="horz" wrap="square" lIns="0" tIns="27939" rIns="0" bIns="0" rtlCol="0">
-            <a:spAutoFit/>
-          </a:bodyPr>
-          <a:lstStyle/>
-          <a:p>
-            <a:pPr marL="12700" marR="5080">
-              <a:lnSpc>
-                <a:spcPts val="5500"/>
-              </a:lnSpc>
-              <a:spcBef>
-                <a:spcPts val="220"/>
-              </a:spcBef>
-            </a:pPr>
-            <a:r>
-              <a:rPr sz="4600" spc="5" dirty="0">
-                <a:solidFill>
-                  <a:srgbClr val="181818"/>
-                </a:solidFill>
-                <a:latin typeface="Verdana" panose="020B0604030504040204"/>
-                <a:cs typeface="Verdana" panose="020B0604030504040204"/>
-              </a:rPr>
-              <a:t>Advantages</a:t>
-            </a:r>
-            <a:r>
-              <a:rPr sz="4600" spc="-265" dirty="0">
-                <a:solidFill>
-                  <a:srgbClr val="181818"/>
-                </a:solidFill>
-                <a:latin typeface="Verdana" panose="020B0604030504040204"/>
-                <a:cs typeface="Verdana" panose="020B0604030504040204"/>
-              </a:rPr>
-              <a:t> </a:t>
-            </a:r>
-            <a:r>
-              <a:rPr sz="4600" spc="100" dirty="0">
-                <a:solidFill>
-                  <a:srgbClr val="181818"/>
-                </a:solidFill>
-                <a:latin typeface="Verdana" panose="020B0604030504040204"/>
-                <a:cs typeface="Verdana" panose="020B0604030504040204"/>
-              </a:rPr>
-              <a:t>of</a:t>
-            </a:r>
-            <a:r>
-              <a:rPr sz="4600" spc="-265" dirty="0">
-                <a:solidFill>
-                  <a:srgbClr val="181818"/>
-                </a:solidFill>
-                <a:latin typeface="Verdana" panose="020B0604030504040204"/>
-                <a:cs typeface="Verdana" panose="020B0604030504040204"/>
-              </a:rPr>
-              <a:t> </a:t>
-            </a:r>
-            <a:r>
-              <a:rPr sz="4600" spc="55" dirty="0">
-                <a:solidFill>
-                  <a:srgbClr val="181818"/>
-                </a:solidFill>
-                <a:latin typeface="Verdana" panose="020B0604030504040204"/>
-                <a:cs typeface="Verdana" panose="020B0604030504040204"/>
-              </a:rPr>
-              <a:t>Cloud </a:t>
-            </a:r>
-            <a:r>
-              <a:rPr sz="4600" spc="-1600" dirty="0">
-                <a:solidFill>
-                  <a:srgbClr val="181818"/>
-                </a:solidFill>
-                <a:latin typeface="Verdana" panose="020B0604030504040204"/>
-                <a:cs typeface="Verdana" panose="020B0604030504040204"/>
-              </a:rPr>
-              <a:t> </a:t>
-            </a:r>
-            <a:r>
-              <a:rPr sz="4600" spc="25" dirty="0">
-                <a:solidFill>
-                  <a:srgbClr val="181818"/>
-                </a:solidFill>
-                <a:latin typeface="Verdana" panose="020B0604030504040204"/>
-                <a:cs typeface="Verdana" panose="020B0604030504040204"/>
-              </a:rPr>
-              <a:t>Computing</a:t>
-            </a:r>
-            <a:endParaRPr sz="4600">
-              <a:latin typeface="Verdana" panose="020B0604030504040204"/>
-              <a:cs typeface="Verdana" panose="020B0604030504040204"/>
-            </a:endParaRPr>
-          </a:p>
-        </p:txBody>
-      </p:sp>
-      <p:sp>
-        <p:nvSpPr>
-          <p:cNvPr id="4" name="object 4"/>
-          <p:cNvSpPr txBox="1">
+          <p:cNvPr id="7" name="Title 6"/>
+          <p:cNvSpPr>
             <a:spLocks noGrp="1"/>
           </p:cNvSpPr>
           <p:nvPr>
             <p:ph type="title"/>
           </p:nvPr>
         </p:nvSpPr>
-        <p:spPr>
-          <a:xfrm>
-            <a:off x="892795" y="1892300"/>
-            <a:ext cx="4867910" cy="939800"/>
-          </a:xfrm>
-          <a:prstGeom prst="rect">
-            <a:avLst/>
-          </a:prstGeom>
-        </p:spPr>
+        <p:spPr/>
         <p:txBody>
-          <a:bodyPr vert="horz" wrap="square" lIns="0" tIns="12700" rIns="0" bIns="0" rtlCol="0">
-            <a:spAutoFit/>
-          </a:bodyPr>
-          <a:lstStyle/>
-          <a:p>
-            <a:pPr marL="1443355" marR="5080" indent="-1430655">
-              <a:lnSpc>
-                <a:spcPct val="100000"/>
-              </a:lnSpc>
-              <a:spcBef>
-                <a:spcPts val="100"/>
-              </a:spcBef>
-            </a:pPr>
-            <a:r>
-              <a:rPr sz="3000" spc="-25" dirty="0">
-                <a:solidFill>
-                  <a:srgbClr val="000000"/>
-                </a:solidFill>
-              </a:rPr>
-              <a:t>Trade</a:t>
-            </a:r>
-            <a:r>
-              <a:rPr sz="3000" spc="-175" dirty="0">
-                <a:solidFill>
-                  <a:srgbClr val="000000"/>
-                </a:solidFill>
-              </a:rPr>
-              <a:t> </a:t>
-            </a:r>
-            <a:r>
-              <a:rPr sz="3000" spc="45" dirty="0">
-                <a:solidFill>
-                  <a:srgbClr val="000000"/>
-                </a:solidFill>
-              </a:rPr>
-              <a:t>capital</a:t>
-            </a:r>
-            <a:r>
-              <a:rPr sz="3000" spc="-175" dirty="0">
-                <a:solidFill>
-                  <a:srgbClr val="000000"/>
-                </a:solidFill>
-              </a:rPr>
-              <a:t> </a:t>
-            </a:r>
-            <a:r>
-              <a:rPr sz="3000" spc="-5" dirty="0">
-                <a:solidFill>
-                  <a:srgbClr val="000000"/>
-                </a:solidFill>
-              </a:rPr>
-              <a:t>expense</a:t>
-            </a:r>
-            <a:r>
-              <a:rPr sz="3000" spc="-170" dirty="0">
-                <a:solidFill>
-                  <a:srgbClr val="000000"/>
-                </a:solidFill>
-              </a:rPr>
-              <a:t> </a:t>
-            </a:r>
-            <a:r>
-              <a:rPr sz="3000" spc="50" dirty="0">
-                <a:solidFill>
-                  <a:srgbClr val="000000"/>
-                </a:solidFill>
-              </a:rPr>
-              <a:t>for </a:t>
-            </a:r>
-            <a:r>
-              <a:rPr sz="3000" spc="-1045" dirty="0">
-                <a:solidFill>
-                  <a:srgbClr val="000000"/>
-                </a:solidFill>
-              </a:rPr>
-              <a:t> </a:t>
-            </a:r>
-            <a:r>
-              <a:rPr sz="3000" spc="5" dirty="0">
-                <a:solidFill>
-                  <a:srgbClr val="000000"/>
-                </a:solidFill>
-              </a:rPr>
-              <a:t>variable</a:t>
-            </a:r>
-            <a:r>
-              <a:rPr sz="3000" spc="-245" dirty="0">
-                <a:solidFill>
-                  <a:srgbClr val="000000"/>
-                </a:solidFill>
-              </a:rPr>
-              <a:t> </a:t>
-            </a:r>
-            <a:r>
-              <a:rPr sz="3000" spc="-10" dirty="0">
-                <a:solidFill>
-                  <a:srgbClr val="000000"/>
-                </a:solidFill>
-              </a:rPr>
-              <a:t>expenses</a:t>
-            </a:r>
-            <a:endParaRPr sz="3000"/>
+          <a:bodyPr/>
+          <a:p>
+            <a:endParaRPr lang="en-US"/>
           </a:p>
         </p:txBody>
       </p:sp>
       <p:sp>
         <p:nvSpPr>
-          <p:cNvPr id="5" name="object 5"/>
-          <p:cNvSpPr txBox="1"/>
-          <p:nvPr/>
-        </p:nvSpPr>
-        <p:spPr>
-          <a:xfrm>
-            <a:off x="727441" y="3035300"/>
-            <a:ext cx="5033645" cy="4140200"/>
-          </a:xfrm>
-          <a:prstGeom prst="rect">
-            <a:avLst/>
-          </a:prstGeom>
-        </p:spPr>
-        <p:txBody>
-          <a:bodyPr vert="horz" wrap="square" lIns="0" tIns="12700" rIns="0" bIns="0" rtlCol="0">
-            <a:spAutoFit/>
-          </a:bodyPr>
-          <a:lstStyle/>
-          <a:p>
-            <a:pPr marL="1356995" marR="5080" indent="-368935" algn="r">
-              <a:lnSpc>
-                <a:spcPct val="100000"/>
-              </a:lnSpc>
-              <a:spcBef>
-                <a:spcPts val="100"/>
-              </a:spcBef>
-            </a:pPr>
-            <a:r>
-              <a:rPr sz="3000" spc="35" dirty="0">
-                <a:latin typeface="Verdana" panose="020B0604030504040204"/>
-                <a:cs typeface="Verdana" panose="020B0604030504040204"/>
-              </a:rPr>
-              <a:t>Benefit</a:t>
-            </a:r>
-            <a:r>
-              <a:rPr sz="3000" spc="-165" dirty="0">
-                <a:latin typeface="Verdana" panose="020B0604030504040204"/>
-                <a:cs typeface="Verdana" panose="020B0604030504040204"/>
-              </a:rPr>
-              <a:t> </a:t>
-            </a:r>
-            <a:r>
-              <a:rPr sz="3000" spc="10" dirty="0">
-                <a:latin typeface="Verdana" panose="020B0604030504040204"/>
-                <a:cs typeface="Verdana" panose="020B0604030504040204"/>
-              </a:rPr>
-              <a:t>from</a:t>
-            </a:r>
-            <a:r>
-              <a:rPr sz="3000" spc="-165" dirty="0">
-                <a:latin typeface="Verdana" panose="020B0604030504040204"/>
-                <a:cs typeface="Verdana" panose="020B0604030504040204"/>
-              </a:rPr>
-              <a:t> </a:t>
-            </a:r>
-            <a:r>
-              <a:rPr sz="3000" spc="-45" dirty="0">
-                <a:latin typeface="Verdana" panose="020B0604030504040204"/>
-                <a:cs typeface="Verdana" panose="020B0604030504040204"/>
-              </a:rPr>
-              <a:t>massive </a:t>
-            </a:r>
-            <a:r>
-              <a:rPr sz="3000" spc="-1040" dirty="0">
-                <a:latin typeface="Verdana" panose="020B0604030504040204"/>
-                <a:cs typeface="Verdana" panose="020B0604030504040204"/>
-              </a:rPr>
-              <a:t> </a:t>
-            </a:r>
-            <a:r>
-              <a:rPr sz="3000" spc="35" dirty="0">
-                <a:latin typeface="Verdana" panose="020B0604030504040204"/>
-                <a:cs typeface="Verdana" panose="020B0604030504040204"/>
-              </a:rPr>
-              <a:t>economies</a:t>
-            </a:r>
-            <a:r>
-              <a:rPr sz="3000" spc="-200" dirty="0">
-                <a:latin typeface="Verdana" panose="020B0604030504040204"/>
-                <a:cs typeface="Verdana" panose="020B0604030504040204"/>
-              </a:rPr>
-              <a:t> </a:t>
-            </a:r>
-            <a:r>
-              <a:rPr sz="3000" spc="110" dirty="0">
-                <a:latin typeface="Verdana" panose="020B0604030504040204"/>
-                <a:cs typeface="Verdana" panose="020B0604030504040204"/>
-              </a:rPr>
-              <a:t>of</a:t>
-            </a:r>
-            <a:r>
-              <a:rPr sz="3000" spc="-195" dirty="0">
-                <a:latin typeface="Verdana" panose="020B0604030504040204"/>
-                <a:cs typeface="Verdana" panose="020B0604030504040204"/>
-              </a:rPr>
-              <a:t> </a:t>
-            </a:r>
-            <a:r>
-              <a:rPr sz="3000" spc="20" dirty="0">
-                <a:latin typeface="Verdana" panose="020B0604030504040204"/>
-                <a:cs typeface="Verdana" panose="020B0604030504040204"/>
-              </a:rPr>
-              <a:t>scale</a:t>
-            </a:r>
-            <a:endParaRPr sz="3000">
-              <a:latin typeface="Verdana" panose="020B0604030504040204"/>
-              <a:cs typeface="Verdana" panose="020B0604030504040204"/>
-            </a:endParaRPr>
-          </a:p>
-          <a:p>
-            <a:pPr marL="12700" marR="5080" indent="551815" algn="r">
-              <a:lnSpc>
-                <a:spcPct val="150000"/>
-              </a:lnSpc>
-            </a:pPr>
-            <a:r>
-              <a:rPr sz="3000" spc="35" dirty="0">
-                <a:latin typeface="Verdana" panose="020B0604030504040204"/>
-                <a:cs typeface="Verdana" panose="020B0604030504040204"/>
-              </a:rPr>
-              <a:t>Stop</a:t>
-            </a:r>
-            <a:r>
-              <a:rPr sz="3000" spc="-180" dirty="0">
-                <a:latin typeface="Verdana" panose="020B0604030504040204"/>
-                <a:cs typeface="Verdana" panose="020B0604030504040204"/>
-              </a:rPr>
-              <a:t> </a:t>
-            </a:r>
-            <a:r>
-              <a:rPr sz="3000" spc="10" dirty="0">
-                <a:latin typeface="Verdana" panose="020B0604030504040204"/>
-                <a:cs typeface="Verdana" panose="020B0604030504040204"/>
-              </a:rPr>
-              <a:t>guessing</a:t>
-            </a:r>
-            <a:r>
-              <a:rPr sz="3000" spc="-180" dirty="0">
-                <a:latin typeface="Verdana" panose="020B0604030504040204"/>
-                <a:cs typeface="Verdana" panose="020B0604030504040204"/>
-              </a:rPr>
-              <a:t> </a:t>
-            </a:r>
-            <a:r>
-              <a:rPr sz="3000" spc="55" dirty="0">
-                <a:latin typeface="Verdana" panose="020B0604030504040204"/>
-                <a:cs typeface="Verdana" panose="020B0604030504040204"/>
-              </a:rPr>
-              <a:t>capacity </a:t>
-            </a:r>
-            <a:r>
-              <a:rPr sz="3000" spc="-1040" dirty="0">
-                <a:latin typeface="Verdana" panose="020B0604030504040204"/>
-                <a:cs typeface="Verdana" panose="020B0604030504040204"/>
-              </a:rPr>
-              <a:t> </a:t>
-            </a:r>
-            <a:r>
-              <a:rPr sz="3000" spc="-45" dirty="0">
-                <a:latin typeface="Verdana" panose="020B0604030504040204"/>
-                <a:cs typeface="Verdana" panose="020B0604030504040204"/>
-              </a:rPr>
-              <a:t>Increase</a:t>
-            </a:r>
-            <a:r>
-              <a:rPr sz="3000" spc="-175" dirty="0">
-                <a:latin typeface="Verdana" panose="020B0604030504040204"/>
-                <a:cs typeface="Verdana" panose="020B0604030504040204"/>
-              </a:rPr>
-              <a:t> </a:t>
-            </a:r>
-            <a:r>
-              <a:rPr sz="3000" spc="50" dirty="0">
-                <a:latin typeface="Verdana" panose="020B0604030504040204"/>
-                <a:cs typeface="Verdana" panose="020B0604030504040204"/>
-              </a:rPr>
-              <a:t>speed</a:t>
-            </a:r>
-            <a:r>
-              <a:rPr sz="3000" spc="-170" dirty="0">
-                <a:latin typeface="Verdana" panose="020B0604030504040204"/>
-                <a:cs typeface="Verdana" panose="020B0604030504040204"/>
-              </a:rPr>
-              <a:t> </a:t>
-            </a:r>
-            <a:r>
-              <a:rPr sz="3000" spc="20" dirty="0">
-                <a:latin typeface="Verdana" panose="020B0604030504040204"/>
-                <a:cs typeface="Verdana" panose="020B0604030504040204"/>
-              </a:rPr>
-              <a:t>and</a:t>
-            </a:r>
-            <a:r>
-              <a:rPr sz="3000" spc="-175" dirty="0">
-                <a:latin typeface="Verdana" panose="020B0604030504040204"/>
-                <a:cs typeface="Verdana" panose="020B0604030504040204"/>
-              </a:rPr>
-              <a:t> </a:t>
-            </a:r>
-            <a:r>
-              <a:rPr sz="3000" spc="35" dirty="0">
-                <a:latin typeface="Verdana" panose="020B0604030504040204"/>
-                <a:cs typeface="Verdana" panose="020B0604030504040204"/>
-              </a:rPr>
-              <a:t>agility</a:t>
-            </a:r>
-            <a:endParaRPr sz="3000">
-              <a:latin typeface="Verdana" panose="020B0604030504040204"/>
-              <a:cs typeface="Verdana" panose="020B0604030504040204"/>
-            </a:endParaRPr>
-          </a:p>
-          <a:p>
-            <a:pPr marL="271780" marR="5080" indent="557530" algn="r">
-              <a:lnSpc>
-                <a:spcPct val="100000"/>
-              </a:lnSpc>
-              <a:spcBef>
-                <a:spcPts val="1800"/>
-              </a:spcBef>
-            </a:pPr>
-            <a:r>
-              <a:rPr sz="3000" spc="35" dirty="0">
-                <a:latin typeface="Verdana" panose="020B0604030504040204"/>
-                <a:cs typeface="Verdana" panose="020B0604030504040204"/>
-              </a:rPr>
-              <a:t>Stop</a:t>
-            </a:r>
-            <a:r>
-              <a:rPr sz="3000" spc="-190" dirty="0">
-                <a:latin typeface="Verdana" panose="020B0604030504040204"/>
-                <a:cs typeface="Verdana" panose="020B0604030504040204"/>
-              </a:rPr>
-              <a:t> </a:t>
-            </a:r>
-            <a:r>
-              <a:rPr sz="3000" spc="40" dirty="0">
-                <a:latin typeface="Verdana" panose="020B0604030504040204"/>
-                <a:cs typeface="Verdana" panose="020B0604030504040204"/>
-              </a:rPr>
-              <a:t>spending</a:t>
-            </a:r>
-            <a:r>
-              <a:rPr sz="3000" spc="-185" dirty="0">
-                <a:latin typeface="Verdana" panose="020B0604030504040204"/>
-                <a:cs typeface="Verdana" panose="020B0604030504040204"/>
-              </a:rPr>
-              <a:t> </a:t>
-            </a:r>
-            <a:r>
-              <a:rPr sz="3000" dirty="0">
-                <a:latin typeface="Verdana" panose="020B0604030504040204"/>
-                <a:cs typeface="Verdana" panose="020B0604030504040204"/>
-              </a:rPr>
-              <a:t>money </a:t>
-            </a:r>
-            <a:r>
-              <a:rPr sz="3000" spc="-1040" dirty="0">
-                <a:latin typeface="Verdana" panose="020B0604030504040204"/>
-                <a:cs typeface="Verdana" panose="020B0604030504040204"/>
-              </a:rPr>
-              <a:t> </a:t>
-            </a:r>
-            <a:r>
-              <a:rPr sz="3000" dirty="0">
-                <a:latin typeface="Verdana" panose="020B0604030504040204"/>
-                <a:cs typeface="Verdana" panose="020B0604030504040204"/>
-              </a:rPr>
-              <a:t>maintaining</a:t>
-            </a:r>
-            <a:r>
-              <a:rPr sz="3000" spc="-180" dirty="0">
-                <a:latin typeface="Verdana" panose="020B0604030504040204"/>
-                <a:cs typeface="Verdana" panose="020B0604030504040204"/>
-              </a:rPr>
-              <a:t> </a:t>
-            </a:r>
-            <a:r>
-              <a:rPr sz="3000" spc="20" dirty="0">
-                <a:latin typeface="Verdana" panose="020B0604030504040204"/>
-                <a:cs typeface="Verdana" panose="020B0604030504040204"/>
-              </a:rPr>
-              <a:t>data</a:t>
-            </a:r>
-            <a:r>
-              <a:rPr sz="3000" spc="-175" dirty="0">
-                <a:latin typeface="Verdana" panose="020B0604030504040204"/>
-                <a:cs typeface="Verdana" panose="020B0604030504040204"/>
-              </a:rPr>
-              <a:t> </a:t>
-            </a:r>
-            <a:r>
-              <a:rPr sz="3000" dirty="0">
-                <a:latin typeface="Verdana" panose="020B0604030504040204"/>
-                <a:cs typeface="Verdana" panose="020B0604030504040204"/>
-              </a:rPr>
-              <a:t>centers</a:t>
-            </a:r>
-            <a:endParaRPr sz="3000">
-              <a:latin typeface="Verdana" panose="020B0604030504040204"/>
-              <a:cs typeface="Verdana" panose="020B0604030504040204"/>
-            </a:endParaRPr>
-          </a:p>
-          <a:p>
-            <a:pPr marR="5080" algn="r">
-              <a:lnSpc>
-                <a:spcPct val="100000"/>
-              </a:lnSpc>
-              <a:spcBef>
-                <a:spcPts val="1800"/>
-              </a:spcBef>
-            </a:pPr>
-            <a:r>
-              <a:rPr sz="3000" spc="85" dirty="0">
-                <a:latin typeface="Verdana" panose="020B0604030504040204"/>
-                <a:cs typeface="Verdana" panose="020B0604030504040204"/>
-              </a:rPr>
-              <a:t>Go</a:t>
-            </a:r>
-            <a:r>
-              <a:rPr sz="3000" spc="-175" dirty="0">
-                <a:latin typeface="Verdana" panose="020B0604030504040204"/>
-                <a:cs typeface="Verdana" panose="020B0604030504040204"/>
-              </a:rPr>
-              <a:t> </a:t>
-            </a:r>
-            <a:r>
-              <a:rPr sz="3000" spc="75" dirty="0">
-                <a:latin typeface="Verdana" panose="020B0604030504040204"/>
-                <a:cs typeface="Verdana" panose="020B0604030504040204"/>
-              </a:rPr>
-              <a:t>global</a:t>
-            </a:r>
-            <a:r>
-              <a:rPr sz="3000" spc="-170" dirty="0">
-                <a:latin typeface="Verdana" panose="020B0604030504040204"/>
-                <a:cs typeface="Verdana" panose="020B0604030504040204"/>
-              </a:rPr>
-              <a:t> </a:t>
-            </a:r>
-            <a:r>
-              <a:rPr sz="3000" spc="-5" dirty="0">
-                <a:latin typeface="Verdana" panose="020B0604030504040204"/>
-                <a:cs typeface="Verdana" panose="020B0604030504040204"/>
-              </a:rPr>
-              <a:t>in</a:t>
-            </a:r>
-            <a:r>
-              <a:rPr sz="3000" spc="-170" dirty="0">
-                <a:latin typeface="Verdana" panose="020B0604030504040204"/>
-                <a:cs typeface="Verdana" panose="020B0604030504040204"/>
-              </a:rPr>
-              <a:t> </a:t>
-            </a:r>
-            <a:r>
-              <a:rPr sz="3000" spc="-25" dirty="0">
-                <a:latin typeface="Verdana" panose="020B0604030504040204"/>
-                <a:cs typeface="Verdana" panose="020B0604030504040204"/>
-              </a:rPr>
-              <a:t>minutes</a:t>
-            </a:r>
-            <a:endParaRPr sz="3000">
-              <a:latin typeface="Verdana" panose="020B0604030504040204"/>
-              <a:cs typeface="Verdana" panose="020B0604030504040204"/>
-            </a:endParaRPr>
-          </a:p>
-        </p:txBody>
-      </p:sp>
-      <p:sp>
-        <p:nvSpPr>
-          <p:cNvPr id="6" name="Slide Number Placeholder 5"/>
+          <p:cNvPr id="4" name="Slide Number Placeholder 3"/>
           <p:cNvSpPr>
             <a:spLocks noGrp="1"/>
           </p:cNvSpPr>
@@ -18021,6 +19069,75 @@
           </a:p>
         </p:txBody>
       </p:sp>
+      <p:sp>
+        <p:nvSpPr>
+          <p:cNvPr id="8" name="Content Placeholder 7"/>
+          <p:cNvSpPr>
+            <a:spLocks noGrp="1"/>
+          </p:cNvSpPr>
+          <p:nvPr>
+            <p:ph sz="half" idx="3"/>
+          </p:nvPr>
+        </p:nvSpPr>
+        <p:spPr/>
+        <p:txBody>
+          <a:bodyPr/>
+          <a:p>
+            <a:endParaRPr lang="en-US"/>
+          </a:p>
+        </p:txBody>
+      </p:sp>
+      <p:graphicFrame>
+        <p:nvGraphicFramePr>
+          <p:cNvPr id="5" name="Content Placeholder 4"/>
+          <p:cNvGraphicFramePr/>
+          <p:nvPr>
+            <p:ph sz="half" idx="2"/>
+          </p:nvPr>
+        </p:nvGraphicFramePr>
+        <p:xfrm>
+          <a:off x="1117600" y="512445"/>
+          <a:ext cx="13657580" cy="8118475"/>
+        </p:xfrm>
+        <a:graphic>
+          <a:graphicData uri="http://schemas.openxmlformats.org/presentationml/2006/ole">
+            <mc:AlternateContent xmlns:mc="http://schemas.openxmlformats.org/markup-compatibility/2006">
+              <mc:Choice xmlns:v="urn:schemas-microsoft-com:vml" Requires="v">
+                <p:oleObj spid="_x0000_s6" name="" r:id="rId1" imgW="5924550" imgH="5191125" progId="Paint.Picture">
+                  <p:embed/>
+                </p:oleObj>
+              </mc:Choice>
+              <mc:Fallback>
+                <p:oleObj name="" r:id="rId1" imgW="5924550" imgH="5191125" progId="Paint.Picture">
+                  <p:embed/>
+                  <p:pic>
+                    <p:nvPicPr>
+                      <p:cNvPr id="0" name="Picture 5"/>
+                      <p:cNvPicPr/>
+                      <p:nvPr/>
+                    </p:nvPicPr>
+                    <p:blipFill>
+                      <a:blip r:embed="rId2"/>
+                      <a:stretch>
+                        <a:fillRect/>
+                      </a:stretch>
+                    </p:blipFill>
+                    <p:spPr>
+                      <a:xfrm>
+                        <a:off x="1117600" y="512445"/>
+                        <a:ext cx="13657580" cy="8118475"/>
+                      </a:xfrm>
+                      <a:prstGeom prst="rect">
+                        <a:avLst/>
+                      </a:prstGeom>
+                    </p:spPr>
+                  </p:pic>
+                </p:oleObj>
+              </mc:Fallback>
+            </mc:AlternateContent>
+          </a:graphicData>
+        </a:graphic>
+      </p:graphicFrame>
     </p:spTree>
   </p:cSld>
   <p:clrMapOvr>
